--- a/apresentacao2.pptx
+++ b/apresentacao2.pptx
@@ -11,23 +11,27 @@
     <p:sldId id="258" r:id="rId5"/>
     <p:sldId id="269" r:id="rId6"/>
     <p:sldId id="259" r:id="rId7"/>
-    <p:sldId id="262" r:id="rId8"/>
-    <p:sldId id="263" r:id="rId9"/>
-    <p:sldId id="271" r:id="rId10"/>
-    <p:sldId id="260" r:id="rId11"/>
-    <p:sldId id="278" r:id="rId12"/>
-    <p:sldId id="279" r:id="rId13"/>
-    <p:sldId id="280" r:id="rId14"/>
-    <p:sldId id="281" r:id="rId15"/>
-    <p:sldId id="264" r:id="rId16"/>
-    <p:sldId id="267" r:id="rId17"/>
-    <p:sldId id="270" r:id="rId18"/>
-    <p:sldId id="282" r:id="rId19"/>
-    <p:sldId id="283" r:id="rId20"/>
-    <p:sldId id="277" r:id="rId21"/>
+    <p:sldId id="286" r:id="rId8"/>
+    <p:sldId id="284" r:id="rId9"/>
+    <p:sldId id="285" r:id="rId10"/>
+    <p:sldId id="271" r:id="rId11"/>
+    <p:sldId id="287" r:id="rId12"/>
+    <p:sldId id="278" r:id="rId13"/>
+    <p:sldId id="279" r:id="rId14"/>
+    <p:sldId id="280" r:id="rId15"/>
+    <p:sldId id="281" r:id="rId16"/>
+    <p:sldId id="264" r:id="rId17"/>
+    <p:sldId id="267" r:id="rId18"/>
+    <p:sldId id="270" r:id="rId19"/>
+    <p:sldId id="282" r:id="rId20"/>
+    <p:sldId id="283" r:id="rId21"/>
+    <p:sldId id="277" r:id="rId22"/>
   </p:sldIdLst>
   <p:sldSz cx="9144000" cy="6858000" type="screen4x3"/>
   <p:notesSz cx="6858000" cy="9144000"/>
+  <p:custDataLst>
+    <p:tags r:id="rId23"/>
+  </p:custDataLst>
   <p:defaultTextStyle>
     <a:defPPr>
       <a:defRPr lang="pt-BR"/>
@@ -128,29 +132,49 @@
 
 <file path=ppt/charts/chart1.xml><?xml version="1.0" encoding="utf-8"?>
 <c:chartSpace xmlns:c="http://schemas.openxmlformats.org/drawingml/2006/chart" xmlns:a="http://schemas.openxmlformats.org/drawingml/2006/main" xmlns:r="http://schemas.openxmlformats.org/officeDocument/2006/relationships">
-  <c:date1904 val="1"/>
+  <c:date1904 val="0"/>
   <c:lang val="pt-BR"/>
+  <c:roundedCorners val="0"/>
+  <mc:AlternateContent xmlns:mc="http://schemas.openxmlformats.org/markup-compatibility/2006">
+    <mc:Choice xmlns:c14="http://schemas.microsoft.com/office/drawing/2007/8/2/chart" Requires="c14">
+      <c14:style val="102"/>
+    </mc:Choice>
+    <mc:Fallback>
+      <c:style val="2"/>
+    </mc:Fallback>
+  </mc:AlternateContent>
   <c:chart>
-    <c:autoTitleDeleted val="1"/>
+    <c:title>
+      <c:tx>
+        <c:rich>
+          <a:bodyPr/>
+          <a:lstStyle/>
+          <a:p>
+            <a:pPr>
+              <a:defRPr sz="1800"/>
+            </a:pPr>
+            <a:r>
+              <a:rPr lang="pt-BR" sz="1800"/>
+              <a:t>Distribuição empírica da distância</a:t>
+            </a:r>
+          </a:p>
+        </c:rich>
+      </c:tx>
+      <c:layout/>
+      <c:overlay val="0"/>
+    </c:title>
+    <c:autoTitleDeleted val="0"/>
     <c:plotArea>
-      <c:layout>
-        <c:manualLayout>
-          <c:xMode val="edge"/>
-          <c:yMode val="edge"/>
-          <c:x val="3.9048592744353176E-2"/>
-          <c:y val="8.8421185690810297E-2"/>
-          <c:w val="0.83960834106018034"/>
-          <c:h val="0.86506113147656571"/>
-        </c:manualLayout>
-      </c:layout>
+      <c:layout/>
       <c:lineChart>
         <c:grouping val="standard"/>
+        <c:varyColors val="0"/>
         <c:ser>
           <c:idx val="0"/>
           <c:order val="0"/>
           <c:tx>
             <c:strRef>
-              <c:f>Planilha1!$B$1</c:f>
+              <c:f>Plan1!$B$1</c:f>
               <c:strCache>
                 <c:ptCount val="1"/>
                 <c:pt idx="0">
@@ -159,23 +183,12 @@
               </c:strCache>
             </c:strRef>
           </c:tx>
-          <c:spPr>
-            <a:ln w="28800">
-              <a:solidFill>
-                <a:srgbClr val="004586"/>
-              </a:solidFill>
-            </a:ln>
-          </c:spPr>
-          <c:marker>
-            <c:symbol val="square"/>
-            <c:size val="6"/>
-          </c:marker>
           <c:cat>
             <c:numRef>
-              <c:f>Planilha1!$A$2:$A$43</c:f>
+              <c:f>Plan1!$A$2:$A$105</c:f>
               <c:numCache>
                 <c:formatCode>General</c:formatCode>
-                <c:ptCount val="42"/>
+                <c:ptCount val="104"/>
                 <c:pt idx="0">
                   <c:v>0</c:v>
                 </c:pt>
@@ -301,138 +314,324 @@
                 </c:pt>
                 <c:pt idx="41">
                   <c:v>41</c:v>
+                </c:pt>
+                <c:pt idx="42">
+                  <c:v>42</c:v>
+                </c:pt>
+                <c:pt idx="43">
+                  <c:v>43</c:v>
+                </c:pt>
+                <c:pt idx="44">
+                  <c:v>44</c:v>
+                </c:pt>
+                <c:pt idx="45">
+                  <c:v>45</c:v>
+                </c:pt>
+                <c:pt idx="46">
+                  <c:v>46</c:v>
+                </c:pt>
+                <c:pt idx="47">
+                  <c:v>47</c:v>
+                </c:pt>
+                <c:pt idx="48">
+                  <c:v>48</c:v>
+                </c:pt>
+                <c:pt idx="49">
+                  <c:v>49</c:v>
+                </c:pt>
+                <c:pt idx="50">
+                  <c:v>50</c:v>
+                </c:pt>
+                <c:pt idx="51">
+                  <c:v>51</c:v>
+                </c:pt>
+                <c:pt idx="52">
+                  <c:v>52</c:v>
+                </c:pt>
+                <c:pt idx="53">
+                  <c:v>53</c:v>
+                </c:pt>
+                <c:pt idx="54">
+                  <c:v>54</c:v>
+                </c:pt>
+                <c:pt idx="55">
+                  <c:v>55</c:v>
+                </c:pt>
+                <c:pt idx="56">
+                  <c:v>56</c:v>
+                </c:pt>
+                <c:pt idx="57">
+                  <c:v>57</c:v>
+                </c:pt>
+                <c:pt idx="58">
+                  <c:v>58</c:v>
+                </c:pt>
+                <c:pt idx="59">
+                  <c:v>59</c:v>
+                </c:pt>
+                <c:pt idx="60">
+                  <c:v>60</c:v>
+                </c:pt>
+                <c:pt idx="61">
+                  <c:v>61</c:v>
+                </c:pt>
+                <c:pt idx="62">
+                  <c:v>62</c:v>
+                </c:pt>
+                <c:pt idx="63">
+                  <c:v>63</c:v>
+                </c:pt>
+                <c:pt idx="64">
+                  <c:v>64</c:v>
+                </c:pt>
+                <c:pt idx="65">
+                  <c:v>65</c:v>
+                </c:pt>
+                <c:pt idx="66">
+                  <c:v>66</c:v>
+                </c:pt>
+                <c:pt idx="67">
+                  <c:v>67</c:v>
+                </c:pt>
+                <c:pt idx="68">
+                  <c:v>68</c:v>
+                </c:pt>
+                <c:pt idx="69">
+                  <c:v>69</c:v>
+                </c:pt>
+                <c:pt idx="70">
+                  <c:v>70</c:v>
+                </c:pt>
+                <c:pt idx="71">
+                  <c:v>71</c:v>
+                </c:pt>
+                <c:pt idx="72">
+                  <c:v>72</c:v>
+                </c:pt>
+                <c:pt idx="73">
+                  <c:v>73</c:v>
+                </c:pt>
+                <c:pt idx="74">
+                  <c:v>74</c:v>
+                </c:pt>
+                <c:pt idx="75">
+                  <c:v>75</c:v>
+                </c:pt>
+                <c:pt idx="76">
+                  <c:v>76</c:v>
+                </c:pt>
+                <c:pt idx="77">
+                  <c:v>77</c:v>
+                </c:pt>
+                <c:pt idx="78">
+                  <c:v>78</c:v>
+                </c:pt>
+                <c:pt idx="79">
+                  <c:v>79</c:v>
+                </c:pt>
+                <c:pt idx="80">
+                  <c:v>80</c:v>
+                </c:pt>
+                <c:pt idx="81">
+                  <c:v>81</c:v>
+                </c:pt>
+                <c:pt idx="82">
+                  <c:v>82</c:v>
+                </c:pt>
+                <c:pt idx="83">
+                  <c:v>83</c:v>
+                </c:pt>
+                <c:pt idx="84">
+                  <c:v>84</c:v>
+                </c:pt>
+                <c:pt idx="85">
+                  <c:v>85</c:v>
+                </c:pt>
+                <c:pt idx="86">
+                  <c:v>86</c:v>
+                </c:pt>
+                <c:pt idx="87">
+                  <c:v>87</c:v>
+                </c:pt>
+                <c:pt idx="88">
+                  <c:v>88</c:v>
+                </c:pt>
+                <c:pt idx="89">
+                  <c:v>89</c:v>
+                </c:pt>
+                <c:pt idx="90">
+                  <c:v>90</c:v>
+                </c:pt>
+                <c:pt idx="91">
+                  <c:v>91</c:v>
+                </c:pt>
+                <c:pt idx="92">
+                  <c:v>92</c:v>
+                </c:pt>
+                <c:pt idx="93">
+                  <c:v>93</c:v>
+                </c:pt>
+                <c:pt idx="94">
+                  <c:v>94</c:v>
+                </c:pt>
+                <c:pt idx="95">
+                  <c:v>95</c:v>
+                </c:pt>
+                <c:pt idx="96">
+                  <c:v>96</c:v>
+                </c:pt>
+                <c:pt idx="97">
+                  <c:v>97</c:v>
+                </c:pt>
+                <c:pt idx="98">
+                  <c:v>98</c:v>
+                </c:pt>
+                <c:pt idx="99">
+                  <c:v>99</c:v>
+                </c:pt>
+                <c:pt idx="100">
+                  <c:v>100</c:v>
+                </c:pt>
+                <c:pt idx="101">
+                  <c:v>101</c:v>
+                </c:pt>
+                <c:pt idx="102">
+                  <c:v>102</c:v>
+                </c:pt>
+                <c:pt idx="103">
+                  <c:v>103</c:v>
                 </c:pt>
               </c:numCache>
             </c:numRef>
           </c:cat>
           <c:val>
             <c:numRef>
-              <c:f>Planilha1!$B$2:$B$43</c:f>
+              <c:f>Plan1!$B$2:$B$105</c:f>
               <c:numCache>
                 <c:formatCode>General</c:formatCode>
-                <c:ptCount val="42"/>
+                <c:ptCount val="104"/>
                 <c:pt idx="0">
                   <c:v>0</c:v>
                 </c:pt>
                 <c:pt idx="1">
-                  <c:v>8.8888900000000069E-3</c:v>
+                  <c:v>4.444445E-3</c:v>
                 </c:pt>
                 <c:pt idx="2">
-                  <c:v>2.0202000000000012E-2</c:v>
+                  <c:v>1.0101000000000001E-2</c:v>
                 </c:pt>
                 <c:pt idx="3">
-                  <c:v>2.8282800000000014E-2</c:v>
+                  <c:v>1.41414E-2</c:v>
                 </c:pt>
                 <c:pt idx="4">
-                  <c:v>4.4848500000000013E-2</c:v>
+                  <c:v>2.242425E-2</c:v>
                 </c:pt>
                 <c:pt idx="5">
-                  <c:v>6.3838400000000045E-2</c:v>
+                  <c:v>3.1919200000000002E-2</c:v>
                 </c:pt>
                 <c:pt idx="6">
-                  <c:v>8.7272700000000009E-2</c:v>
+                  <c:v>4.3636349999999997E-2</c:v>
                 </c:pt>
                 <c:pt idx="7">
-                  <c:v>0.10585899999999993</c:v>
+                  <c:v>5.2929499999999997E-2</c:v>
                 </c:pt>
                 <c:pt idx="8">
-                  <c:v>0.12404000000000005</c:v>
+                  <c:v>6.2019999999999999E-2</c:v>
                 </c:pt>
                 <c:pt idx="9">
-                  <c:v>0.13292899999999999</c:v>
+                  <c:v>6.6464499999999996E-2</c:v>
                 </c:pt>
                 <c:pt idx="10">
-                  <c:v>0.128081</c:v>
+                  <c:v>6.40405E-2</c:v>
                 </c:pt>
                 <c:pt idx="11">
-                  <c:v>0.13090900000000011</c:v>
+                  <c:v>6.5454499999999999E-2</c:v>
                 </c:pt>
                 <c:pt idx="12">
-                  <c:v>0.14060600000000001</c:v>
+                  <c:v>7.0303000000000004E-2</c:v>
                 </c:pt>
                 <c:pt idx="13">
-                  <c:v>0.12646499999999999</c:v>
+                  <c:v>6.3232499999999997E-2</c:v>
                 </c:pt>
                 <c:pt idx="14">
-                  <c:v>0.11272700000000004</c:v>
+                  <c:v>5.6363499999999997E-2</c:v>
                 </c:pt>
                 <c:pt idx="15">
-                  <c:v>0.12363600000000009</c:v>
+                  <c:v>6.1817999999999998E-2</c:v>
                 </c:pt>
                 <c:pt idx="16">
-                  <c:v>0.10989900000000002</c:v>
+                  <c:v>5.4949499999999998E-2</c:v>
                 </c:pt>
                 <c:pt idx="17">
-                  <c:v>8.4444400000000058E-2</c:v>
+                  <c:v>4.2222200000000001E-2</c:v>
                 </c:pt>
                 <c:pt idx="18">
-                  <c:v>8.2828300000000077E-2</c:v>
+                  <c:v>4.1414149999999997E-2</c:v>
                 </c:pt>
                 <c:pt idx="19">
-                  <c:v>7.3535400000000042E-2</c:v>
+                  <c:v>3.67677E-2</c:v>
                 </c:pt>
                 <c:pt idx="20">
-                  <c:v>5.0909099999999999E-2</c:v>
+                  <c:v>2.5454549999999999E-2</c:v>
                 </c:pt>
                 <c:pt idx="21">
-                  <c:v>4.1616199999999999E-2</c:v>
+                  <c:v>2.08081E-2</c:v>
                 </c:pt>
                 <c:pt idx="22">
-                  <c:v>3.9596000000000006E-2</c:v>
+                  <c:v>1.9798E-2</c:v>
                 </c:pt>
                 <c:pt idx="23">
-                  <c:v>2.8282800000000014E-2</c:v>
+                  <c:v>1.41414E-2</c:v>
                 </c:pt>
                 <c:pt idx="24">
-                  <c:v>2.6666700000000008E-2</c:v>
+                  <c:v>1.3333350000000001E-2</c:v>
                 </c:pt>
                 <c:pt idx="25">
-                  <c:v>2.1010100000000014E-2</c:v>
+                  <c:v>1.050505E-2</c:v>
                 </c:pt>
                 <c:pt idx="26">
-                  <c:v>1.2929299999999999E-2</c:v>
+                  <c:v>6.4646499999999997E-3</c:v>
                 </c:pt>
                 <c:pt idx="27">
-                  <c:v>9.6969700000000027E-3</c:v>
+                  <c:v>4.8484849999999996E-3</c:v>
                 </c:pt>
                 <c:pt idx="28">
-                  <c:v>1.1717200000000001E-2</c:v>
+                  <c:v>5.8586000000000003E-3</c:v>
                 </c:pt>
                 <c:pt idx="29">
-                  <c:v>8.0808100000000008E-3</c:v>
+                  <c:v>4.0404050000000004E-3</c:v>
                 </c:pt>
                 <c:pt idx="30">
-                  <c:v>8.0808100000000008E-3</c:v>
+                  <c:v>4.0404050000000004E-3</c:v>
                 </c:pt>
                 <c:pt idx="31">
-                  <c:v>3.2323200000000021E-3</c:v>
+                  <c:v>1.6161599999999999E-3</c:v>
                 </c:pt>
                 <c:pt idx="32">
-                  <c:v>2.0202000000000011E-3</c:v>
+                  <c:v>1.0101000000000001E-3</c:v>
                 </c:pt>
                 <c:pt idx="33">
-                  <c:v>2.0202000000000011E-3</c:v>
+                  <c:v>1.0101000000000001E-3</c:v>
                 </c:pt>
                 <c:pt idx="34">
-                  <c:v>2.0202000000000011E-3</c:v>
+                  <c:v>1.0101000000000001E-3</c:v>
                 </c:pt>
                 <c:pt idx="35">
-                  <c:v>1.2121200000000001E-3</c:v>
+                  <c:v>6.0605999999999995E-4</c:v>
                 </c:pt>
                 <c:pt idx="36">
-                  <c:v>4.0404000000000042E-4</c:v>
+                  <c:v>2.0201999999999999E-4</c:v>
                 </c:pt>
                 <c:pt idx="37">
-                  <c:v>4.0404000000000042E-4</c:v>
+                  <c:v>2.0201999999999999E-4</c:v>
                 </c:pt>
                 <c:pt idx="38">
-                  <c:v>4.0404000000000042E-4</c:v>
+                  <c:v>2.0201999999999999E-4</c:v>
                 </c:pt>
                 <c:pt idx="39">
                   <c:v>0</c:v>
                 </c:pt>
                 <c:pt idx="40">
-                  <c:v>4.0404000000000042E-4</c:v>
+                  <c:v>2.0201999999999999E-4</c:v>
                 </c:pt>
                 <c:pt idx="41">
                   <c:v>0</c:v>
@@ -440,13 +639,14 @@
               </c:numCache>
             </c:numRef>
           </c:val>
+          <c:smooth val="0"/>
         </c:ser>
         <c:ser>
           <c:idx val="1"/>
           <c:order val="1"/>
           <c:tx>
             <c:strRef>
-              <c:f>Planilha1!$C$1</c:f>
+              <c:f>Plan1!$C$1</c:f>
               <c:strCache>
                 <c:ptCount val="1"/>
                 <c:pt idx="0">
@@ -455,23 +655,12 @@
               </c:strCache>
             </c:strRef>
           </c:tx>
-          <c:spPr>
-            <a:ln w="28800">
-              <a:solidFill>
-                <a:srgbClr val="FF420E"/>
-              </a:solidFill>
-            </a:ln>
-          </c:spPr>
-          <c:marker>
-            <c:symbol val="diamond"/>
-            <c:size val="7"/>
-          </c:marker>
           <c:cat>
             <c:numRef>
-              <c:f>Planilha1!$A$2:$A$43</c:f>
+              <c:f>Plan1!$A$2:$A$105</c:f>
               <c:numCache>
                 <c:formatCode>General</c:formatCode>
-                <c:ptCount val="42"/>
+                <c:ptCount val="104"/>
                 <c:pt idx="0">
                   <c:v>0</c:v>
                 </c:pt>
@@ -597,27 +786,213 @@
                 </c:pt>
                 <c:pt idx="41">
                   <c:v>41</c:v>
+                </c:pt>
+                <c:pt idx="42">
+                  <c:v>42</c:v>
+                </c:pt>
+                <c:pt idx="43">
+                  <c:v>43</c:v>
+                </c:pt>
+                <c:pt idx="44">
+                  <c:v>44</c:v>
+                </c:pt>
+                <c:pt idx="45">
+                  <c:v>45</c:v>
+                </c:pt>
+                <c:pt idx="46">
+                  <c:v>46</c:v>
+                </c:pt>
+                <c:pt idx="47">
+                  <c:v>47</c:v>
+                </c:pt>
+                <c:pt idx="48">
+                  <c:v>48</c:v>
+                </c:pt>
+                <c:pt idx="49">
+                  <c:v>49</c:v>
+                </c:pt>
+                <c:pt idx="50">
+                  <c:v>50</c:v>
+                </c:pt>
+                <c:pt idx="51">
+                  <c:v>51</c:v>
+                </c:pt>
+                <c:pt idx="52">
+                  <c:v>52</c:v>
+                </c:pt>
+                <c:pt idx="53">
+                  <c:v>53</c:v>
+                </c:pt>
+                <c:pt idx="54">
+                  <c:v>54</c:v>
+                </c:pt>
+                <c:pt idx="55">
+                  <c:v>55</c:v>
+                </c:pt>
+                <c:pt idx="56">
+                  <c:v>56</c:v>
+                </c:pt>
+                <c:pt idx="57">
+                  <c:v>57</c:v>
+                </c:pt>
+                <c:pt idx="58">
+                  <c:v>58</c:v>
+                </c:pt>
+                <c:pt idx="59">
+                  <c:v>59</c:v>
+                </c:pt>
+                <c:pt idx="60">
+                  <c:v>60</c:v>
+                </c:pt>
+                <c:pt idx="61">
+                  <c:v>61</c:v>
+                </c:pt>
+                <c:pt idx="62">
+                  <c:v>62</c:v>
+                </c:pt>
+                <c:pt idx="63">
+                  <c:v>63</c:v>
+                </c:pt>
+                <c:pt idx="64">
+                  <c:v>64</c:v>
+                </c:pt>
+                <c:pt idx="65">
+                  <c:v>65</c:v>
+                </c:pt>
+                <c:pt idx="66">
+                  <c:v>66</c:v>
+                </c:pt>
+                <c:pt idx="67">
+                  <c:v>67</c:v>
+                </c:pt>
+                <c:pt idx="68">
+                  <c:v>68</c:v>
+                </c:pt>
+                <c:pt idx="69">
+                  <c:v>69</c:v>
+                </c:pt>
+                <c:pt idx="70">
+                  <c:v>70</c:v>
+                </c:pt>
+                <c:pt idx="71">
+                  <c:v>71</c:v>
+                </c:pt>
+                <c:pt idx="72">
+                  <c:v>72</c:v>
+                </c:pt>
+                <c:pt idx="73">
+                  <c:v>73</c:v>
+                </c:pt>
+                <c:pt idx="74">
+                  <c:v>74</c:v>
+                </c:pt>
+                <c:pt idx="75">
+                  <c:v>75</c:v>
+                </c:pt>
+                <c:pt idx="76">
+                  <c:v>76</c:v>
+                </c:pt>
+                <c:pt idx="77">
+                  <c:v>77</c:v>
+                </c:pt>
+                <c:pt idx="78">
+                  <c:v>78</c:v>
+                </c:pt>
+                <c:pt idx="79">
+                  <c:v>79</c:v>
+                </c:pt>
+                <c:pt idx="80">
+                  <c:v>80</c:v>
+                </c:pt>
+                <c:pt idx="81">
+                  <c:v>81</c:v>
+                </c:pt>
+                <c:pt idx="82">
+                  <c:v>82</c:v>
+                </c:pt>
+                <c:pt idx="83">
+                  <c:v>83</c:v>
+                </c:pt>
+                <c:pt idx="84">
+                  <c:v>84</c:v>
+                </c:pt>
+                <c:pt idx="85">
+                  <c:v>85</c:v>
+                </c:pt>
+                <c:pt idx="86">
+                  <c:v>86</c:v>
+                </c:pt>
+                <c:pt idx="87">
+                  <c:v>87</c:v>
+                </c:pt>
+                <c:pt idx="88">
+                  <c:v>88</c:v>
+                </c:pt>
+                <c:pt idx="89">
+                  <c:v>89</c:v>
+                </c:pt>
+                <c:pt idx="90">
+                  <c:v>90</c:v>
+                </c:pt>
+                <c:pt idx="91">
+                  <c:v>91</c:v>
+                </c:pt>
+                <c:pt idx="92">
+                  <c:v>92</c:v>
+                </c:pt>
+                <c:pt idx="93">
+                  <c:v>93</c:v>
+                </c:pt>
+                <c:pt idx="94">
+                  <c:v>94</c:v>
+                </c:pt>
+                <c:pt idx="95">
+                  <c:v>95</c:v>
+                </c:pt>
+                <c:pt idx="96">
+                  <c:v>96</c:v>
+                </c:pt>
+                <c:pt idx="97">
+                  <c:v>97</c:v>
+                </c:pt>
+                <c:pt idx="98">
+                  <c:v>98</c:v>
+                </c:pt>
+                <c:pt idx="99">
+                  <c:v>99</c:v>
+                </c:pt>
+                <c:pt idx="100">
+                  <c:v>100</c:v>
+                </c:pt>
+                <c:pt idx="101">
+                  <c:v>101</c:v>
+                </c:pt>
+                <c:pt idx="102">
+                  <c:v>102</c:v>
+                </c:pt>
+                <c:pt idx="103">
+                  <c:v>103</c:v>
                 </c:pt>
               </c:numCache>
             </c:numRef>
           </c:cat>
           <c:val>
             <c:numRef>
-              <c:f>Planilha1!$C$2:$C$43</c:f>
+              <c:f>Plan1!$C$2:$C$105</c:f>
               <c:numCache>
                 <c:formatCode>General</c:formatCode>
-                <c:ptCount val="42"/>
+                <c:ptCount val="104"/>
                 <c:pt idx="0">
                   <c:v>0</c:v>
                 </c:pt>
                 <c:pt idx="1">
-                  <c:v>8.8840800000000081E-2</c:v>
+                  <c:v>4.4420399999999999E-2</c:v>
                 </c:pt>
                 <c:pt idx="2">
-                  <c:v>1.6501699999999999</c:v>
+                  <c:v>0.82508499999999996</c:v>
                 </c:pt>
                 <c:pt idx="3">
-                  <c:v>0.26099300000000003</c:v>
+                  <c:v>0.13049649999999999</c:v>
                 </c:pt>
                 <c:pt idx="4">
                   <c:v>0</c:v>
@@ -625,13 +1000,14 @@
               </c:numCache>
             </c:numRef>
           </c:val>
+          <c:smooth val="0"/>
         </c:ser>
         <c:ser>
           <c:idx val="2"/>
           <c:order val="2"/>
           <c:tx>
             <c:strRef>
-              <c:f>Planilha1!$D$1</c:f>
+              <c:f>Plan1!$D$1</c:f>
               <c:strCache>
                 <c:ptCount val="1"/>
                 <c:pt idx="0">
@@ -640,23 +1016,12 @@
               </c:strCache>
             </c:strRef>
           </c:tx>
-          <c:spPr>
-            <a:ln w="28800">
-              <a:solidFill>
-                <a:srgbClr val="FFD320"/>
-              </a:solidFill>
-            </a:ln>
-          </c:spPr>
-          <c:marker>
-            <c:symbol val="triangle"/>
-            <c:size val="7"/>
-          </c:marker>
           <c:cat>
             <c:numRef>
-              <c:f>Planilha1!$A$2:$A$43</c:f>
+              <c:f>Plan1!$A$2:$A$105</c:f>
               <c:numCache>
                 <c:formatCode>General</c:formatCode>
-                <c:ptCount val="42"/>
+                <c:ptCount val="104"/>
                 <c:pt idx="0">
                   <c:v>0</c:v>
                 </c:pt>
@@ -782,609 +1147,627 @@
                 </c:pt>
                 <c:pt idx="41">
                   <c:v>41</c:v>
+                </c:pt>
+                <c:pt idx="42">
+                  <c:v>42</c:v>
+                </c:pt>
+                <c:pt idx="43">
+                  <c:v>43</c:v>
+                </c:pt>
+                <c:pt idx="44">
+                  <c:v>44</c:v>
+                </c:pt>
+                <c:pt idx="45">
+                  <c:v>45</c:v>
+                </c:pt>
+                <c:pt idx="46">
+                  <c:v>46</c:v>
+                </c:pt>
+                <c:pt idx="47">
+                  <c:v>47</c:v>
+                </c:pt>
+                <c:pt idx="48">
+                  <c:v>48</c:v>
+                </c:pt>
+                <c:pt idx="49">
+                  <c:v>49</c:v>
+                </c:pt>
+                <c:pt idx="50">
+                  <c:v>50</c:v>
+                </c:pt>
+                <c:pt idx="51">
+                  <c:v>51</c:v>
+                </c:pt>
+                <c:pt idx="52">
+                  <c:v>52</c:v>
+                </c:pt>
+                <c:pt idx="53">
+                  <c:v>53</c:v>
+                </c:pt>
+                <c:pt idx="54">
+                  <c:v>54</c:v>
+                </c:pt>
+                <c:pt idx="55">
+                  <c:v>55</c:v>
+                </c:pt>
+                <c:pt idx="56">
+                  <c:v>56</c:v>
+                </c:pt>
+                <c:pt idx="57">
+                  <c:v>57</c:v>
+                </c:pt>
+                <c:pt idx="58">
+                  <c:v>58</c:v>
+                </c:pt>
+                <c:pt idx="59">
+                  <c:v>59</c:v>
+                </c:pt>
+                <c:pt idx="60">
+                  <c:v>60</c:v>
+                </c:pt>
+                <c:pt idx="61">
+                  <c:v>61</c:v>
+                </c:pt>
+                <c:pt idx="62">
+                  <c:v>62</c:v>
+                </c:pt>
+                <c:pt idx="63">
+                  <c:v>63</c:v>
+                </c:pt>
+                <c:pt idx="64">
+                  <c:v>64</c:v>
+                </c:pt>
+                <c:pt idx="65">
+                  <c:v>65</c:v>
+                </c:pt>
+                <c:pt idx="66">
+                  <c:v>66</c:v>
+                </c:pt>
+                <c:pt idx="67">
+                  <c:v>67</c:v>
+                </c:pt>
+                <c:pt idx="68">
+                  <c:v>68</c:v>
+                </c:pt>
+                <c:pt idx="69">
+                  <c:v>69</c:v>
+                </c:pt>
+                <c:pt idx="70">
+                  <c:v>70</c:v>
+                </c:pt>
+                <c:pt idx="71">
+                  <c:v>71</c:v>
+                </c:pt>
+                <c:pt idx="72">
+                  <c:v>72</c:v>
+                </c:pt>
+                <c:pt idx="73">
+                  <c:v>73</c:v>
+                </c:pt>
+                <c:pt idx="74">
+                  <c:v>74</c:v>
+                </c:pt>
+                <c:pt idx="75">
+                  <c:v>75</c:v>
+                </c:pt>
+                <c:pt idx="76">
+                  <c:v>76</c:v>
+                </c:pt>
+                <c:pt idx="77">
+                  <c:v>77</c:v>
+                </c:pt>
+                <c:pt idx="78">
+                  <c:v>78</c:v>
+                </c:pt>
+                <c:pt idx="79">
+                  <c:v>79</c:v>
+                </c:pt>
+                <c:pt idx="80">
+                  <c:v>80</c:v>
+                </c:pt>
+                <c:pt idx="81">
+                  <c:v>81</c:v>
+                </c:pt>
+                <c:pt idx="82">
+                  <c:v>82</c:v>
+                </c:pt>
+                <c:pt idx="83">
+                  <c:v>83</c:v>
+                </c:pt>
+                <c:pt idx="84">
+                  <c:v>84</c:v>
+                </c:pt>
+                <c:pt idx="85">
+                  <c:v>85</c:v>
+                </c:pt>
+                <c:pt idx="86">
+                  <c:v>86</c:v>
+                </c:pt>
+                <c:pt idx="87">
+                  <c:v>87</c:v>
+                </c:pt>
+                <c:pt idx="88">
+                  <c:v>88</c:v>
+                </c:pt>
+                <c:pt idx="89">
+                  <c:v>89</c:v>
+                </c:pt>
+                <c:pt idx="90">
+                  <c:v>90</c:v>
+                </c:pt>
+                <c:pt idx="91">
+                  <c:v>91</c:v>
+                </c:pt>
+                <c:pt idx="92">
+                  <c:v>92</c:v>
+                </c:pt>
+                <c:pt idx="93">
+                  <c:v>93</c:v>
+                </c:pt>
+                <c:pt idx="94">
+                  <c:v>94</c:v>
+                </c:pt>
+                <c:pt idx="95">
+                  <c:v>95</c:v>
+                </c:pt>
+                <c:pt idx="96">
+                  <c:v>96</c:v>
+                </c:pt>
+                <c:pt idx="97">
+                  <c:v>97</c:v>
+                </c:pt>
+                <c:pt idx="98">
+                  <c:v>98</c:v>
+                </c:pt>
+                <c:pt idx="99">
+                  <c:v>99</c:v>
+                </c:pt>
+                <c:pt idx="100">
+                  <c:v>100</c:v>
+                </c:pt>
+                <c:pt idx="101">
+                  <c:v>101</c:v>
+                </c:pt>
+                <c:pt idx="102">
+                  <c:v>102</c:v>
+                </c:pt>
+                <c:pt idx="103">
+                  <c:v>103</c:v>
                 </c:pt>
               </c:numCache>
             </c:numRef>
           </c:cat>
           <c:val>
             <c:numRef>
-              <c:f>Planilha1!$D$2:$D$43</c:f>
+              <c:f>Plan1!$D$2:$D$105</c:f>
               <c:numCache>
                 <c:formatCode>General</c:formatCode>
-                <c:ptCount val="42"/>
+                <c:ptCount val="104"/>
                 <c:pt idx="0">
                   <c:v>0</c:v>
                 </c:pt>
                 <c:pt idx="1">
-                  <c:v>2.3622400000000002E-4</c:v>
+                  <c:v>1.18112E-4</c:v>
                 </c:pt>
                 <c:pt idx="2">
-                  <c:v>7.8979900000000032E-4</c:v>
+                  <c:v>3.948995E-4</c:v>
                 </c:pt>
                 <c:pt idx="3">
-                  <c:v>2.3058300000000009E-3</c:v>
+                  <c:v>1.152915E-3</c:v>
                 </c:pt>
                 <c:pt idx="4">
-                  <c:v>5.8877900000000039E-3</c:v>
+                  <c:v>2.9438950000000002E-3</c:v>
                 </c:pt>
                 <c:pt idx="5">
-                  <c:v>1.4940700000000003E-2</c:v>
+                  <c:v>7.4703499999999997E-3</c:v>
                 </c:pt>
                 <c:pt idx="6">
-                  <c:v>3.4257300000000018E-2</c:v>
+                  <c:v>1.7128649999999999E-2</c:v>
                 </c:pt>
                 <c:pt idx="7">
-                  <c:v>6.6076200000000043E-2</c:v>
+                  <c:v>3.3038100000000001E-2</c:v>
                 </c:pt>
                 <c:pt idx="8">
-                  <c:v>0.10496400000000006</c:v>
+                  <c:v>5.2482000000000001E-2</c:v>
                 </c:pt>
                 <c:pt idx="9">
-                  <c:v>0.13821800000000012</c:v>
+                  <c:v>6.9109000000000004E-2</c:v>
                 </c:pt>
                 <c:pt idx="10">
-                  <c:v>0.15426900000000018</c:v>
+                  <c:v>7.7134499999999995E-2</c:v>
                 </c:pt>
                 <c:pt idx="11">
-                  <c:v>0.15196300000000013</c:v>
+                  <c:v>7.5981499999999993E-2</c:v>
                 </c:pt>
                 <c:pt idx="12">
-                  <c:v>0.13791700000000018</c:v>
+                  <c:v>6.8958500000000006E-2</c:v>
                 </c:pt>
                 <c:pt idx="13">
-                  <c:v>0.120487</c:v>
+                  <c:v>6.0243499999999998E-2</c:v>
                 </c:pt>
                 <c:pt idx="14">
-                  <c:v>0.10516399999999999</c:v>
+                  <c:v>5.2581999999999997E-2</c:v>
                 </c:pt>
                 <c:pt idx="15">
-                  <c:v>9.3480000000000021E-2</c:v>
+                  <c:v>4.6739999999999997E-2</c:v>
                 </c:pt>
                 <c:pt idx="16">
-                  <c:v>8.5423700000000033E-2</c:v>
+                  <c:v>4.2711850000000003E-2</c:v>
                 </c:pt>
                 <c:pt idx="17">
-                  <c:v>7.9784500000000078E-2</c:v>
+                  <c:v>3.9892249999999997E-2</c:v>
                 </c:pt>
                 <c:pt idx="18">
-                  <c:v>7.5738200000000047E-2</c:v>
+                  <c:v>3.7869100000000003E-2</c:v>
                 </c:pt>
                 <c:pt idx="19">
-                  <c:v>7.2049800000000011E-2</c:v>
+                  <c:v>3.6024899999999999E-2</c:v>
                 </c:pt>
                 <c:pt idx="20">
-                  <c:v>6.8607399999999999E-2</c:v>
+                  <c:v>3.4303699999999999E-2</c:v>
                 </c:pt>
                 <c:pt idx="21">
-                  <c:v>6.4651899999999998E-2</c:v>
+                  <c:v>3.2325949999999999E-2</c:v>
                 </c:pt>
                 <c:pt idx="22">
-                  <c:v>5.9944600000000042E-2</c:v>
+                  <c:v>2.99723E-2</c:v>
                 </c:pt>
                 <c:pt idx="23">
-                  <c:v>5.4193100000000043E-2</c:v>
+                  <c:v>2.709655E-2</c:v>
                 </c:pt>
                 <c:pt idx="24">
-                  <c:v>4.7580800000000013E-2</c:v>
+                  <c:v>2.37904E-2</c:v>
                 </c:pt>
                 <c:pt idx="25">
-                  <c:v>4.0608700000000011E-2</c:v>
+                  <c:v>2.0304349999999999E-2</c:v>
                 </c:pt>
                 <c:pt idx="26">
-                  <c:v>3.4094400000000004E-2</c:v>
+                  <c:v>1.7047199999999998E-2</c:v>
                 </c:pt>
                 <c:pt idx="27">
-                  <c:v>2.8541500000000008E-2</c:v>
+                  <c:v>1.427075E-2</c:v>
                 </c:pt>
                 <c:pt idx="28">
-                  <c:v>2.3938499999999988E-2</c:v>
+                  <c:v>1.1969250000000001E-2</c:v>
                 </c:pt>
                 <c:pt idx="29">
-                  <c:v>2.0220399999999999E-2</c:v>
+                  <c:v>1.01102E-2</c:v>
                 </c:pt>
                 <c:pt idx="30">
-                  <c:v>1.7199400000000007E-2</c:v>
+                  <c:v>8.5997000000000001E-3</c:v>
                 </c:pt>
                 <c:pt idx="31">
-                  <c:v>1.4759399999999997E-2</c:v>
+                  <c:v>7.3797000000000003E-3</c:v>
                 </c:pt>
                 <c:pt idx="32">
-                  <c:v>1.2606600000000001E-2</c:v>
+                  <c:v>6.3033000000000004E-3</c:v>
                 </c:pt>
                 <c:pt idx="33">
-                  <c:v>1.0746200000000001E-2</c:v>
+                  <c:v>5.3730999999999996E-3</c:v>
                 </c:pt>
                 <c:pt idx="34">
-                  <c:v>9.2431200000000005E-3</c:v>
+                  <c:v>4.6215600000000003E-3</c:v>
                 </c:pt>
                 <c:pt idx="35">
-                  <c:v>7.8859900000000024E-3</c:v>
+                  <c:v>3.9429950000000004E-3</c:v>
                 </c:pt>
                 <c:pt idx="36">
-                  <c:v>6.6795100000000031E-3</c:v>
+                  <c:v>3.3397549999999998E-3</c:v>
                 </c:pt>
                 <c:pt idx="37">
-                  <c:v>5.6474799999999999E-3</c:v>
+                  <c:v>2.8237399999999999E-3</c:v>
                 </c:pt>
                 <c:pt idx="38">
-                  <c:v>4.6276599999999996E-3</c:v>
+                  <c:v>2.3138299999999998E-3</c:v>
                 </c:pt>
                 <c:pt idx="39">
-                  <c:v>3.7610600000000027E-3</c:v>
+                  <c:v>1.88053E-3</c:v>
                 </c:pt>
                 <c:pt idx="40">
-                  <c:v>3.0600300000000035E-3</c:v>
+                  <c:v>1.530015E-3</c:v>
                 </c:pt>
                 <c:pt idx="41">
-                  <c:v>2.5011700000000026E-3</c:v>
+                  <c:v>1.250585E-3</c:v>
+                </c:pt>
+                <c:pt idx="42">
+                  <c:v>1.0697149999999999E-3</c:v>
+                </c:pt>
+                <c:pt idx="43">
+                  <c:v>9.4965499999999999E-4</c:v>
+                </c:pt>
+                <c:pt idx="44">
+                  <c:v>8.4926499999999998E-4</c:v>
+                </c:pt>
+                <c:pt idx="45">
+                  <c:v>7.2739500000000004E-4</c:v>
+                </c:pt>
+                <c:pt idx="46">
+                  <c:v>6.0877999999999995E-4</c:v>
+                </c:pt>
+                <c:pt idx="47">
+                  <c:v>4.9026899999999999E-4</c:v>
+                </c:pt>
+                <c:pt idx="48">
+                  <c:v>4.0820100000000002E-4</c:v>
+                </c:pt>
+                <c:pt idx="49">
+                  <c:v>3.3595350000000001E-4</c:v>
+                </c:pt>
+                <c:pt idx="50">
+                  <c:v>2.7762799999999998E-4</c:v>
+                </c:pt>
+                <c:pt idx="51">
+                  <c:v>2.41184E-4</c:v>
+                </c:pt>
+                <c:pt idx="52">
+                  <c:v>2.08481E-4</c:v>
+                </c:pt>
+                <c:pt idx="53">
+                  <c:v>1.7521750000000001E-4</c:v>
+                </c:pt>
+                <c:pt idx="54">
+                  <c:v>1.5203499999999999E-4</c:v>
+                </c:pt>
+                <c:pt idx="55">
+                  <c:v>1.3405350000000001E-4</c:v>
+                </c:pt>
+                <c:pt idx="56">
+                  <c:v>1.2115199999999999E-4</c:v>
+                </c:pt>
+                <c:pt idx="57">
+                  <c:v>1.10531E-4</c:v>
+                </c:pt>
+                <c:pt idx="58">
+                  <c:v>1.056305E-4</c:v>
+                </c:pt>
+                <c:pt idx="59">
+                  <c:v>9.5969499999999997E-5</c:v>
+                </c:pt>
+                <c:pt idx="60">
+                  <c:v>7.9128000000000005E-5</c:v>
+                </c:pt>
+                <c:pt idx="61">
+                  <c:v>6.5826499999999997E-5</c:v>
+                </c:pt>
+                <c:pt idx="62">
+                  <c:v>5.0664999999999997E-5</c:v>
+                </c:pt>
+                <c:pt idx="63">
+                  <c:v>3.9303949999999998E-5</c:v>
+                </c:pt>
+                <c:pt idx="64">
+                  <c:v>3.0603050000000002E-5</c:v>
+                </c:pt>
+                <c:pt idx="65">
+                  <c:v>2.4762499999999999E-5</c:v>
+                </c:pt>
+                <c:pt idx="66">
+                  <c:v>2.1162099999999999E-5</c:v>
+                </c:pt>
+                <c:pt idx="67">
+                  <c:v>1.81418E-5</c:v>
+                </c:pt>
+                <c:pt idx="68">
+                  <c:v>1.50015E-5</c:v>
+                </c:pt>
+                <c:pt idx="69">
+                  <c:v>1.340135E-5</c:v>
+                </c:pt>
+                <c:pt idx="70">
+                  <c:v>1.08211E-5</c:v>
+                </c:pt>
+                <c:pt idx="71">
+                  <c:v>9.781E-6</c:v>
+                </c:pt>
+                <c:pt idx="72">
+                  <c:v>8.0608000000000008E-6</c:v>
+                </c:pt>
+                <c:pt idx="73">
+                  <c:v>5.9005999999999999E-6</c:v>
+                </c:pt>
+                <c:pt idx="74">
+                  <c:v>5.3205500000000002E-6</c:v>
+                </c:pt>
+                <c:pt idx="75">
+                  <c:v>3.30033E-6</c:v>
+                </c:pt>
+                <c:pt idx="76">
+                  <c:v>2.5002499999999999E-6</c:v>
+                </c:pt>
+                <c:pt idx="77">
+                  <c:v>1.92019E-6</c:v>
+                </c:pt>
+                <c:pt idx="78">
+                  <c:v>1.440145E-6</c:v>
+                </c:pt>
+                <c:pt idx="79">
+                  <c:v>1.340135E-6</c:v>
+                </c:pt>
+                <c:pt idx="80">
+                  <c:v>1.0801099999999999E-6</c:v>
+                </c:pt>
+                <c:pt idx="81">
+                  <c:v>8.2007999999999997E-7</c:v>
+                </c:pt>
+                <c:pt idx="82">
+                  <c:v>5.8006000000000002E-7</c:v>
+                </c:pt>
+                <c:pt idx="83">
+                  <c:v>4.8004800000000001E-7</c:v>
+                </c:pt>
+                <c:pt idx="84">
+                  <c:v>3.80038E-7</c:v>
+                </c:pt>
+                <c:pt idx="85">
+                  <c:v>4.0003999999999997E-7</c:v>
+                </c:pt>
+                <c:pt idx="86">
+                  <c:v>3.0003000000000002E-7</c:v>
+                </c:pt>
+                <c:pt idx="87">
+                  <c:v>1.8001799999999999E-7</c:v>
+                </c:pt>
+                <c:pt idx="88">
+                  <c:v>2.2002200000000001E-7</c:v>
+                </c:pt>
+                <c:pt idx="89">
+                  <c:v>1.0000999999999999E-7</c:v>
+                </c:pt>
+                <c:pt idx="90">
+                  <c:v>1.20012E-7</c:v>
+                </c:pt>
+                <c:pt idx="91">
+                  <c:v>1.0000999999999999E-7</c:v>
+                </c:pt>
+                <c:pt idx="92">
+                  <c:v>2.0001999999999999E-8</c:v>
+                </c:pt>
+                <c:pt idx="93">
+                  <c:v>1.0000999999999999E-7</c:v>
+                </c:pt>
+                <c:pt idx="94">
+                  <c:v>8.0007999999999998E-8</c:v>
+                </c:pt>
+                <c:pt idx="95">
+                  <c:v>2.0001999999999999E-8</c:v>
+                </c:pt>
+                <c:pt idx="96">
+                  <c:v>4.0003999999999999E-8</c:v>
+                </c:pt>
+                <c:pt idx="97">
+                  <c:v>0</c:v>
+                </c:pt>
+                <c:pt idx="98">
+                  <c:v>0</c:v>
+                </c:pt>
+                <c:pt idx="99">
+                  <c:v>2.0001999999999999E-8</c:v>
+                </c:pt>
+                <c:pt idx="100">
+                  <c:v>2.0001999999999999E-8</c:v>
+                </c:pt>
+                <c:pt idx="101">
+                  <c:v>0</c:v>
+                </c:pt>
+                <c:pt idx="102">
+                  <c:v>0</c:v>
+                </c:pt>
+                <c:pt idx="103">
+                  <c:v>2.0001999999999999E-8</c:v>
                 </c:pt>
               </c:numCache>
             </c:numRef>
           </c:val>
+          <c:smooth val="0"/>
         </c:ser>
-        <c:ser>
-          <c:idx val="3"/>
-          <c:order val="3"/>
-          <c:tx>
-            <c:strRef>
-              <c:f>Planilha1!$E$1</c:f>
-              <c:strCache>
-                <c:ptCount val="1"/>
-                <c:pt idx="0">
-                  <c:v>grafo_4</c:v>
-                </c:pt>
-              </c:strCache>
-            </c:strRef>
-          </c:tx>
-          <c:spPr>
-            <a:ln w="28800">
-              <a:solidFill>
-                <a:srgbClr val="579D1C"/>
-              </a:solidFill>
-            </a:ln>
-          </c:spPr>
-          <c:marker>
-            <c:symbol val="x"/>
-            <c:size val="7"/>
-          </c:marker>
-          <c:cat>
-            <c:numRef>
-              <c:f>Planilha1!$A$2:$A$43</c:f>
-              <c:numCache>
-                <c:formatCode>General</c:formatCode>
-                <c:ptCount val="42"/>
-                <c:pt idx="0">
-                  <c:v>0</c:v>
-                </c:pt>
-                <c:pt idx="1">
-                  <c:v>1</c:v>
-                </c:pt>
-                <c:pt idx="2">
-                  <c:v>2</c:v>
-                </c:pt>
-                <c:pt idx="3">
-                  <c:v>3</c:v>
-                </c:pt>
-                <c:pt idx="4">
-                  <c:v>4</c:v>
-                </c:pt>
-                <c:pt idx="5">
-                  <c:v>5</c:v>
-                </c:pt>
-                <c:pt idx="6">
-                  <c:v>6</c:v>
-                </c:pt>
-                <c:pt idx="7">
-                  <c:v>7</c:v>
-                </c:pt>
-                <c:pt idx="8">
-                  <c:v>8</c:v>
-                </c:pt>
-                <c:pt idx="9">
-                  <c:v>9</c:v>
-                </c:pt>
-                <c:pt idx="10">
-                  <c:v>10</c:v>
-                </c:pt>
-                <c:pt idx="11">
-                  <c:v>11</c:v>
-                </c:pt>
-                <c:pt idx="12">
-                  <c:v>12</c:v>
-                </c:pt>
-                <c:pt idx="13">
-                  <c:v>13</c:v>
-                </c:pt>
-                <c:pt idx="14">
-                  <c:v>14</c:v>
-                </c:pt>
-                <c:pt idx="15">
-                  <c:v>15</c:v>
-                </c:pt>
-                <c:pt idx="16">
-                  <c:v>16</c:v>
-                </c:pt>
-                <c:pt idx="17">
-                  <c:v>17</c:v>
-                </c:pt>
-                <c:pt idx="18">
-                  <c:v>18</c:v>
-                </c:pt>
-                <c:pt idx="19">
-                  <c:v>19</c:v>
-                </c:pt>
-                <c:pt idx="20">
-                  <c:v>20</c:v>
-                </c:pt>
-                <c:pt idx="21">
-                  <c:v>21</c:v>
-                </c:pt>
-                <c:pt idx="22">
-                  <c:v>22</c:v>
-                </c:pt>
-                <c:pt idx="23">
-                  <c:v>23</c:v>
-                </c:pt>
-                <c:pt idx="24">
-                  <c:v>24</c:v>
-                </c:pt>
-                <c:pt idx="25">
-                  <c:v>25</c:v>
-                </c:pt>
-                <c:pt idx="26">
-                  <c:v>26</c:v>
-                </c:pt>
-                <c:pt idx="27">
-                  <c:v>27</c:v>
-                </c:pt>
-                <c:pt idx="28">
-                  <c:v>28</c:v>
-                </c:pt>
-                <c:pt idx="29">
-                  <c:v>29</c:v>
-                </c:pt>
-                <c:pt idx="30">
-                  <c:v>30</c:v>
-                </c:pt>
-                <c:pt idx="31">
-                  <c:v>31</c:v>
-                </c:pt>
-                <c:pt idx="32">
-                  <c:v>32</c:v>
-                </c:pt>
-                <c:pt idx="33">
-                  <c:v>33</c:v>
-                </c:pt>
-                <c:pt idx="34">
-                  <c:v>34</c:v>
-                </c:pt>
-                <c:pt idx="35">
-                  <c:v>35</c:v>
-                </c:pt>
-                <c:pt idx="36">
-                  <c:v>36</c:v>
-                </c:pt>
-                <c:pt idx="37">
-                  <c:v>37</c:v>
-                </c:pt>
-                <c:pt idx="38">
-                  <c:v>38</c:v>
-                </c:pt>
-                <c:pt idx="39">
-                  <c:v>39</c:v>
-                </c:pt>
-                <c:pt idx="40">
-                  <c:v>40</c:v>
-                </c:pt>
-                <c:pt idx="41">
-                  <c:v>41</c:v>
-                </c:pt>
-              </c:numCache>
-            </c:numRef>
-          </c:cat>
-          <c:val>
-            <c:numRef>
-              <c:f>Planilha1!$E$2:$E$43</c:f>
-              <c:numCache>
-                <c:formatCode>General</c:formatCode>
-                <c:ptCount val="42"/>
-              </c:numCache>
-            </c:numRef>
-          </c:val>
-        </c:ser>
-        <c:ser>
-          <c:idx val="4"/>
-          <c:order val="4"/>
-          <c:tx>
-            <c:strRef>
-              <c:f>Planilha1!$F$1</c:f>
-              <c:strCache>
-                <c:ptCount val="1"/>
-                <c:pt idx="0">
-                  <c:v>grafo_5</c:v>
-                </c:pt>
-              </c:strCache>
-            </c:strRef>
-          </c:tx>
-          <c:spPr>
-            <a:ln w="28800">
-              <a:solidFill>
-                <a:srgbClr val="7E0021"/>
-              </a:solidFill>
-            </a:ln>
-          </c:spPr>
-          <c:marker>
-            <c:symbol val="star"/>
-            <c:size val="7"/>
-          </c:marker>
-          <c:cat>
-            <c:numRef>
-              <c:f>Planilha1!$A$2:$A$43</c:f>
-              <c:numCache>
-                <c:formatCode>General</c:formatCode>
-                <c:ptCount val="42"/>
-                <c:pt idx="0">
-                  <c:v>0</c:v>
-                </c:pt>
-                <c:pt idx="1">
-                  <c:v>1</c:v>
-                </c:pt>
-                <c:pt idx="2">
-                  <c:v>2</c:v>
-                </c:pt>
-                <c:pt idx="3">
-                  <c:v>3</c:v>
-                </c:pt>
-                <c:pt idx="4">
-                  <c:v>4</c:v>
-                </c:pt>
-                <c:pt idx="5">
-                  <c:v>5</c:v>
-                </c:pt>
-                <c:pt idx="6">
-                  <c:v>6</c:v>
-                </c:pt>
-                <c:pt idx="7">
-                  <c:v>7</c:v>
-                </c:pt>
-                <c:pt idx="8">
-                  <c:v>8</c:v>
-                </c:pt>
-                <c:pt idx="9">
-                  <c:v>9</c:v>
-                </c:pt>
-                <c:pt idx="10">
-                  <c:v>10</c:v>
-                </c:pt>
-                <c:pt idx="11">
-                  <c:v>11</c:v>
-                </c:pt>
-                <c:pt idx="12">
-                  <c:v>12</c:v>
-                </c:pt>
-                <c:pt idx="13">
-                  <c:v>13</c:v>
-                </c:pt>
-                <c:pt idx="14">
-                  <c:v>14</c:v>
-                </c:pt>
-                <c:pt idx="15">
-                  <c:v>15</c:v>
-                </c:pt>
-                <c:pt idx="16">
-                  <c:v>16</c:v>
-                </c:pt>
-                <c:pt idx="17">
-                  <c:v>17</c:v>
-                </c:pt>
-                <c:pt idx="18">
-                  <c:v>18</c:v>
-                </c:pt>
-                <c:pt idx="19">
-                  <c:v>19</c:v>
-                </c:pt>
-                <c:pt idx="20">
-                  <c:v>20</c:v>
-                </c:pt>
-                <c:pt idx="21">
-                  <c:v>21</c:v>
-                </c:pt>
-                <c:pt idx="22">
-                  <c:v>22</c:v>
-                </c:pt>
-                <c:pt idx="23">
-                  <c:v>23</c:v>
-                </c:pt>
-                <c:pt idx="24">
-                  <c:v>24</c:v>
-                </c:pt>
-                <c:pt idx="25">
-                  <c:v>25</c:v>
-                </c:pt>
-                <c:pt idx="26">
-                  <c:v>26</c:v>
-                </c:pt>
-                <c:pt idx="27">
-                  <c:v>27</c:v>
-                </c:pt>
-                <c:pt idx="28">
-                  <c:v>28</c:v>
-                </c:pt>
-                <c:pt idx="29">
-                  <c:v>29</c:v>
-                </c:pt>
-                <c:pt idx="30">
-                  <c:v>30</c:v>
-                </c:pt>
-                <c:pt idx="31">
-                  <c:v>31</c:v>
-                </c:pt>
-                <c:pt idx="32">
-                  <c:v>32</c:v>
-                </c:pt>
-                <c:pt idx="33">
-                  <c:v>33</c:v>
-                </c:pt>
-                <c:pt idx="34">
-                  <c:v>34</c:v>
-                </c:pt>
-                <c:pt idx="35">
-                  <c:v>35</c:v>
-                </c:pt>
-                <c:pt idx="36">
-                  <c:v>36</c:v>
-                </c:pt>
-                <c:pt idx="37">
-                  <c:v>37</c:v>
-                </c:pt>
-                <c:pt idx="38">
-                  <c:v>38</c:v>
-                </c:pt>
-                <c:pt idx="39">
-                  <c:v>39</c:v>
-                </c:pt>
-                <c:pt idx="40">
-                  <c:v>40</c:v>
-                </c:pt>
-                <c:pt idx="41">
-                  <c:v>41</c:v>
-                </c:pt>
-              </c:numCache>
-            </c:numRef>
-          </c:cat>
-          <c:val>
-            <c:numRef>
-              <c:f>Planilha1!$F$2:$F$43</c:f>
-              <c:numCache>
-                <c:formatCode>General</c:formatCode>
-                <c:ptCount val="42"/>
-              </c:numCache>
-            </c:numRef>
-          </c:val>
-        </c:ser>
+        <c:dLbls>
+          <c:showLegendKey val="0"/>
+          <c:showVal val="0"/>
+          <c:showCatName val="0"/>
+          <c:showSerName val="0"/>
+          <c:showPercent val="0"/>
+          <c:showBubbleSize val="0"/>
+        </c:dLbls>
         <c:marker val="1"/>
-        <c:axId val="125896960"/>
-        <c:axId val="125895424"/>
+        <c:smooth val="0"/>
+        <c:axId val="568753152"/>
+        <c:axId val="592951488"/>
       </c:lineChart>
-      <c:valAx>
-        <c:axId val="125895424"/>
+      <c:catAx>
+        <c:axId val="568753152"/>
         <c:scaling>
           <c:orientation val="minMax"/>
         </c:scaling>
-        <c:axPos val="l"/>
-        <c:majorGridlines>
-          <c:spPr>
-            <a:ln>
-              <a:solidFill>
-                <a:srgbClr val="B3B3B3"/>
-              </a:solidFill>
-            </a:ln>
-          </c:spPr>
-        </c:majorGridlines>
+        <c:delete val="0"/>
+        <c:axPos val="b"/>
+        <c:title>
+          <c:tx>
+            <c:rich>
+              <a:bodyPr/>
+              <a:lstStyle/>
+              <a:p>
+                <a:pPr>
+                  <a:defRPr/>
+                </a:pPr>
+                <a:r>
+                  <a:rPr lang="pt-BR"/>
+                  <a:t>Distância</a:t>
+                </a:r>
+              </a:p>
+            </c:rich>
+          </c:tx>
+          <c:layout/>
+          <c:overlay val="0"/>
+        </c:title>
         <c:numFmt formatCode="General" sourceLinked="1"/>
         <c:majorTickMark val="none"/>
+        <c:minorTickMark val="none"/>
         <c:tickLblPos val="nextTo"/>
-        <c:spPr>
-          <a:ln>
-            <a:solidFill>
-              <a:srgbClr val="B3B3B3"/>
-            </a:solidFill>
-          </a:ln>
-        </c:spPr>
-        <c:txPr>
-          <a:bodyPr/>
-          <a:lstStyle/>
-          <a:p>
-            <a:pPr>
-              <a:defRPr sz="1000" b="0"/>
-            </a:pPr>
-            <a:endParaRPr lang="pt-BR"/>
-          </a:p>
-        </c:txPr>
-        <c:crossAx val="125896960"/>
-        <c:crosses val="autoZero"/>
-        <c:crossBetween val="between"/>
-        <c:majorUnit val="0.1"/>
-      </c:valAx>
-      <c:catAx>
-        <c:axId val="125896960"/>
-        <c:scaling>
-          <c:orientation val="minMax"/>
-        </c:scaling>
-        <c:axPos val="b"/>
-        <c:numFmt formatCode="General" sourceLinked="1"/>
-        <c:majorTickMark val="none"/>
-        <c:tickLblPos val="nextTo"/>
-        <c:spPr>
-          <a:ln>
-            <a:solidFill>
-              <a:srgbClr val="B3B3B3"/>
-            </a:solidFill>
-          </a:ln>
-        </c:spPr>
-        <c:txPr>
-          <a:bodyPr/>
-          <a:lstStyle/>
-          <a:p>
-            <a:pPr>
-              <a:defRPr sz="1000" b="0"/>
-            </a:pPr>
-            <a:endParaRPr lang="pt-BR"/>
-          </a:p>
-        </c:txPr>
-        <c:crossAx val="125895424"/>
+        <c:crossAx val="592951488"/>
         <c:crosses val="autoZero"/>
         <c:auto val="1"/>
         <c:lblAlgn val="ctr"/>
         <c:lblOffset val="100"/>
+        <c:noMultiLvlLbl val="0"/>
       </c:catAx>
-      <c:spPr>
-        <a:noFill/>
-        <a:ln>
-          <a:solidFill>
-            <a:srgbClr val="B3B3B3"/>
-          </a:solidFill>
-          <a:prstDash val="solid"/>
-        </a:ln>
-      </c:spPr>
+      <c:valAx>
+        <c:axId val="592951488"/>
+        <c:scaling>
+          <c:orientation val="minMax"/>
+        </c:scaling>
+        <c:delete val="0"/>
+        <c:axPos val="l"/>
+        <c:majorGridlines/>
+        <c:title>
+          <c:tx>
+            <c:rich>
+              <a:bodyPr/>
+              <a:lstStyle/>
+              <a:p>
+                <a:pPr>
+                  <a:defRPr/>
+                </a:pPr>
+                <a:r>
+                  <a:rPr lang="pt-BR"/>
+                  <a:t>Frequência relativa da distância</a:t>
+                </a:r>
+              </a:p>
+            </c:rich>
+          </c:tx>
+          <c:layout/>
+          <c:overlay val="0"/>
+        </c:title>
+        <c:numFmt formatCode="General" sourceLinked="1"/>
+        <c:majorTickMark val="out"/>
+        <c:minorTickMark val="none"/>
+        <c:tickLblPos val="nextTo"/>
+        <c:crossAx val="568753152"/>
+        <c:crosses val="autoZero"/>
+        <c:crossBetween val="between"/>
+      </c:valAx>
     </c:plotArea>
     <c:legend>
       <c:legendPos val="r"/>
-      <c:layout>
-        <c:manualLayout>
-          <c:xMode val="edge"/>
-          <c:yMode val="edge"/>
-          <c:x val="0.86087292659846149"/>
-          <c:y val="0.34544505013796362"/>
-          <c:w val="0.1391270734015391"/>
-          <c:h val="0.30910963052695334"/>
-        </c:manualLayout>
-      </c:layout>
-      <c:spPr>
-        <a:noFill/>
-        <a:ln>
-          <a:noFill/>
-        </a:ln>
-      </c:spPr>
-      <c:txPr>
-        <a:bodyPr/>
-        <a:lstStyle/>
-        <a:p>
-          <a:pPr>
-            <a:defRPr sz="1000" b="0"/>
-          </a:pPr>
-          <a:endParaRPr lang="pt-BR"/>
-        </a:p>
-      </c:txPr>
+      <c:layout/>
+      <c:overlay val="0"/>
     </c:legend>
     <c:plotVisOnly val="1"/>
+    <c:dispBlanksAs val="gap"/>
+    <c:showDLblsOverMax val="0"/>
   </c:chart>
-  <c:spPr>
-    <a:ln>
-      <a:noFill/>
-    </a:ln>
-  </c:spPr>
-  <c:externalData r:id="rId1"/>
+  <c:txPr>
+    <a:bodyPr/>
+    <a:lstStyle/>
+    <a:p>
+      <a:pPr>
+        <a:defRPr sz="1200"/>
+      </a:pPr>
+      <a:endParaRPr lang="pt-BR"/>
+    </a:p>
+  </c:txPr>
+  <c:externalData r:id="rId1">
+    <c:autoUpdate val="0"/>
+  </c:externalData>
 </c:chartSpace>
 </file>
 
@@ -1562,7 +1945,7 @@
             <a:fld id="{75649AAB-6152-4FDE-9061-BB27FAA8BA62}" type="datetimeFigureOut">
               <a:rPr lang="pt-BR" smtClean="0"/>
               <a:pPr/>
-              <a:t>30/10/2011</a:t>
+              <a:t>31/10/2011</a:t>
             </a:fld>
             <a:endParaRPr lang="pt-BR"/>
           </a:p>
@@ -1729,7 +2112,7 @@
             <a:fld id="{75649AAB-6152-4FDE-9061-BB27FAA8BA62}" type="datetimeFigureOut">
               <a:rPr lang="pt-BR" smtClean="0"/>
               <a:pPr/>
-              <a:t>30/10/2011</a:t>
+              <a:t>31/10/2011</a:t>
             </a:fld>
             <a:endParaRPr lang="pt-BR"/>
           </a:p>
@@ -1906,7 +2289,7 @@
             <a:fld id="{75649AAB-6152-4FDE-9061-BB27FAA8BA62}" type="datetimeFigureOut">
               <a:rPr lang="pt-BR" smtClean="0"/>
               <a:pPr/>
-              <a:t>30/10/2011</a:t>
+              <a:t>31/10/2011</a:t>
             </a:fld>
             <a:endParaRPr lang="pt-BR"/>
           </a:p>
@@ -2073,7 +2456,7 @@
             <a:fld id="{75649AAB-6152-4FDE-9061-BB27FAA8BA62}" type="datetimeFigureOut">
               <a:rPr lang="pt-BR" smtClean="0"/>
               <a:pPr/>
-              <a:t>30/10/2011</a:t>
+              <a:t>31/10/2011</a:t>
             </a:fld>
             <a:endParaRPr lang="pt-BR"/>
           </a:p>
@@ -2317,7 +2700,7 @@
             <a:fld id="{75649AAB-6152-4FDE-9061-BB27FAA8BA62}" type="datetimeFigureOut">
               <a:rPr lang="pt-BR" smtClean="0"/>
               <a:pPr/>
-              <a:t>30/10/2011</a:t>
+              <a:t>31/10/2011</a:t>
             </a:fld>
             <a:endParaRPr lang="pt-BR"/>
           </a:p>
@@ -2583,7 +2966,7 @@
             <a:fld id="{75649AAB-6152-4FDE-9061-BB27FAA8BA62}" type="datetimeFigureOut">
               <a:rPr lang="pt-BR" smtClean="0"/>
               <a:pPr/>
-              <a:t>30/10/2011</a:t>
+              <a:t>31/10/2011</a:t>
             </a:fld>
             <a:endParaRPr lang="pt-BR"/>
           </a:p>
@@ -2963,7 +3346,7 @@
             <a:fld id="{75649AAB-6152-4FDE-9061-BB27FAA8BA62}" type="datetimeFigureOut">
               <a:rPr lang="pt-BR" smtClean="0"/>
               <a:pPr/>
-              <a:t>30/10/2011</a:t>
+              <a:t>31/10/2011</a:t>
             </a:fld>
             <a:endParaRPr lang="pt-BR"/>
           </a:p>
@@ -3115,7 +3498,7 @@
             <a:fld id="{75649AAB-6152-4FDE-9061-BB27FAA8BA62}" type="datetimeFigureOut">
               <a:rPr lang="pt-BR" smtClean="0"/>
               <a:pPr/>
-              <a:t>30/10/2011</a:t>
+              <a:t>31/10/2011</a:t>
             </a:fld>
             <a:endParaRPr lang="pt-BR"/>
           </a:p>
@@ -3207,7 +3590,7 @@
             <a:fld id="{75649AAB-6152-4FDE-9061-BB27FAA8BA62}" type="datetimeFigureOut">
               <a:rPr lang="pt-BR" smtClean="0"/>
               <a:pPr/>
-              <a:t>30/10/2011</a:t>
+              <a:t>31/10/2011</a:t>
             </a:fld>
             <a:endParaRPr lang="pt-BR"/>
           </a:p>
@@ -3470,7 +3853,7 @@
             <a:fld id="{75649AAB-6152-4FDE-9061-BB27FAA8BA62}" type="datetimeFigureOut">
               <a:rPr lang="pt-BR" smtClean="0"/>
               <a:pPr/>
-              <a:t>30/10/2011</a:t>
+              <a:t>31/10/2011</a:t>
             </a:fld>
             <a:endParaRPr lang="pt-BR"/>
           </a:p>
@@ -3760,7 +4143,7 @@
             <a:fld id="{75649AAB-6152-4FDE-9061-BB27FAA8BA62}" type="datetimeFigureOut">
               <a:rPr lang="pt-BR" smtClean="0"/>
               <a:pPr/>
-              <a:t>30/10/2011</a:t>
+              <a:t>31/10/2011</a:t>
             </a:fld>
             <a:endParaRPr lang="pt-BR"/>
           </a:p>
@@ -4533,7 +4916,7 @@
             <a:fld id="{75649AAB-6152-4FDE-9061-BB27FAA8BA62}" type="datetimeFigureOut">
               <a:rPr lang="pt-BR" smtClean="0"/>
               <a:pPr/>
-              <a:t>30/10/2011</a:t>
+              <a:t>31/10/2011</a:t>
             </a:fld>
             <a:endParaRPr lang="pt-BR"/>
           </a:p>
@@ -5178,11 +5561,7 @@
             </a:br>
             <a:r>
               <a:rPr lang="pt-BR" dirty="0" smtClean="0"/>
-              <a:t>2º </a:t>
-            </a:r>
-            <a:r>
-              <a:rPr lang="pt-BR" dirty="0" smtClean="0"/>
-              <a:t>Trabalho Prático</a:t>
+              <a:t>Trabalho Prático – Parte 2</a:t>
             </a:r>
             <a:endParaRPr lang="pt-BR" dirty="0"/>
           </a:p>
@@ -5258,6 +5637,118 @@
             <p:ph type="title"/>
           </p:nvPr>
         </p:nvSpPr>
+        <p:spPr>
+          <a:xfrm>
+            <a:off x="530352" y="2060848"/>
+            <a:ext cx="7772400" cy="1362456"/>
+          </a:xfrm>
+        </p:spPr>
+        <p:txBody>
+          <a:bodyPr/>
+          <a:lstStyle/>
+          <a:p>
+            <a:r>
+              <a:rPr lang="pt-BR" dirty="0" smtClean="0"/>
+              <a:t>Resultados - 1</a:t>
+            </a:r>
+            <a:endParaRPr lang="pt-BR" dirty="0"/>
+          </a:p>
+        </p:txBody>
+      </p:sp>
+      <p:sp>
+        <p:nvSpPr>
+          <p:cNvPr id="3" name="Espaço Reservado para Texto 2"/>
+          <p:cNvSpPr>
+            <a:spLocks noGrp="1"/>
+          </p:cNvSpPr>
+          <p:nvPr>
+            <p:ph type="body" idx="1"/>
+          </p:nvPr>
+        </p:nvSpPr>
+        <p:spPr>
+          <a:xfrm>
+            <a:off x="530352" y="3448776"/>
+            <a:ext cx="7772400" cy="1509712"/>
+          </a:xfrm>
+        </p:spPr>
+        <p:txBody>
+          <a:bodyPr/>
+          <a:lstStyle/>
+          <a:p>
+            <a:r>
+              <a:rPr lang="pt-BR" dirty="0" smtClean="0"/>
+              <a:t>Caminho mínimo</a:t>
+            </a:r>
+          </a:p>
+          <a:p>
+            <a:r>
+              <a:rPr lang="pt-BR" dirty="0" smtClean="0"/>
+              <a:t>Distância </a:t>
+            </a:r>
+            <a:r>
+              <a:rPr lang="pt-BR" dirty="0" smtClean="0"/>
+              <a:t>mínima</a:t>
+            </a:r>
+            <a:br>
+              <a:rPr lang="pt-BR" dirty="0" smtClean="0"/>
+            </a:br>
+            <a:r>
+              <a:rPr lang="pt-BR" dirty="0" smtClean="0"/>
+              <a:t/>
+            </a:r>
+            <a:br>
+              <a:rPr lang="pt-BR" dirty="0" smtClean="0"/>
+            </a:br>
+            <a:r>
+              <a:rPr lang="pt-BR" dirty="0" smtClean="0"/>
+              <a:t>(a partir do vértice 1)</a:t>
+            </a:r>
+            <a:endParaRPr lang="pt-BR" dirty="0"/>
+          </a:p>
+        </p:txBody>
+      </p:sp>
+    </p:spTree>
+  </p:cSld>
+  <p:clrMapOvr>
+    <a:masterClrMapping/>
+  </p:clrMapOvr>
+  <p:timing>
+    <p:tnLst>
+      <p:par>
+        <p:cTn id="1" dur="indefinite" restart="never" nodeType="tmRoot"/>
+      </p:par>
+    </p:tnLst>
+  </p:timing>
+</p:sld>
+</file>
+
+<file path=ppt/slides/slide11.xml><?xml version="1.0" encoding="utf-8"?>
+<p:sld xmlns:a="http://schemas.openxmlformats.org/drawingml/2006/main" xmlns:r="http://schemas.openxmlformats.org/officeDocument/2006/relationships" xmlns:p="http://schemas.openxmlformats.org/presentationml/2006/main">
+  <p:cSld>
+    <p:spTree>
+      <p:nvGrpSpPr>
+        <p:cNvPr id="1" name=""/>
+        <p:cNvGrpSpPr/>
+        <p:nvPr/>
+      </p:nvGrpSpPr>
+      <p:grpSpPr>
+        <a:xfrm>
+          <a:off x="0" y="0"/>
+          <a:ext cx="0" cy="0"/>
+          <a:chOff x="0" y="0"/>
+          <a:chExt cx="0" cy="0"/>
+        </a:xfrm>
+      </p:grpSpPr>
+      <p:sp>
+        <p:nvSpPr>
+          <p:cNvPr id="2" name="Título 1"/>
+          <p:cNvSpPr>
+            <a:spLocks noGrp="1"/>
+          </p:cNvSpPr>
+          <p:nvPr>
+            <p:ph type="title"/>
+          </p:nvPr>
+        </p:nvSpPr>
         <p:spPr/>
         <p:txBody>
           <a:bodyPr>
@@ -5281,11 +5772,16 @@
           </p:cNvGraphicFramePr>
           <p:nvPr>
             <p:ph idx="1"/>
+            <p:extLst>
+              <p:ext uri="{D42A27DB-BD31-4B8C-83A1-F6EECF244321}">
+                <p14:modId xmlns:p14="http://schemas.microsoft.com/office/powerpoint/2010/main" val="232415376"/>
+              </p:ext>
+            </p:extLst>
           </p:nvPr>
         </p:nvGraphicFramePr>
         <p:xfrm>
           <a:off x="683568" y="2852936"/>
-          <a:ext cx="7848872" cy="1854073"/>
+          <a:ext cx="7848872" cy="1920240"/>
         </p:xfrm>
         <a:graphic>
           <a:graphicData uri="http://schemas.openxmlformats.org/drawingml/2006/table">
@@ -5294,8 +5790,8 @@
                 <a:tableStyleId>{3C2FFA5D-87B4-456A-9821-1D502468CF0F}</a:tableStyleId>
               </a:tblPr>
               <a:tblGrid>
-                <a:gridCol w="1778007"/>
-                <a:gridCol w="2254441"/>
+                <a:gridCol w="1944216"/>
+                <a:gridCol w="2088232"/>
                 <a:gridCol w="3816424"/>
               </a:tblGrid>
               <a:tr h="283255">
@@ -5316,10 +5812,16 @@
                         </a:spcAft>
                       </a:pPr>
                       <a:r>
-                        <a:rPr lang="pt-BR" sz="2800" b="1" dirty="0">
+                        <a:rPr lang="pt-BR" sz="2800" b="1" dirty="0" err="1" smtClean="0">
                           <a:latin typeface="+mn-lt"/>
                         </a:rPr>
-                        <a:t>N</a:t>
+                        <a:t>Vért</a:t>
+                      </a:r>
+                      <a:r>
+                        <a:rPr lang="pt-BR" sz="2800" b="1" dirty="0" smtClean="0">
+                          <a:latin typeface="+mn-lt"/>
+                        </a:rPr>
+                        <a:t>. final</a:t>
                       </a:r>
                       <a:endParaRPr lang="pt-BR" sz="2800" b="1" dirty="0">
                         <a:latin typeface="+mn-lt"/>
@@ -5580,14 +6082,26 @@
         </a:graphic>
       </p:graphicFrame>
     </p:spTree>
+    <p:extLst>
+      <p:ext uri="{BB962C8B-B14F-4D97-AF65-F5344CB8AC3E}">
+        <p14:creationId xmlns:p14="http://schemas.microsoft.com/office/powerpoint/2010/main" val="1190612827"/>
+      </p:ext>
+    </p:extLst>
   </p:cSld>
   <p:clrMapOvr>
     <a:masterClrMapping/>
   </p:clrMapOvr>
+  <p:timing>
+    <p:tnLst>
+      <p:par>
+        <p:cTn id="1" dur="indefinite" restart="never" nodeType="tmRoot"/>
+      </p:par>
+    </p:tnLst>
+  </p:timing>
 </p:sld>
 </file>
 
-<file path=ppt/slides/slide11.xml><?xml version="1.0" encoding="utf-8"?>
+<file path=ppt/slides/slide12.xml><?xml version="1.0" encoding="utf-8"?>
 <p:sld xmlns:a="http://schemas.openxmlformats.org/drawingml/2006/main" xmlns:r="http://schemas.openxmlformats.org/officeDocument/2006/relationships" xmlns:p="http://schemas.openxmlformats.org/presentationml/2006/main">
   <p:cSld>
     <p:spTree>
@@ -5637,11 +6151,16 @@
           </p:cNvGraphicFramePr>
           <p:nvPr>
             <p:ph idx="1"/>
+            <p:extLst>
+              <p:ext uri="{D42A27DB-BD31-4B8C-83A1-F6EECF244321}">
+                <p14:modId xmlns:p14="http://schemas.microsoft.com/office/powerpoint/2010/main" val="737398963"/>
+              </p:ext>
+            </p:extLst>
           </p:nvPr>
         </p:nvGraphicFramePr>
         <p:xfrm>
-          <a:off x="1835696" y="2636912"/>
-          <a:ext cx="5616624" cy="2676856"/>
+          <a:off x="683569" y="2636913"/>
+          <a:ext cx="7776863" cy="2729177"/>
         </p:xfrm>
         <a:graphic>
           <a:graphicData uri="http://schemas.openxmlformats.org/drawingml/2006/table">
@@ -5650,11 +6169,11 @@
                 <a:tableStyleId>{3C2FFA5D-87B4-456A-9821-1D502468CF0F}</a:tableStyleId>
               </a:tblPr>
               <a:tblGrid>
-                <a:gridCol w="830424"/>
-                <a:gridCol w="1309420"/>
-                <a:gridCol w="3476780"/>
+                <a:gridCol w="1944215"/>
+                <a:gridCol w="1800200"/>
+                <a:gridCol w="4032448"/>
               </a:tblGrid>
-              <a:tr h="482138">
+              <a:tr h="408304">
                 <a:tc>
                   <a:txBody>
                     <a:bodyPr/>
@@ -5672,10 +6191,27 @@
                         </a:spcAft>
                       </a:pPr>
                       <a:r>
-                        <a:rPr lang="pt-BR" sz="2000" b="1" dirty="0"/>
-                        <a:t>N</a:t>
+                        <a:rPr lang="pt-BR" sz="2800" b="1" dirty="0" err="1" smtClean="0">
+                          <a:latin typeface="+mn-lt"/>
+                          <a:ea typeface="+mn-ea"/>
+                        </a:rPr>
+                        <a:t>Vért</a:t>
                       </a:r>
-                      <a:endParaRPr lang="pt-BR" sz="2000" b="1" dirty="0">
+                      <a:r>
+                        <a:rPr lang="pt-BR" sz="2800" b="1" dirty="0" smtClean="0">
+                          <a:latin typeface="+mn-lt"/>
+                          <a:ea typeface="+mn-ea"/>
+                        </a:rPr>
+                        <a:t>.</a:t>
+                      </a:r>
+                      <a:r>
+                        <a:rPr lang="pt-BR" sz="2800" b="1" baseline="0" dirty="0" smtClean="0">
+                          <a:latin typeface="+mn-lt"/>
+                          <a:ea typeface="+mn-ea"/>
+                        </a:rPr>
+                        <a:t> final</a:t>
+                      </a:r>
+                      <a:endParaRPr lang="pt-BR" sz="2800" b="1" dirty="0">
                         <a:latin typeface="Times New Roman"/>
                         <a:ea typeface="Calibri"/>
                       </a:endParaRPr>
@@ -5700,10 +6236,10 @@
                         </a:spcAft>
                       </a:pPr>
                       <a:r>
-                        <a:rPr lang="pt-BR" sz="2000" b="1" dirty="0"/>
+                        <a:rPr lang="pt-BR" sz="2800" b="1" dirty="0"/>
                         <a:t>Distância</a:t>
                       </a:r>
-                      <a:endParaRPr lang="pt-BR" sz="2000" b="1" dirty="0">
+                      <a:endParaRPr lang="pt-BR" sz="2800" b="1" dirty="0">
                         <a:latin typeface="Times New Roman"/>
                         <a:ea typeface="Calibri"/>
                       </a:endParaRPr>
@@ -5728,10 +6264,10 @@
                         </a:spcAft>
                       </a:pPr>
                       <a:r>
-                        <a:rPr lang="pt-BR" sz="2000" b="1" dirty="0"/>
+                        <a:rPr lang="pt-BR" sz="2800" b="1" dirty="0"/>
                         <a:t>Caminho</a:t>
                       </a:r>
-                      <a:endParaRPr lang="pt-BR" sz="2000" b="1" dirty="0">
+                      <a:endParaRPr lang="pt-BR" sz="2800" b="1" dirty="0">
                         <a:latin typeface="Times New Roman"/>
                         <a:ea typeface="Calibri"/>
                       </a:endParaRPr>
@@ -5740,7 +6276,7 @@
                   <a:tcPr marL="60964" marR="60964" marT="0" marB="0" anchor="ctr"/>
                 </a:tc>
               </a:tr>
-              <a:tr h="487715">
+              <a:tr h="408304">
                 <a:tc>
                   <a:txBody>
                     <a:bodyPr/>
@@ -5758,10 +6294,10 @@
                         </a:spcAft>
                       </a:pPr>
                       <a:r>
-                        <a:rPr lang="pt-BR" sz="2000" dirty="0"/>
+                        <a:rPr lang="pt-BR" sz="2800" dirty="0"/>
                         <a:t>10</a:t>
                       </a:r>
-                      <a:endParaRPr lang="pt-BR" sz="2000" dirty="0">
+                      <a:endParaRPr lang="pt-BR" sz="2800" dirty="0">
                         <a:latin typeface="Times New Roman"/>
                         <a:ea typeface="Calibri"/>
                       </a:endParaRPr>
@@ -5786,10 +6322,10 @@
                         </a:spcAft>
                       </a:pPr>
                       <a:r>
-                        <a:rPr lang="pt-BR" sz="2000" dirty="0"/>
+                        <a:rPr lang="pt-BR" sz="2800" dirty="0"/>
                         <a:t>2</a:t>
                       </a:r>
-                      <a:endParaRPr lang="pt-BR" sz="2000" dirty="0">
+                      <a:endParaRPr lang="pt-BR" sz="2800" dirty="0">
                         <a:latin typeface="Times New Roman"/>
                         <a:ea typeface="Calibri"/>
                       </a:endParaRPr>
@@ -5829,10 +6365,10 @@
                         </a:tabLst>
                       </a:pPr>
                       <a:r>
-                        <a:rPr lang="pt-BR" sz="2000" dirty="0"/>
+                        <a:rPr lang="pt-BR" sz="2800" dirty="0"/>
                         <a:t>1-52-10 </a:t>
                       </a:r>
-                      <a:endParaRPr lang="pt-BR" sz="2000" dirty="0">
+                      <a:endParaRPr lang="pt-BR" sz="2800" dirty="0">
                         <a:latin typeface="Times New Roman"/>
                         <a:ea typeface="Calibri"/>
                       </a:endParaRPr>
@@ -5841,7 +6377,7 @@
                   <a:tcPr marL="60964" marR="60964" marT="0" marB="0" anchor="ctr"/>
                 </a:tc>
               </a:tr>
-              <a:tr h="731573">
+              <a:tr h="606703">
                 <a:tc>
                   <a:txBody>
                     <a:bodyPr/>
@@ -5862,10 +6398,10 @@
                         </a:tabLst>
                       </a:pPr>
                       <a:r>
-                        <a:rPr lang="pt-BR" sz="2000" dirty="0" smtClean="0"/>
+                        <a:rPr lang="pt-BR" sz="2800" dirty="0" smtClean="0"/>
                         <a:t>100</a:t>
                       </a:r>
-                      <a:endParaRPr lang="pt-BR" sz="2000" dirty="0">
+                      <a:endParaRPr lang="pt-BR" sz="2800" dirty="0">
                         <a:latin typeface="Times New Roman"/>
                         <a:ea typeface="Calibri"/>
                       </a:endParaRPr>
@@ -5890,10 +6426,10 @@
                         </a:spcAft>
                       </a:pPr>
                       <a:r>
-                        <a:rPr lang="pt-BR" sz="2000" dirty="0"/>
+                        <a:rPr lang="pt-BR" sz="2800" dirty="0"/>
                         <a:t>2</a:t>
                       </a:r>
-                      <a:endParaRPr lang="pt-BR" sz="2000" dirty="0">
+                      <a:endParaRPr lang="pt-BR" sz="2800" dirty="0">
                         <a:latin typeface="Times New Roman"/>
                         <a:ea typeface="Calibri"/>
                       </a:endParaRPr>
@@ -5908,10 +6444,10 @@
                     <a:p>
                       <a:pPr algn="ctr"/>
                       <a:r>
-                        <a:rPr lang="pt-BR" sz="2000" dirty="0"/>
+                        <a:rPr lang="pt-BR" sz="2800" dirty="0"/>
                         <a:t>1-144-100</a:t>
                       </a:r>
-                      <a:endParaRPr lang="pt-BR" sz="2000" dirty="0">
+                      <a:endParaRPr lang="pt-BR" sz="2800" dirty="0">
                         <a:latin typeface="Calibri"/>
                       </a:endParaRPr>
                     </a:p>
@@ -5919,7 +6455,7 @@
                   <a:tcPr marL="60964" marR="60964" marT="0" marB="0" anchor="ctr"/>
                 </a:tc>
               </a:tr>
-              <a:tr h="975430">
+              <a:tr h="808937">
                 <a:tc>
                   <a:txBody>
                     <a:bodyPr/>
@@ -5937,10 +6473,10 @@
                         </a:spcAft>
                       </a:pPr>
                       <a:r>
-                        <a:rPr lang="pt-BR" sz="2000" dirty="0"/>
+                        <a:rPr lang="pt-BR" sz="2800" dirty="0"/>
                         <a:t>1000</a:t>
                       </a:r>
-                      <a:endParaRPr lang="pt-BR" sz="2000" dirty="0">
+                      <a:endParaRPr lang="pt-BR" sz="2800" dirty="0">
                         <a:latin typeface="Times New Roman"/>
                         <a:ea typeface="Calibri"/>
                       </a:endParaRPr>
@@ -5965,10 +6501,10 @@
                         </a:spcAft>
                       </a:pPr>
                       <a:r>
-                        <a:rPr lang="pt-BR" sz="2000" dirty="0"/>
+                        <a:rPr lang="pt-BR" sz="2800" dirty="0"/>
                         <a:t>2</a:t>
                       </a:r>
-                      <a:endParaRPr lang="pt-BR" sz="2000" dirty="0">
+                      <a:endParaRPr lang="pt-BR" sz="2800" dirty="0">
                         <a:latin typeface="Times New Roman"/>
                         <a:ea typeface="Calibri"/>
                       </a:endParaRPr>
@@ -5983,10 +6519,10 @@
                     <a:p>
                       <a:pPr algn="ctr"/>
                       <a:r>
-                        <a:rPr lang="pt-BR" sz="2000" dirty="0"/>
+                        <a:rPr lang="pt-BR" sz="2800" dirty="0"/>
                         <a:t>1-874-1000</a:t>
                       </a:r>
-                      <a:endParaRPr lang="pt-BR" sz="2000" dirty="0">
+                      <a:endParaRPr lang="pt-BR" sz="2800" dirty="0">
                         <a:latin typeface="Calibri"/>
                       </a:endParaRPr>
                     </a:p>
@@ -6003,10 +6539,17 @@
   <p:clrMapOvr>
     <a:masterClrMapping/>
   </p:clrMapOvr>
+  <p:timing>
+    <p:tnLst>
+      <p:par>
+        <p:cTn id="1" dur="indefinite" restart="never" nodeType="tmRoot"/>
+      </p:par>
+    </p:tnLst>
+  </p:timing>
 </p:sld>
 </file>
 
-<file path=ppt/slides/slide12.xml><?xml version="1.0" encoding="utf-8"?>
+<file path=ppt/slides/slide13.xml><?xml version="1.0" encoding="utf-8"?>
 <p:sld xmlns:a="http://schemas.openxmlformats.org/drawingml/2006/main" xmlns:r="http://schemas.openxmlformats.org/officeDocument/2006/relationships" xmlns:p="http://schemas.openxmlformats.org/presentationml/2006/main">
   <p:cSld>
     <p:spTree>
@@ -6056,11 +6599,16 @@
           </p:cNvGraphicFramePr>
           <p:nvPr>
             <p:ph idx="1"/>
+            <p:extLst>
+              <p:ext uri="{D42A27DB-BD31-4B8C-83A1-F6EECF244321}">
+                <p14:modId xmlns:p14="http://schemas.microsoft.com/office/powerpoint/2010/main" val="2674289431"/>
+              </p:ext>
+            </p:extLst>
           </p:nvPr>
         </p:nvGraphicFramePr>
         <p:xfrm>
-          <a:off x="1331640" y="2204864"/>
-          <a:ext cx="6480719" cy="3652286"/>
+          <a:off x="575557" y="2204865"/>
+          <a:ext cx="7992887" cy="3893241"/>
         </p:xfrm>
         <a:graphic>
           <a:graphicData uri="http://schemas.openxmlformats.org/drawingml/2006/table">
@@ -6069,9 +6617,1154 @@
                 <a:tableStyleId>{3C2FFA5D-87B4-456A-9821-1D502468CF0F}</a:tableStyleId>
               </a:tblPr>
               <a:tblGrid>
-                <a:gridCol w="958181"/>
-                <a:gridCol w="1274066"/>
-                <a:gridCol w="4248472"/>
+                <a:gridCol w="1731792"/>
+                <a:gridCol w="1598578"/>
+                <a:gridCol w="4662517"/>
+              </a:tblGrid>
+              <a:tr h="839110">
+                <a:tc>
+                  <a:txBody>
+                    <a:bodyPr/>
+                    <a:lstStyle/>
+                    <a:p>
+                      <a:pPr marL="4763" indent="0" algn="ctr">
+                        <a:lnSpc>
+                          <a:spcPct val="150000"/>
+                        </a:lnSpc>
+                        <a:spcBef>
+                          <a:spcPts val="1200"/>
+                        </a:spcBef>
+                        <a:spcAft>
+                          <a:spcPts val="1200"/>
+                        </a:spcAft>
+                      </a:pPr>
+                      <a:r>
+                        <a:rPr lang="pt-BR" sz="2400" b="1" dirty="0" err="1" smtClean="0">
+                          <a:latin typeface="+mn-lt"/>
+                          <a:ea typeface="Calibri"/>
+                        </a:rPr>
+                        <a:t>Vért</a:t>
+                      </a:r>
+                      <a:r>
+                        <a:rPr lang="pt-BR" sz="2400" b="1" dirty="0" smtClean="0">
+                          <a:latin typeface="+mn-lt"/>
+                          <a:ea typeface="Calibri"/>
+                        </a:rPr>
+                        <a:t>. final</a:t>
+                      </a:r>
+                      <a:endParaRPr lang="pt-BR" sz="2400" b="1" dirty="0">
+                        <a:latin typeface="+mn-lt"/>
+                        <a:ea typeface="Calibri"/>
+                      </a:endParaRPr>
+                    </a:p>
+                  </a:txBody>
+                  <a:tcPr marL="56392" marR="56392" marT="0" marB="0" anchor="ctr"/>
+                </a:tc>
+                <a:tc>
+                  <a:txBody>
+                    <a:bodyPr/>
+                    <a:lstStyle/>
+                    <a:p>
+                      <a:pPr marL="4763" indent="0" algn="ctr">
+                        <a:lnSpc>
+                          <a:spcPct val="150000"/>
+                        </a:lnSpc>
+                        <a:spcBef>
+                          <a:spcPts val="1200"/>
+                        </a:spcBef>
+                        <a:spcAft>
+                          <a:spcPts val="1200"/>
+                        </a:spcAft>
+                      </a:pPr>
+                      <a:r>
+                        <a:rPr lang="pt-BR" sz="2400" b="1" dirty="0">
+                          <a:latin typeface="+mn-lt"/>
+                        </a:rPr>
+                        <a:t>Distância</a:t>
+                      </a:r>
+                      <a:endParaRPr lang="pt-BR" sz="2400" b="1" dirty="0">
+                        <a:latin typeface="+mn-lt"/>
+                        <a:ea typeface="Calibri"/>
+                      </a:endParaRPr>
+                    </a:p>
+                  </a:txBody>
+                  <a:tcPr marL="56392" marR="56392" marT="0" marB="0" anchor="ctr"/>
+                </a:tc>
+                <a:tc>
+                  <a:txBody>
+                    <a:bodyPr/>
+                    <a:lstStyle/>
+                    <a:p>
+                      <a:pPr marL="0" indent="0" algn="ctr">
+                        <a:lnSpc>
+                          <a:spcPct val="150000"/>
+                        </a:lnSpc>
+                        <a:spcBef>
+                          <a:spcPts val="1200"/>
+                        </a:spcBef>
+                        <a:spcAft>
+                          <a:spcPts val="1200"/>
+                        </a:spcAft>
+                      </a:pPr>
+                      <a:r>
+                        <a:rPr lang="pt-BR" sz="2400" b="1" dirty="0">
+                          <a:latin typeface="+mn-lt"/>
+                        </a:rPr>
+                        <a:t>Caminho</a:t>
+                      </a:r>
+                      <a:endParaRPr lang="pt-BR" sz="2400" b="1" dirty="0">
+                        <a:latin typeface="+mn-lt"/>
+                        <a:ea typeface="Calibri"/>
+                      </a:endParaRPr>
+                    </a:p>
+                  </a:txBody>
+                  <a:tcPr marL="56392" marR="56392" marT="0" marB="0" anchor="ctr"/>
+                </a:tc>
+              </a:tr>
+              <a:tr h="551622">
+                <a:tc>
+                  <a:txBody>
+                    <a:bodyPr/>
+                    <a:lstStyle/>
+                    <a:p>
+                      <a:pPr marL="4763" indent="0" algn="ctr">
+                        <a:lnSpc>
+                          <a:spcPct val="150000"/>
+                        </a:lnSpc>
+                        <a:spcBef>
+                          <a:spcPts val="1200"/>
+                        </a:spcBef>
+                        <a:spcAft>
+                          <a:spcPts val="1200"/>
+                        </a:spcAft>
+                      </a:pPr>
+                      <a:r>
+                        <a:rPr lang="pt-BR" sz="2400" dirty="0">
+                          <a:latin typeface="+mn-lt"/>
+                        </a:rPr>
+                        <a:t>10</a:t>
+                      </a:r>
+                      <a:endParaRPr lang="pt-BR" sz="2400" dirty="0">
+                        <a:latin typeface="+mn-lt"/>
+                        <a:ea typeface="Calibri"/>
+                      </a:endParaRPr>
+                    </a:p>
+                  </a:txBody>
+                  <a:tcPr marL="56392" marR="56392" marT="0" marB="0" anchor="ctr"/>
+                </a:tc>
+                <a:tc>
+                  <a:txBody>
+                    <a:bodyPr/>
+                    <a:lstStyle/>
+                    <a:p>
+                      <a:pPr marL="0" indent="0" algn="ctr">
+                        <a:lnSpc>
+                          <a:spcPct val="150000"/>
+                        </a:lnSpc>
+                        <a:spcBef>
+                          <a:spcPts val="1200"/>
+                        </a:spcBef>
+                        <a:spcAft>
+                          <a:spcPts val="1200"/>
+                        </a:spcAft>
+                      </a:pPr>
+                      <a:r>
+                        <a:rPr lang="pt-BR" sz="2400" dirty="0" smtClean="0">
+                          <a:latin typeface="+mn-lt"/>
+                          <a:ea typeface="Calibri"/>
+                        </a:rPr>
+                        <a:t>26</a:t>
+                      </a:r>
+                      <a:endParaRPr lang="pt-BR" sz="2400" dirty="0">
+                        <a:latin typeface="+mn-lt"/>
+                        <a:ea typeface="Calibri"/>
+                      </a:endParaRPr>
+                    </a:p>
+                  </a:txBody>
+                  <a:tcPr marL="56392" marR="56392" marT="0" marB="0" anchor="ctr"/>
+                </a:tc>
+                <a:tc>
+                  <a:txBody>
+                    <a:bodyPr/>
+                    <a:lstStyle/>
+                    <a:p>
+                      <a:pPr algn="ctr">
+                        <a:lnSpc>
+                          <a:spcPct val="115000"/>
+                        </a:lnSpc>
+                        <a:spcAft>
+                          <a:spcPts val="0"/>
+                        </a:spcAft>
+                        <a:tabLst>
+                          <a:tab pos="581660" algn="l"/>
+                          <a:tab pos="1163320" algn="l"/>
+                          <a:tab pos="1744980" algn="l"/>
+                          <a:tab pos="2326640" algn="l"/>
+                          <a:tab pos="2908300" algn="l"/>
+                          <a:tab pos="3489960" algn="l"/>
+                          <a:tab pos="4071620" algn="l"/>
+                          <a:tab pos="4653280" algn="l"/>
+                          <a:tab pos="5234940" algn="l"/>
+                          <a:tab pos="5816600" algn="l"/>
+                          <a:tab pos="6398260" algn="l"/>
+                          <a:tab pos="6979920" algn="l"/>
+                          <a:tab pos="7561580" algn="l"/>
+                          <a:tab pos="8143240" algn="l"/>
+                          <a:tab pos="8724900" algn="l"/>
+                          <a:tab pos="9306560" algn="l"/>
+                        </a:tabLst>
+                      </a:pPr>
+                      <a:r>
+                        <a:rPr kumimoji="0" lang="pt-BR" sz="2400" kern="1200" dirty="0" smtClean="0">
+                          <a:solidFill>
+                            <a:schemeClr val="dk1"/>
+                          </a:solidFill>
+                          <a:latin typeface="+mn-lt"/>
+                          <a:ea typeface="+mn-ea"/>
+                          <a:cs typeface="+mn-cs"/>
+                        </a:rPr>
+                        <a:t>1-2-3-7739-3782-8405-7014-10</a:t>
+                      </a:r>
+                      <a:endParaRPr lang="pt-BR" sz="2400" dirty="0">
+                        <a:latin typeface="+mn-lt"/>
+                        <a:ea typeface="Calibri"/>
+                      </a:endParaRPr>
+                    </a:p>
+                  </a:txBody>
+                  <a:tcPr marL="56392" marR="56392" marT="0" marB="0" anchor="ctr"/>
+                </a:tc>
+              </a:tr>
+              <a:tr h="682503">
+                <a:tc>
+                  <a:txBody>
+                    <a:bodyPr/>
+                    <a:lstStyle/>
+                    <a:p>
+                      <a:pPr marL="4763" indent="0" algn="ctr">
+                        <a:lnSpc>
+                          <a:spcPct val="150000"/>
+                        </a:lnSpc>
+                        <a:spcBef>
+                          <a:spcPts val="1200"/>
+                        </a:spcBef>
+                        <a:spcAft>
+                          <a:spcPts val="1200"/>
+                        </a:spcAft>
+                        <a:tabLst>
+                          <a:tab pos="361950" algn="l"/>
+                        </a:tabLst>
+                      </a:pPr>
+                      <a:r>
+                        <a:rPr lang="pt-BR" sz="2400" dirty="0" smtClean="0">
+                          <a:latin typeface="+mn-lt"/>
+                        </a:rPr>
+                        <a:t>100</a:t>
+                      </a:r>
+                      <a:endParaRPr lang="pt-BR" sz="2400" dirty="0">
+                        <a:latin typeface="+mn-lt"/>
+                        <a:ea typeface="Calibri"/>
+                      </a:endParaRPr>
+                    </a:p>
+                  </a:txBody>
+                  <a:tcPr marL="56392" marR="56392" marT="0" marB="0" anchor="ctr"/>
+                </a:tc>
+                <a:tc>
+                  <a:txBody>
+                    <a:bodyPr/>
+                    <a:lstStyle/>
+                    <a:p>
+                      <a:pPr marL="0" indent="0" algn="ctr">
+                        <a:lnSpc>
+                          <a:spcPct val="150000"/>
+                        </a:lnSpc>
+                        <a:spcBef>
+                          <a:spcPts val="1200"/>
+                        </a:spcBef>
+                        <a:spcAft>
+                          <a:spcPts val="1200"/>
+                        </a:spcAft>
+                      </a:pPr>
+                      <a:r>
+                        <a:rPr lang="pt-BR" sz="2400" dirty="0" smtClean="0">
+                          <a:latin typeface="+mn-lt"/>
+                          <a:ea typeface="Calibri"/>
+                        </a:rPr>
+                        <a:t>29</a:t>
+                      </a:r>
+                      <a:endParaRPr lang="pt-BR" sz="2400" dirty="0">
+                        <a:latin typeface="+mn-lt"/>
+                        <a:ea typeface="Calibri"/>
+                      </a:endParaRPr>
+                    </a:p>
+                  </a:txBody>
+                  <a:tcPr marL="56392" marR="56392" marT="0" marB="0" anchor="ctr"/>
+                </a:tc>
+                <a:tc>
+                  <a:txBody>
+                    <a:bodyPr/>
+                    <a:lstStyle/>
+                    <a:p>
+                      <a:pPr algn="ctr"/>
+                      <a:r>
+                        <a:rPr kumimoji="0" lang="pt-BR" sz="2400" kern="1200" dirty="0" smtClean="0">
+                          <a:solidFill>
+                            <a:schemeClr val="dk1"/>
+                          </a:solidFill>
+                          <a:latin typeface="+mn-lt"/>
+                          <a:ea typeface="+mn-ea"/>
+                          <a:cs typeface="+mn-cs"/>
+                        </a:rPr>
+                        <a:t>1-2-3-7739-3782-3259-100</a:t>
+                      </a:r>
+                      <a:endParaRPr lang="pt-BR" sz="2400" dirty="0">
+                        <a:latin typeface="+mn-lt"/>
+                      </a:endParaRPr>
+                    </a:p>
+                  </a:txBody>
+                  <a:tcPr marL="56392" marR="56392" marT="0" marB="0" anchor="ctr"/>
+                </a:tc>
+              </a:tr>
+              <a:tr h="910003">
+                <a:tc>
+                  <a:txBody>
+                    <a:bodyPr/>
+                    <a:lstStyle/>
+                    <a:p>
+                      <a:pPr marL="4763" indent="0" algn="ctr">
+                        <a:lnSpc>
+                          <a:spcPct val="150000"/>
+                        </a:lnSpc>
+                        <a:spcBef>
+                          <a:spcPts val="1200"/>
+                        </a:spcBef>
+                        <a:spcAft>
+                          <a:spcPts val="1200"/>
+                        </a:spcAft>
+                      </a:pPr>
+                      <a:r>
+                        <a:rPr lang="pt-BR" sz="2400" dirty="0">
+                          <a:latin typeface="+mn-lt"/>
+                        </a:rPr>
+                        <a:t>1000</a:t>
+                      </a:r>
+                      <a:endParaRPr lang="pt-BR" sz="2400" dirty="0">
+                        <a:latin typeface="+mn-lt"/>
+                        <a:ea typeface="Calibri"/>
+                      </a:endParaRPr>
+                    </a:p>
+                  </a:txBody>
+                  <a:tcPr marL="56392" marR="56392" marT="0" marB="0" anchor="ctr"/>
+                </a:tc>
+                <a:tc>
+                  <a:txBody>
+                    <a:bodyPr/>
+                    <a:lstStyle/>
+                    <a:p>
+                      <a:pPr marL="4763" indent="0" algn="ctr">
+                        <a:lnSpc>
+                          <a:spcPct val="150000"/>
+                        </a:lnSpc>
+                        <a:spcBef>
+                          <a:spcPts val="1200"/>
+                        </a:spcBef>
+                        <a:spcAft>
+                          <a:spcPts val="1200"/>
+                        </a:spcAft>
+                      </a:pPr>
+                      <a:r>
+                        <a:rPr lang="pt-BR" sz="2400" dirty="0" smtClean="0">
+                          <a:latin typeface="+mn-lt"/>
+                          <a:ea typeface="Calibri"/>
+                        </a:rPr>
+                        <a:t>33</a:t>
+                      </a:r>
+                      <a:endParaRPr lang="pt-BR" sz="2400" dirty="0">
+                        <a:latin typeface="+mn-lt"/>
+                        <a:ea typeface="Calibri"/>
+                      </a:endParaRPr>
+                    </a:p>
+                  </a:txBody>
+                  <a:tcPr marL="56392" marR="56392" marT="0" marB="0" anchor="ctr"/>
+                </a:tc>
+                <a:tc>
+                  <a:txBody>
+                    <a:bodyPr/>
+                    <a:lstStyle/>
+                    <a:p>
+                      <a:pPr algn="ctr"/>
+                      <a:r>
+                        <a:rPr kumimoji="0" lang="pt-BR" sz="2400" kern="1200" dirty="0" smtClean="0">
+                          <a:solidFill>
+                            <a:schemeClr val="dk1"/>
+                          </a:solidFill>
+                          <a:latin typeface="+mn-lt"/>
+                          <a:ea typeface="+mn-ea"/>
+                          <a:cs typeface="+mn-cs"/>
+                        </a:rPr>
+                        <a:t>1-2-3-7739-3782-83-2265-1995-8244-1541-1001-1000</a:t>
+                      </a:r>
+                      <a:endParaRPr lang="pt-BR" sz="2400" dirty="0" smtClean="0">
+                        <a:latin typeface="+mn-lt"/>
+                      </a:endParaRPr>
+                    </a:p>
+                  </a:txBody>
+                  <a:tcPr marL="56392" marR="56392" marT="0" marB="0" anchor="ctr"/>
+                </a:tc>
+              </a:tr>
+              <a:tr h="910003">
+                <a:tc>
+                  <a:txBody>
+                    <a:bodyPr/>
+                    <a:lstStyle/>
+                    <a:p>
+                      <a:pPr marL="4763" indent="0" algn="ctr">
+                        <a:lnSpc>
+                          <a:spcPct val="150000"/>
+                        </a:lnSpc>
+                        <a:spcBef>
+                          <a:spcPts val="1200"/>
+                        </a:spcBef>
+                        <a:spcAft>
+                          <a:spcPts val="1200"/>
+                        </a:spcAft>
+                      </a:pPr>
+                      <a:r>
+                        <a:rPr lang="pt-BR" sz="2400" dirty="0" smtClean="0">
+                          <a:latin typeface="+mn-lt"/>
+                          <a:ea typeface="Calibri"/>
+                        </a:rPr>
+                        <a:t>10000</a:t>
+                      </a:r>
+                      <a:endParaRPr lang="pt-BR" sz="2400" dirty="0">
+                        <a:latin typeface="+mn-lt"/>
+                        <a:ea typeface="Calibri"/>
+                      </a:endParaRPr>
+                    </a:p>
+                  </a:txBody>
+                  <a:tcPr marL="56392" marR="56392" marT="0" marB="0" anchor="ctr"/>
+                </a:tc>
+                <a:tc>
+                  <a:txBody>
+                    <a:bodyPr/>
+                    <a:lstStyle/>
+                    <a:p>
+                      <a:pPr marL="4763" indent="0" algn="ctr">
+                        <a:lnSpc>
+                          <a:spcPct val="150000"/>
+                        </a:lnSpc>
+                        <a:spcBef>
+                          <a:spcPts val="1200"/>
+                        </a:spcBef>
+                        <a:spcAft>
+                          <a:spcPts val="1200"/>
+                        </a:spcAft>
+                      </a:pPr>
+                      <a:r>
+                        <a:rPr lang="pt-BR" sz="2400" dirty="0" smtClean="0">
+                          <a:latin typeface="+mn-lt"/>
+                          <a:ea typeface="Calibri"/>
+                        </a:rPr>
+                        <a:t>12</a:t>
+                      </a:r>
+                      <a:endParaRPr lang="pt-BR" sz="2400" dirty="0">
+                        <a:latin typeface="+mn-lt"/>
+                        <a:ea typeface="Calibri"/>
+                      </a:endParaRPr>
+                    </a:p>
+                  </a:txBody>
+                  <a:tcPr marL="56392" marR="56392" marT="0" marB="0" anchor="ctr"/>
+                </a:tc>
+                <a:tc>
+                  <a:txBody>
+                    <a:bodyPr/>
+                    <a:lstStyle/>
+                    <a:p>
+                      <a:pPr algn="ctr"/>
+                      <a:r>
+                        <a:rPr kumimoji="0" lang="pt-BR" sz="2400" kern="1200" dirty="0" smtClean="0">
+                          <a:solidFill>
+                            <a:schemeClr val="dk1"/>
+                          </a:solidFill>
+                          <a:latin typeface="+mn-lt"/>
+                          <a:ea typeface="+mn-ea"/>
+                          <a:cs typeface="+mn-cs"/>
+                        </a:rPr>
+                        <a:t>1-10000</a:t>
+                      </a:r>
+                      <a:endParaRPr lang="pt-BR" sz="2400" dirty="0" smtClean="0">
+                        <a:latin typeface="+mn-lt"/>
+                      </a:endParaRPr>
+                    </a:p>
+                  </a:txBody>
+                  <a:tcPr marL="56392" marR="56392" marT="0" marB="0" anchor="ctr"/>
+                </a:tc>
+              </a:tr>
+            </a:tbl>
+          </a:graphicData>
+        </a:graphic>
+      </p:graphicFrame>
+    </p:spTree>
+  </p:cSld>
+  <p:clrMapOvr>
+    <a:masterClrMapping/>
+  </p:clrMapOvr>
+  <p:timing>
+    <p:tnLst>
+      <p:par>
+        <p:cTn id="1" dur="indefinite" restart="never" nodeType="tmRoot"/>
+      </p:par>
+    </p:tnLst>
+  </p:timing>
+</p:sld>
+</file>
+
+<file path=ppt/slides/slide14.xml><?xml version="1.0" encoding="utf-8"?>
+<p:sld xmlns:a="http://schemas.openxmlformats.org/drawingml/2006/main" xmlns:r="http://schemas.openxmlformats.org/officeDocument/2006/relationships" xmlns:p="http://schemas.openxmlformats.org/presentationml/2006/main">
+  <p:cSld>
+    <p:spTree>
+      <p:nvGrpSpPr>
+        <p:cNvPr id="1" name=""/>
+        <p:cNvGrpSpPr/>
+        <p:nvPr/>
+      </p:nvGrpSpPr>
+      <p:grpSpPr>
+        <a:xfrm>
+          <a:off x="0" y="0"/>
+          <a:ext cx="0" cy="0"/>
+          <a:chOff x="0" y="0"/>
+          <a:chExt cx="0" cy="0"/>
+        </a:xfrm>
+      </p:grpSpPr>
+      <p:graphicFrame>
+        <p:nvGraphicFramePr>
+          <p:cNvPr id="5" name="Espaço Reservado para Conteúdo 4"/>
+          <p:cNvGraphicFramePr>
+            <a:graphicFrameLocks noGrp="1"/>
+          </p:cNvGraphicFramePr>
+          <p:nvPr>
+            <p:ph idx="1"/>
+            <p:extLst>
+              <p:ext uri="{D42A27DB-BD31-4B8C-83A1-F6EECF244321}">
+                <p14:modId xmlns:p14="http://schemas.microsoft.com/office/powerpoint/2010/main" val="1526628613"/>
+              </p:ext>
+            </p:extLst>
+          </p:nvPr>
+        </p:nvGraphicFramePr>
+        <p:xfrm>
+          <a:off x="719572" y="2204864"/>
+          <a:ext cx="7704857" cy="4264710"/>
+        </p:xfrm>
+        <a:graphic>
+          <a:graphicData uri="http://schemas.openxmlformats.org/drawingml/2006/table">
+            <a:tbl>
+              <a:tblPr>
+                <a:tableStyleId>{3C2FFA5D-87B4-456A-9821-1D502468CF0F}</a:tableStyleId>
+              </a:tblPr>
+              <a:tblGrid>
+                <a:gridCol w="1737371"/>
+                <a:gridCol w="1586294"/>
+                <a:gridCol w="4381192"/>
+              </a:tblGrid>
+              <a:tr h="530530">
+                <a:tc>
+                  <a:txBody>
+                    <a:bodyPr/>
+                    <a:lstStyle/>
+                    <a:p>
+                      <a:pPr marL="4763" indent="0" algn="ctr">
+                        <a:lnSpc>
+                          <a:spcPct val="150000"/>
+                        </a:lnSpc>
+                        <a:spcBef>
+                          <a:spcPts val="1200"/>
+                        </a:spcBef>
+                        <a:spcAft>
+                          <a:spcPts val="1200"/>
+                        </a:spcAft>
+                      </a:pPr>
+                      <a:r>
+                        <a:rPr lang="pt-BR" sz="2300" b="1" dirty="0" err="1" smtClean="0">
+                          <a:latin typeface="+mn-lt"/>
+                          <a:ea typeface="Calibri"/>
+                        </a:rPr>
+                        <a:t>Vért</a:t>
+                      </a:r>
+                      <a:r>
+                        <a:rPr lang="pt-BR" sz="2300" b="1" dirty="0" smtClean="0">
+                          <a:latin typeface="+mn-lt"/>
+                          <a:ea typeface="Calibri"/>
+                        </a:rPr>
+                        <a:t>.</a:t>
+                      </a:r>
+                      <a:r>
+                        <a:rPr lang="pt-BR" sz="2300" b="1" baseline="0" dirty="0" smtClean="0">
+                          <a:latin typeface="+mn-lt"/>
+                          <a:ea typeface="Calibri"/>
+                        </a:rPr>
+                        <a:t> final</a:t>
+                      </a:r>
+                      <a:endParaRPr lang="pt-BR" sz="2300" b="1" dirty="0">
+                        <a:latin typeface="+mn-lt"/>
+                        <a:ea typeface="Calibri"/>
+                      </a:endParaRPr>
+                    </a:p>
+                  </a:txBody>
+                  <a:tcPr marL="69093" marR="69093" marT="0" marB="0" anchor="ctr"/>
+                </a:tc>
+                <a:tc>
+                  <a:txBody>
+                    <a:bodyPr/>
+                    <a:lstStyle/>
+                    <a:p>
+                      <a:pPr marL="4763" indent="0" algn="ctr">
+                        <a:lnSpc>
+                          <a:spcPct val="150000"/>
+                        </a:lnSpc>
+                        <a:spcBef>
+                          <a:spcPts val="1200"/>
+                        </a:spcBef>
+                        <a:spcAft>
+                          <a:spcPts val="1200"/>
+                        </a:spcAft>
+                      </a:pPr>
+                      <a:r>
+                        <a:rPr lang="pt-BR" sz="2300" b="1" dirty="0">
+                          <a:latin typeface="+mn-lt"/>
+                        </a:rPr>
+                        <a:t>Distância</a:t>
+                      </a:r>
+                      <a:endParaRPr lang="pt-BR" sz="2300" b="1" dirty="0">
+                        <a:latin typeface="+mn-lt"/>
+                        <a:ea typeface="Calibri"/>
+                      </a:endParaRPr>
+                    </a:p>
+                  </a:txBody>
+                  <a:tcPr marL="69093" marR="69093" marT="0" marB="0" anchor="ctr"/>
+                </a:tc>
+                <a:tc>
+                  <a:txBody>
+                    <a:bodyPr/>
+                    <a:lstStyle/>
+                    <a:p>
+                      <a:pPr marL="0" indent="0" algn="ctr">
+                        <a:lnSpc>
+                          <a:spcPct val="150000"/>
+                        </a:lnSpc>
+                        <a:spcBef>
+                          <a:spcPts val="1200"/>
+                        </a:spcBef>
+                        <a:spcAft>
+                          <a:spcPts val="1200"/>
+                        </a:spcAft>
+                      </a:pPr>
+                      <a:r>
+                        <a:rPr lang="pt-BR" sz="2300" b="1" dirty="0">
+                          <a:latin typeface="+mn-lt"/>
+                        </a:rPr>
+                        <a:t>Caminho</a:t>
+                      </a:r>
+                      <a:endParaRPr lang="pt-BR" sz="2300" b="1" dirty="0">
+                        <a:latin typeface="+mn-lt"/>
+                        <a:ea typeface="Calibri"/>
+                      </a:endParaRPr>
+                    </a:p>
+                  </a:txBody>
+                  <a:tcPr marL="69093" marR="69093" marT="0" marB="0" anchor="ctr"/>
+                </a:tc>
+              </a:tr>
+              <a:tr h="694264">
+                <a:tc>
+                  <a:txBody>
+                    <a:bodyPr/>
+                    <a:lstStyle/>
+                    <a:p>
+                      <a:pPr marL="4763" indent="0" algn="ctr">
+                        <a:lnSpc>
+                          <a:spcPct val="150000"/>
+                        </a:lnSpc>
+                        <a:spcBef>
+                          <a:spcPts val="1200"/>
+                        </a:spcBef>
+                        <a:spcAft>
+                          <a:spcPts val="1200"/>
+                        </a:spcAft>
+                      </a:pPr>
+                      <a:r>
+                        <a:rPr lang="pt-BR" sz="2300" dirty="0">
+                          <a:latin typeface="+mn-lt"/>
+                        </a:rPr>
+                        <a:t>10</a:t>
+                      </a:r>
+                      <a:endParaRPr lang="pt-BR" sz="2300" dirty="0">
+                        <a:latin typeface="+mn-lt"/>
+                        <a:ea typeface="Calibri"/>
+                      </a:endParaRPr>
+                    </a:p>
+                  </a:txBody>
+                  <a:tcPr marL="69093" marR="69093" marT="0" marB="0" anchor="ctr"/>
+                </a:tc>
+                <a:tc>
+                  <a:txBody>
+                    <a:bodyPr/>
+                    <a:lstStyle/>
+                    <a:p>
+                      <a:pPr marL="0" indent="0" algn="ctr">
+                        <a:lnSpc>
+                          <a:spcPct val="150000"/>
+                        </a:lnSpc>
+                        <a:spcBef>
+                          <a:spcPts val="1200"/>
+                        </a:spcBef>
+                        <a:spcAft>
+                          <a:spcPts val="1200"/>
+                        </a:spcAft>
+                      </a:pPr>
+                      <a:r>
+                        <a:rPr lang="pt-BR" sz="2300" dirty="0" smtClean="0">
+                          <a:latin typeface="+mn-lt"/>
+                          <a:ea typeface="Calibri"/>
+                        </a:rPr>
+                        <a:t>27</a:t>
+                      </a:r>
+                      <a:endParaRPr lang="pt-BR" sz="2300" dirty="0">
+                        <a:latin typeface="+mn-lt"/>
+                        <a:ea typeface="Calibri"/>
+                      </a:endParaRPr>
+                    </a:p>
+                  </a:txBody>
+                  <a:tcPr marL="69093" marR="69093" marT="0" marB="0" anchor="ctr"/>
+                </a:tc>
+                <a:tc>
+                  <a:txBody>
+                    <a:bodyPr/>
+                    <a:lstStyle/>
+                    <a:p>
+                      <a:pPr algn="ctr">
+                        <a:lnSpc>
+                          <a:spcPct val="115000"/>
+                        </a:lnSpc>
+                        <a:spcAft>
+                          <a:spcPts val="0"/>
+                        </a:spcAft>
+                        <a:tabLst>
+                          <a:tab pos="581660" algn="l"/>
+                          <a:tab pos="1163320" algn="l"/>
+                          <a:tab pos="1744980" algn="l"/>
+                          <a:tab pos="2326640" algn="l"/>
+                          <a:tab pos="2908300" algn="l"/>
+                          <a:tab pos="3489960" algn="l"/>
+                          <a:tab pos="4071620" algn="l"/>
+                          <a:tab pos="4653280" algn="l"/>
+                          <a:tab pos="5234940" algn="l"/>
+                          <a:tab pos="5816600" algn="l"/>
+                          <a:tab pos="6398260" algn="l"/>
+                          <a:tab pos="6979920" algn="l"/>
+                          <a:tab pos="7561580" algn="l"/>
+                          <a:tab pos="8143240" algn="l"/>
+                          <a:tab pos="8724900" algn="l"/>
+                          <a:tab pos="9306560" algn="l"/>
+                        </a:tabLst>
+                      </a:pPr>
+                      <a:r>
+                        <a:rPr kumimoji="0" lang="pt-BR" sz="2300" kern="1200" dirty="0" smtClean="0">
+                          <a:solidFill>
+                            <a:schemeClr val="dk1"/>
+                          </a:solidFill>
+                          <a:latin typeface="+mn-lt"/>
+                          <a:ea typeface="+mn-ea"/>
+                          <a:cs typeface="+mn-cs"/>
+                        </a:rPr>
+                        <a:t>1-2-40954-6638-24142-5438-5437-30631-18082-9-10</a:t>
+                      </a:r>
+                      <a:endParaRPr lang="pt-BR" sz="2300" dirty="0">
+                        <a:latin typeface="+mn-lt"/>
+                        <a:ea typeface="Calibri"/>
+                      </a:endParaRPr>
+                    </a:p>
+                  </a:txBody>
+                  <a:tcPr marL="69093" marR="69093" marT="0" marB="0" anchor="ctr"/>
+                </a:tc>
+              </a:tr>
+              <a:tr h="805001">
+                <a:tc>
+                  <a:txBody>
+                    <a:bodyPr/>
+                    <a:lstStyle/>
+                    <a:p>
+                      <a:pPr marL="4763" indent="0" algn="ctr">
+                        <a:lnSpc>
+                          <a:spcPct val="150000"/>
+                        </a:lnSpc>
+                        <a:spcBef>
+                          <a:spcPts val="1200"/>
+                        </a:spcBef>
+                        <a:spcAft>
+                          <a:spcPts val="1200"/>
+                        </a:spcAft>
+                        <a:tabLst>
+                          <a:tab pos="361950" algn="l"/>
+                        </a:tabLst>
+                      </a:pPr>
+                      <a:r>
+                        <a:rPr lang="pt-BR" sz="2300" dirty="0" smtClean="0">
+                          <a:latin typeface="+mn-lt"/>
+                        </a:rPr>
+                        <a:t>100</a:t>
+                      </a:r>
+                      <a:endParaRPr lang="pt-BR" sz="2300" dirty="0">
+                        <a:latin typeface="+mn-lt"/>
+                        <a:ea typeface="Calibri"/>
+                      </a:endParaRPr>
+                    </a:p>
+                  </a:txBody>
+                  <a:tcPr marL="69093" marR="69093" marT="0" marB="0" anchor="ctr"/>
+                </a:tc>
+                <a:tc>
+                  <a:txBody>
+                    <a:bodyPr/>
+                    <a:lstStyle/>
+                    <a:p>
+                      <a:pPr marL="0" indent="0" algn="ctr">
+                        <a:lnSpc>
+                          <a:spcPct val="150000"/>
+                        </a:lnSpc>
+                        <a:spcBef>
+                          <a:spcPts val="1200"/>
+                        </a:spcBef>
+                        <a:spcAft>
+                          <a:spcPts val="1200"/>
+                        </a:spcAft>
+                      </a:pPr>
+                      <a:r>
+                        <a:rPr lang="pt-BR" sz="2300" dirty="0" smtClean="0">
+                          <a:latin typeface="+mn-lt"/>
+                          <a:ea typeface="Calibri"/>
+                        </a:rPr>
+                        <a:t>19</a:t>
+                      </a:r>
+                      <a:endParaRPr lang="pt-BR" sz="2300" dirty="0">
+                        <a:latin typeface="+mn-lt"/>
+                        <a:ea typeface="Calibri"/>
+                      </a:endParaRPr>
+                    </a:p>
+                  </a:txBody>
+                  <a:tcPr marL="69093" marR="69093" marT="0" marB="0" anchor="ctr"/>
+                </a:tc>
+                <a:tc>
+                  <a:txBody>
+                    <a:bodyPr/>
+                    <a:lstStyle/>
+                    <a:p>
+                      <a:pPr algn="ctr"/>
+                      <a:r>
+                        <a:rPr kumimoji="0" lang="pt-BR" sz="2300" kern="1200" dirty="0" smtClean="0">
+                          <a:solidFill>
+                            <a:schemeClr val="dk1"/>
+                          </a:solidFill>
+                          <a:latin typeface="+mn-lt"/>
+                          <a:ea typeface="+mn-ea"/>
+                          <a:cs typeface="+mn-cs"/>
+                        </a:rPr>
+                        <a:t>1-2-30823-31610-13545-49238-35624-39086-21397-99-100</a:t>
+                      </a:r>
+                      <a:endParaRPr lang="pt-BR" sz="2300" dirty="0">
+                        <a:latin typeface="+mn-lt"/>
+                      </a:endParaRPr>
+                    </a:p>
+                  </a:txBody>
+                  <a:tcPr marL="69093" marR="69093" marT="0" marB="0" anchor="ctr"/>
+                </a:tc>
+              </a:tr>
+              <a:tr h="1073334">
+                <a:tc>
+                  <a:txBody>
+                    <a:bodyPr/>
+                    <a:lstStyle/>
+                    <a:p>
+                      <a:pPr marL="4763" indent="0" algn="ctr">
+                        <a:lnSpc>
+                          <a:spcPct val="150000"/>
+                        </a:lnSpc>
+                        <a:spcBef>
+                          <a:spcPts val="1200"/>
+                        </a:spcBef>
+                        <a:spcAft>
+                          <a:spcPts val="1200"/>
+                        </a:spcAft>
+                      </a:pPr>
+                      <a:r>
+                        <a:rPr lang="pt-BR" sz="2300" dirty="0">
+                          <a:latin typeface="+mn-lt"/>
+                        </a:rPr>
+                        <a:t>1000</a:t>
+                      </a:r>
+                      <a:endParaRPr lang="pt-BR" sz="2300" dirty="0">
+                        <a:latin typeface="+mn-lt"/>
+                        <a:ea typeface="Calibri"/>
+                      </a:endParaRPr>
+                    </a:p>
+                  </a:txBody>
+                  <a:tcPr marL="69093" marR="69093" marT="0" marB="0" anchor="ctr"/>
+                </a:tc>
+                <a:tc>
+                  <a:txBody>
+                    <a:bodyPr/>
+                    <a:lstStyle/>
+                    <a:p>
+                      <a:pPr marL="4763" indent="0" algn="ctr">
+                        <a:lnSpc>
+                          <a:spcPct val="150000"/>
+                        </a:lnSpc>
+                        <a:spcBef>
+                          <a:spcPts val="1200"/>
+                        </a:spcBef>
+                        <a:spcAft>
+                          <a:spcPts val="1200"/>
+                        </a:spcAft>
+                      </a:pPr>
+                      <a:r>
+                        <a:rPr lang="pt-BR" sz="2300" dirty="0" smtClean="0">
+                          <a:latin typeface="+mn-lt"/>
+                          <a:ea typeface="Calibri"/>
+                        </a:rPr>
+                        <a:t>36</a:t>
+                      </a:r>
+                      <a:endParaRPr lang="pt-BR" sz="2300" dirty="0">
+                        <a:latin typeface="+mn-lt"/>
+                        <a:ea typeface="Calibri"/>
+                      </a:endParaRPr>
+                    </a:p>
+                  </a:txBody>
+                  <a:tcPr marL="69093" marR="69093" marT="0" marB="0" anchor="ctr"/>
+                </a:tc>
+                <a:tc>
+                  <a:txBody>
+                    <a:bodyPr/>
+                    <a:lstStyle/>
+                    <a:p>
+                      <a:pPr algn="ctr"/>
+                      <a:r>
+                        <a:rPr kumimoji="0" lang="pt-BR" sz="2300" kern="1200" dirty="0" smtClean="0">
+                          <a:solidFill>
+                            <a:schemeClr val="dk1"/>
+                          </a:solidFill>
+                          <a:latin typeface="+mn-lt"/>
+                          <a:ea typeface="+mn-ea"/>
+                          <a:cs typeface="+mn-cs"/>
+                        </a:rPr>
+                        <a:t>1-2-40954-9187-46430-48174-42945-43820-36655-19057-1002-1001-1000</a:t>
+                      </a:r>
+                      <a:endParaRPr lang="pt-BR" sz="2300" dirty="0" smtClean="0">
+                        <a:latin typeface="+mn-lt"/>
+                      </a:endParaRPr>
+                    </a:p>
+                  </a:txBody>
+                  <a:tcPr marL="69093" marR="69093" marT="0" marB="0" anchor="ctr"/>
+                </a:tc>
+              </a:tr>
+              <a:tr h="1073334">
+                <a:tc>
+                  <a:txBody>
+                    <a:bodyPr/>
+                    <a:lstStyle/>
+                    <a:p>
+                      <a:pPr marL="4763" indent="0" algn="ctr">
+                        <a:lnSpc>
+                          <a:spcPct val="150000"/>
+                        </a:lnSpc>
+                        <a:spcBef>
+                          <a:spcPts val="1200"/>
+                        </a:spcBef>
+                        <a:spcAft>
+                          <a:spcPts val="1200"/>
+                        </a:spcAft>
+                      </a:pPr>
+                      <a:r>
+                        <a:rPr lang="pt-BR" sz="2300" dirty="0" smtClean="0">
+                          <a:latin typeface="+mn-lt"/>
+                          <a:ea typeface="Calibri"/>
+                        </a:rPr>
+                        <a:t>10000</a:t>
+                      </a:r>
+                      <a:endParaRPr lang="pt-BR" sz="2300" dirty="0">
+                        <a:latin typeface="+mn-lt"/>
+                        <a:ea typeface="Calibri"/>
+                      </a:endParaRPr>
+                    </a:p>
+                  </a:txBody>
+                  <a:tcPr marL="69093" marR="69093" marT="0" marB="0" anchor="ctr"/>
+                </a:tc>
+                <a:tc>
+                  <a:txBody>
+                    <a:bodyPr/>
+                    <a:lstStyle/>
+                    <a:p>
+                      <a:pPr marL="4763" indent="0" algn="ctr">
+                        <a:lnSpc>
+                          <a:spcPct val="150000"/>
+                        </a:lnSpc>
+                        <a:spcBef>
+                          <a:spcPts val="1200"/>
+                        </a:spcBef>
+                        <a:spcAft>
+                          <a:spcPts val="1200"/>
+                        </a:spcAft>
+                      </a:pPr>
+                      <a:r>
+                        <a:rPr lang="pt-BR" sz="2300" dirty="0" smtClean="0">
+                          <a:latin typeface="+mn-lt"/>
+                          <a:ea typeface="Calibri"/>
+                        </a:rPr>
+                        <a:t>17</a:t>
+                      </a:r>
+                      <a:endParaRPr lang="pt-BR" sz="2300" dirty="0">
+                        <a:latin typeface="+mn-lt"/>
+                        <a:ea typeface="Calibri"/>
+                      </a:endParaRPr>
+                    </a:p>
+                  </a:txBody>
+                  <a:tcPr marL="69093" marR="69093" marT="0" marB="0" anchor="ctr"/>
+                </a:tc>
+                <a:tc>
+                  <a:txBody>
+                    <a:bodyPr/>
+                    <a:lstStyle/>
+                    <a:p>
+                      <a:pPr algn="ctr"/>
+                      <a:r>
+                        <a:rPr kumimoji="0" lang="pt-BR" sz="2300" kern="1200" dirty="0" smtClean="0">
+                          <a:solidFill>
+                            <a:schemeClr val="dk1"/>
+                          </a:solidFill>
+                          <a:latin typeface="+mn-lt"/>
+                          <a:ea typeface="+mn-ea"/>
+                          <a:cs typeface="+mn-cs"/>
+                        </a:rPr>
+                        <a:t>1-2-40954-9187-44780-30421-15094-28332-10000</a:t>
+                      </a:r>
+                      <a:endParaRPr lang="pt-BR" sz="2300" dirty="0" smtClean="0">
+                        <a:latin typeface="+mn-lt"/>
+                      </a:endParaRPr>
+                    </a:p>
+                  </a:txBody>
+                  <a:tcPr marL="69093" marR="69093" marT="0" marB="0" anchor="ctr"/>
+                </a:tc>
+              </a:tr>
+            </a:tbl>
+          </a:graphicData>
+        </a:graphic>
+      </p:graphicFrame>
+      <p:sp>
+        <p:nvSpPr>
+          <p:cNvPr id="2" name="Título 1"/>
+          <p:cNvSpPr>
+            <a:spLocks noGrp="1"/>
+          </p:cNvSpPr>
+          <p:nvPr>
+            <p:ph type="title"/>
+          </p:nvPr>
+        </p:nvSpPr>
+        <p:spPr/>
+        <p:txBody>
+          <a:bodyPr>
+            <a:normAutofit/>
+          </a:bodyPr>
+          <a:lstStyle/>
+          <a:p>
+            <a:r>
+              <a:rPr lang="pt-BR" dirty="0" smtClean="0"/>
+              <a:t>Resultados – Grafo 4  </a:t>
+            </a:r>
+            <a:endParaRPr lang="pt-BR" dirty="0"/>
+          </a:p>
+        </p:txBody>
+      </p:sp>
+    </p:spTree>
+  </p:cSld>
+  <p:clrMapOvr>
+    <a:masterClrMapping/>
+  </p:clrMapOvr>
+  <p:timing>
+    <p:tnLst>
+      <p:par>
+        <p:cTn id="1" dur="indefinite" restart="never" nodeType="tmRoot"/>
+      </p:par>
+    </p:tnLst>
+  </p:timing>
+</p:sld>
+</file>
+
+<file path=ppt/slides/slide15.xml><?xml version="1.0" encoding="utf-8"?>
+<p:sld xmlns:a="http://schemas.openxmlformats.org/drawingml/2006/main" xmlns:r="http://schemas.openxmlformats.org/officeDocument/2006/relationships" xmlns:p="http://schemas.openxmlformats.org/presentationml/2006/main">
+  <p:cSld>
+    <p:spTree>
+      <p:nvGrpSpPr>
+        <p:cNvPr id="1" name=""/>
+        <p:cNvGrpSpPr/>
+        <p:nvPr/>
+      </p:nvGrpSpPr>
+      <p:grpSpPr>
+        <a:xfrm>
+          <a:off x="0" y="0"/>
+          <a:ext cx="0" cy="0"/>
+          <a:chOff x="0" y="0"/>
+          <a:chExt cx="0" cy="0"/>
+        </a:xfrm>
+      </p:grpSpPr>
+      <p:sp>
+        <p:nvSpPr>
+          <p:cNvPr id="2" name="Título 1"/>
+          <p:cNvSpPr>
+            <a:spLocks noGrp="1"/>
+          </p:cNvSpPr>
+          <p:nvPr>
+            <p:ph type="title"/>
+          </p:nvPr>
+        </p:nvSpPr>
+        <p:spPr/>
+        <p:txBody>
+          <a:bodyPr>
+            <a:normAutofit/>
+          </a:bodyPr>
+          <a:lstStyle/>
+          <a:p>
+            <a:r>
+              <a:rPr lang="pt-BR" dirty="0" smtClean="0"/>
+              <a:t>Resultados – Grafo 5  </a:t>
+            </a:r>
+            <a:endParaRPr lang="pt-BR" dirty="0"/>
+          </a:p>
+        </p:txBody>
+      </p:sp>
+      <p:graphicFrame>
+        <p:nvGraphicFramePr>
+          <p:cNvPr id="5" name="Espaço Reservado para Conteúdo 4"/>
+          <p:cNvGraphicFramePr>
+            <a:graphicFrameLocks noGrp="1"/>
+          </p:cNvGraphicFramePr>
+          <p:nvPr>
+            <p:ph idx="1"/>
+            <p:extLst>
+              <p:ext uri="{D42A27DB-BD31-4B8C-83A1-F6EECF244321}">
+                <p14:modId xmlns:p14="http://schemas.microsoft.com/office/powerpoint/2010/main" val="3187534115"/>
+              </p:ext>
+            </p:extLst>
+          </p:nvPr>
+        </p:nvGraphicFramePr>
+        <p:xfrm>
+          <a:off x="215517" y="1988840"/>
+          <a:ext cx="8712967" cy="4216131"/>
+        </p:xfrm>
+        <a:graphic>
+          <a:graphicData uri="http://schemas.openxmlformats.org/drawingml/2006/table">
+            <a:tbl>
+              <a:tblPr>
+                <a:tableStyleId>{3C2FFA5D-87B4-456A-9821-1D502468CF0F}</a:tableStyleId>
+              </a:tblPr>
+              <a:tblGrid>
+                <a:gridCol w="1512168"/>
+                <a:gridCol w="1488964"/>
+                <a:gridCol w="5711835"/>
               </a:tblGrid>
               <a:tr h="482138">
                 <a:tc>
@@ -6091,11 +7784,28 @@
                         </a:spcAft>
                       </a:pPr>
                       <a:r>
-                        <a:rPr lang="pt-BR" sz="2000" b="1" dirty="0"/>
-                        <a:t>N</a:t>
+                        <a:rPr lang="pt-BR" sz="2000" b="1" dirty="0" err="1" smtClean="0">
+                          <a:latin typeface="+mn-lt"/>
+                          <a:ea typeface="Calibri"/>
+                        </a:rPr>
+                        <a:t>Vért</a:t>
+                      </a:r>
+                      <a:r>
+                        <a:rPr lang="pt-BR" sz="2000" b="1" dirty="0" smtClean="0">
+                          <a:latin typeface="+mn-lt"/>
+                          <a:ea typeface="Calibri"/>
+                        </a:rPr>
+                        <a:t>.</a:t>
+                      </a:r>
+                      <a:r>
+                        <a:rPr lang="pt-BR" sz="2000" b="1" baseline="0" dirty="0" smtClean="0">
+                          <a:latin typeface="+mn-lt"/>
+                          <a:ea typeface="Calibri"/>
+                        </a:rPr>
+                        <a:t> final</a:t>
                       </a:r>
                       <a:endParaRPr lang="pt-BR" sz="2000" b="1" dirty="0">
-                        <a:latin typeface="Times New Roman"/>
+                        <a:latin typeface="+mn-lt"/>
                         <a:ea typeface="Calibri"/>
                       </a:endParaRPr>
                     </a:p>
@@ -6119,11 +7829,13 @@
                         </a:spcAft>
                       </a:pPr>
                       <a:r>
-                        <a:rPr lang="pt-BR" sz="2000" b="1" dirty="0"/>
+                        <a:rPr lang="pt-BR" sz="2000" b="1" dirty="0">
+                          <a:latin typeface="+mn-lt"/>
+                        </a:rPr>
                         <a:t>Distância</a:t>
                       </a:r>
                       <a:endParaRPr lang="pt-BR" sz="2000" b="1" dirty="0">
-                        <a:latin typeface="Times New Roman"/>
+                        <a:latin typeface="+mn-lt"/>
                         <a:ea typeface="Calibri"/>
                       </a:endParaRPr>
                     </a:p>
@@ -6147,11 +7859,13 @@
                         </a:spcAft>
                       </a:pPr>
                       <a:r>
-                        <a:rPr lang="pt-BR" sz="2000" b="1" dirty="0"/>
+                        <a:rPr lang="pt-BR" sz="2000" b="1" dirty="0">
+                          <a:latin typeface="+mn-lt"/>
+                        </a:rPr>
                         <a:t>Caminho</a:t>
                       </a:r>
                       <a:endParaRPr lang="pt-BR" sz="2000" b="1" dirty="0">
-                        <a:latin typeface="Times New Roman"/>
+                        <a:latin typeface="+mn-lt"/>
                         <a:ea typeface="Calibri"/>
                       </a:endParaRPr>
                     </a:p>
@@ -6211,7 +7925,7 @@
                           <a:latin typeface="+mn-lt"/>
                           <a:ea typeface="Calibri"/>
                         </a:rPr>
-                        <a:t>26</a:t>
+                        <a:t>56</a:t>
                       </a:r>
                       <a:endParaRPr lang="pt-BR" sz="2000" dirty="0">
                         <a:latin typeface="+mn-lt"/>
@@ -6253,7 +7967,7 @@
                         </a:tabLst>
                       </a:pPr>
                       <a:r>
-                        <a:rPr kumimoji="0" lang="pt-BR" sz="1800" kern="1200" dirty="0" smtClean="0">
+                        <a:rPr kumimoji="0" lang="pt-BR" sz="2000" kern="1200" dirty="0" smtClean="0">
                           <a:solidFill>
                             <a:schemeClr val="dk1"/>
                           </a:solidFill>
@@ -6261,7 +7975,7 @@
                           <a:ea typeface="+mn-ea"/>
                           <a:cs typeface="+mn-cs"/>
                         </a:rPr>
-                        <a:t>1-2-3-7739-3782-8405-7014-10</a:t>
+                        <a:t>1-100000-99999-99998-92827-24681-49217-86633-23787-19564-82822-24916-79294-79095-35948-30951-30952-30953-70778-10</a:t>
                       </a:r>
                       <a:endParaRPr lang="pt-BR" sz="2000" dirty="0">
                         <a:latin typeface="+mn-lt"/>
@@ -6327,7 +8041,7 @@
                           <a:latin typeface="+mn-lt"/>
                           <a:ea typeface="Calibri"/>
                         </a:rPr>
-                        <a:t>29</a:t>
+                        <a:t>48</a:t>
                       </a:r>
                       <a:endParaRPr lang="pt-BR" sz="2000" dirty="0">
                         <a:latin typeface="+mn-lt"/>
@@ -6344,7 +8058,7 @@
                     <a:p>
                       <a:pPr algn="ctr"/>
                       <a:r>
-                        <a:rPr kumimoji="0" lang="pt-BR" sz="1800" kern="1200" dirty="0" smtClean="0">
+                        <a:rPr kumimoji="0" lang="pt-BR" sz="2000" kern="1200" dirty="0" smtClean="0">
                           <a:solidFill>
                             <a:schemeClr val="dk1"/>
                           </a:solidFill>
@@ -6352,7 +8066,7 @@
                           <a:ea typeface="+mn-ea"/>
                           <a:cs typeface="+mn-cs"/>
                         </a:rPr>
-                        <a:t>1-2-3-7739-3782-3259-100</a:t>
+                        <a:t>1-100000-99999-99998-5098-15254-70965-45051-13678-79705-85645-12152-12151-94349-100</a:t>
                       </a:r>
                       <a:endParaRPr lang="pt-BR" sz="2000" dirty="0">
                         <a:latin typeface="+mn-lt"/>
@@ -6414,7 +8128,7 @@
                           <a:latin typeface="+mn-lt"/>
                           <a:ea typeface="Calibri"/>
                         </a:rPr>
-                        <a:t>33</a:t>
+                        <a:t>49</a:t>
                       </a:r>
                       <a:endParaRPr lang="pt-BR" sz="2000" dirty="0">
                         <a:latin typeface="+mn-lt"/>
@@ -6431,7 +8145,7 @@
                     <a:p>
                       <a:pPr algn="ctr"/>
                       <a:r>
-                        <a:rPr kumimoji="0" lang="pt-BR" sz="1800" kern="1200" dirty="0" smtClean="0">
+                        <a:rPr kumimoji="0" lang="pt-BR" sz="2000" kern="1200" dirty="0" smtClean="0">
                           <a:solidFill>
                             <a:schemeClr val="dk1"/>
                           </a:solidFill>
@@ -6439,7 +8153,7 @@
                           <a:ea typeface="+mn-ea"/>
                           <a:cs typeface="+mn-cs"/>
                         </a:rPr>
-                        <a:t>1-2-3-7739-3782-83-2265-1995-8244-1541-1001-1000</a:t>
+                        <a:t>1-100000-99999-99998-5098-15254-23575-7300-96904-96903-56757-17388-17389-57543-95359-999-1000</a:t>
                       </a:r>
                       <a:endParaRPr lang="pt-BR" sz="2000" dirty="0" smtClean="0">
                         <a:latin typeface="+mn-lt"/>
@@ -6502,7 +8216,7 @@
                           <a:latin typeface="+mn-lt"/>
                           <a:ea typeface="Calibri"/>
                         </a:rPr>
-                        <a:t>12</a:t>
+                        <a:t>94</a:t>
                       </a:r>
                       <a:endParaRPr lang="pt-BR" sz="2000" dirty="0">
                         <a:latin typeface="+mn-lt"/>
@@ -6519,7 +8233,7 @@
                     <a:p>
                       <a:pPr algn="ctr"/>
                       <a:r>
-                        <a:rPr kumimoji="0" lang="pt-BR" sz="1800" kern="1200" dirty="0" smtClean="0">
+                        <a:rPr kumimoji="0" lang="pt-BR" sz="2000" kern="1200" dirty="0" smtClean="0">
                           <a:solidFill>
                             <a:schemeClr val="dk1"/>
                           </a:solidFill>
@@ -6527,7 +8241,7 @@
                           <a:ea typeface="+mn-ea"/>
                           <a:cs typeface="+mn-cs"/>
                         </a:rPr>
-                        <a:t>1-10000</a:t>
+                        <a:t>1-100000-99999-99998-5098-15254-23575-7300-91801-72212-72213-24567-78009-78010-16066-9993-9994-9995-9996-9997-9998-9999-10000</a:t>
                       </a:r>
                       <a:endParaRPr lang="pt-BR" sz="2000" dirty="0" smtClean="0">
                         <a:latin typeface="+mn-lt"/>
@@ -6546,1096 +8260,17 @@
   <p:clrMapOvr>
     <a:masterClrMapping/>
   </p:clrMapOvr>
+  <p:timing>
+    <p:tnLst>
+      <p:par>
+        <p:cTn id="1" dur="indefinite" restart="never" nodeType="tmRoot"/>
+      </p:par>
+    </p:tnLst>
+  </p:timing>
 </p:sld>
 </file>
 
-<file path=ppt/slides/slide13.xml><?xml version="1.0" encoding="utf-8"?>
-<p:sld xmlns:a="http://schemas.openxmlformats.org/drawingml/2006/main" xmlns:r="http://schemas.openxmlformats.org/officeDocument/2006/relationships" xmlns:p="http://schemas.openxmlformats.org/presentationml/2006/main">
-  <p:cSld>
-    <p:spTree>
-      <p:nvGrpSpPr>
-        <p:cNvPr id="1" name=""/>
-        <p:cNvGrpSpPr/>
-        <p:nvPr/>
-      </p:nvGrpSpPr>
-      <p:grpSpPr>
-        <a:xfrm>
-          <a:off x="0" y="0"/>
-          <a:ext cx="0" cy="0"/>
-          <a:chOff x="0" y="0"/>
-          <a:chExt cx="0" cy="0"/>
-        </a:xfrm>
-      </p:grpSpPr>
-      <p:sp>
-        <p:nvSpPr>
-          <p:cNvPr id="2" name="Título 1"/>
-          <p:cNvSpPr>
-            <a:spLocks noGrp="1"/>
-          </p:cNvSpPr>
-          <p:nvPr>
-            <p:ph type="title"/>
-          </p:nvPr>
-        </p:nvSpPr>
-        <p:spPr/>
-        <p:txBody>
-          <a:bodyPr>
-            <a:normAutofit/>
-          </a:bodyPr>
-          <a:lstStyle/>
-          <a:p>
-            <a:r>
-              <a:rPr lang="pt-BR" dirty="0" smtClean="0"/>
-              <a:t>Resultados – Grafo 4  </a:t>
-            </a:r>
-            <a:endParaRPr lang="pt-BR" dirty="0"/>
-          </a:p>
-        </p:txBody>
-      </p:sp>
-      <p:graphicFrame>
-        <p:nvGraphicFramePr>
-          <p:cNvPr id="5" name="Espaço Reservado para Conteúdo 4"/>
-          <p:cNvGraphicFramePr>
-            <a:graphicFrameLocks noGrp="1"/>
-          </p:cNvGraphicFramePr>
-          <p:nvPr>
-            <p:ph idx="1"/>
-          </p:nvPr>
-        </p:nvGraphicFramePr>
-        <p:xfrm>
-          <a:off x="1331640" y="2204864"/>
-          <a:ext cx="6480719" cy="3776965"/>
-        </p:xfrm>
-        <a:graphic>
-          <a:graphicData uri="http://schemas.openxmlformats.org/drawingml/2006/table">
-            <a:tbl>
-              <a:tblPr>
-                <a:tableStyleId>{3C2FFA5D-87B4-456A-9821-1D502468CF0F}</a:tableStyleId>
-              </a:tblPr>
-              <a:tblGrid>
-                <a:gridCol w="958181"/>
-                <a:gridCol w="1274066"/>
-                <a:gridCol w="4248472"/>
-              </a:tblGrid>
-              <a:tr h="482138">
-                <a:tc>
-                  <a:txBody>
-                    <a:bodyPr/>
-                    <a:lstStyle/>
-                    <a:p>
-                      <a:pPr marL="4763" indent="0" algn="ctr">
-                        <a:lnSpc>
-                          <a:spcPct val="150000"/>
-                        </a:lnSpc>
-                        <a:spcBef>
-                          <a:spcPts val="1200"/>
-                        </a:spcBef>
-                        <a:spcAft>
-                          <a:spcPts val="1200"/>
-                        </a:spcAft>
-                      </a:pPr>
-                      <a:r>
-                        <a:rPr lang="pt-BR" sz="2000" b="1" dirty="0"/>
-                        <a:t>N</a:t>
-                      </a:r>
-                      <a:endParaRPr lang="pt-BR" sz="2000" b="1" dirty="0">
-                        <a:latin typeface="Times New Roman"/>
-                        <a:ea typeface="Calibri"/>
-                      </a:endParaRPr>
-                    </a:p>
-                  </a:txBody>
-                  <a:tcPr marL="60964" marR="60964" marT="0" marB="0" anchor="ctr"/>
-                </a:tc>
-                <a:tc>
-                  <a:txBody>
-                    <a:bodyPr/>
-                    <a:lstStyle/>
-                    <a:p>
-                      <a:pPr marL="4763" indent="0" algn="ctr">
-                        <a:lnSpc>
-                          <a:spcPct val="150000"/>
-                        </a:lnSpc>
-                        <a:spcBef>
-                          <a:spcPts val="1200"/>
-                        </a:spcBef>
-                        <a:spcAft>
-                          <a:spcPts val="1200"/>
-                        </a:spcAft>
-                      </a:pPr>
-                      <a:r>
-                        <a:rPr lang="pt-BR" sz="2000" b="1" dirty="0"/>
-                        <a:t>Distância</a:t>
-                      </a:r>
-                      <a:endParaRPr lang="pt-BR" sz="2000" b="1" dirty="0">
-                        <a:latin typeface="Times New Roman"/>
-                        <a:ea typeface="Calibri"/>
-                      </a:endParaRPr>
-                    </a:p>
-                  </a:txBody>
-                  <a:tcPr marL="60964" marR="60964" marT="0" marB="0" anchor="ctr"/>
-                </a:tc>
-                <a:tc>
-                  <a:txBody>
-                    <a:bodyPr/>
-                    <a:lstStyle/>
-                    <a:p>
-                      <a:pPr marL="0" indent="0" algn="ctr">
-                        <a:lnSpc>
-                          <a:spcPct val="150000"/>
-                        </a:lnSpc>
-                        <a:spcBef>
-                          <a:spcPts val="1200"/>
-                        </a:spcBef>
-                        <a:spcAft>
-                          <a:spcPts val="1200"/>
-                        </a:spcAft>
-                      </a:pPr>
-                      <a:r>
-                        <a:rPr lang="pt-BR" sz="2000" b="1" dirty="0"/>
-                        <a:t>Caminho</a:t>
-                      </a:r>
-                      <a:endParaRPr lang="pt-BR" sz="2000" b="1" dirty="0">
-                        <a:latin typeface="Times New Roman"/>
-                        <a:ea typeface="Calibri"/>
-                      </a:endParaRPr>
-                    </a:p>
-                  </a:txBody>
-                  <a:tcPr marL="60964" marR="60964" marT="0" marB="0" anchor="ctr"/>
-                </a:tc>
-              </a:tr>
-              <a:tr h="487715">
-                <a:tc>
-                  <a:txBody>
-                    <a:bodyPr/>
-                    <a:lstStyle/>
-                    <a:p>
-                      <a:pPr marL="4763" indent="0" algn="ctr">
-                        <a:lnSpc>
-                          <a:spcPct val="150000"/>
-                        </a:lnSpc>
-                        <a:spcBef>
-                          <a:spcPts val="1200"/>
-                        </a:spcBef>
-                        <a:spcAft>
-                          <a:spcPts val="1200"/>
-                        </a:spcAft>
-                      </a:pPr>
-                      <a:r>
-                        <a:rPr lang="pt-BR" sz="2000" dirty="0">
-                          <a:latin typeface="+mn-lt"/>
-                        </a:rPr>
-                        <a:t>10</a:t>
-                      </a:r>
-                      <a:endParaRPr lang="pt-BR" sz="2000" dirty="0">
-                        <a:latin typeface="+mn-lt"/>
-                        <a:ea typeface="Calibri"/>
-                      </a:endParaRPr>
-                    </a:p>
-                  </a:txBody>
-                  <a:tcPr marL="60964" marR="60964" marT="0" marB="0" anchor="ctr"/>
-                </a:tc>
-                <a:tc>
-                  <a:txBody>
-                    <a:bodyPr/>
-                    <a:lstStyle/>
-                    <a:p>
-                      <a:pPr marL="0" indent="0" algn="ctr">
-                        <a:lnSpc>
-                          <a:spcPct val="150000"/>
-                        </a:lnSpc>
-                        <a:spcBef>
-                          <a:spcPts val="1200"/>
-                        </a:spcBef>
-                        <a:spcAft>
-                          <a:spcPts val="1200"/>
-                        </a:spcAft>
-                      </a:pPr>
-                      <a:r>
-                        <a:rPr lang="pt-BR" sz="2000" dirty="0" smtClean="0">
-                          <a:latin typeface="+mn-lt"/>
-                          <a:ea typeface="Calibri"/>
-                        </a:rPr>
-                        <a:t>27</a:t>
-                      </a:r>
-                      <a:endParaRPr lang="pt-BR" sz="2000" dirty="0">
-                        <a:latin typeface="+mn-lt"/>
-                        <a:ea typeface="Calibri"/>
-                      </a:endParaRPr>
-                    </a:p>
-                  </a:txBody>
-                  <a:tcPr marL="60964" marR="60964" marT="0" marB="0" anchor="ctr"/>
-                </a:tc>
-                <a:tc>
-                  <a:txBody>
-                    <a:bodyPr/>
-                    <a:lstStyle/>
-                    <a:p>
-                      <a:pPr algn="ctr">
-                        <a:lnSpc>
-                          <a:spcPct val="115000"/>
-                        </a:lnSpc>
-                        <a:spcAft>
-                          <a:spcPts val="0"/>
-                        </a:spcAft>
-                        <a:tabLst>
-                          <a:tab pos="581660" algn="l"/>
-                          <a:tab pos="1163320" algn="l"/>
-                          <a:tab pos="1744980" algn="l"/>
-                          <a:tab pos="2326640" algn="l"/>
-                          <a:tab pos="2908300" algn="l"/>
-                          <a:tab pos="3489960" algn="l"/>
-                          <a:tab pos="4071620" algn="l"/>
-                          <a:tab pos="4653280" algn="l"/>
-                          <a:tab pos="5234940" algn="l"/>
-                          <a:tab pos="5816600" algn="l"/>
-                          <a:tab pos="6398260" algn="l"/>
-                          <a:tab pos="6979920" algn="l"/>
-                          <a:tab pos="7561580" algn="l"/>
-                          <a:tab pos="8143240" algn="l"/>
-                          <a:tab pos="8724900" algn="l"/>
-                          <a:tab pos="9306560" algn="l"/>
-                        </a:tabLst>
-                      </a:pPr>
-                      <a:r>
-                        <a:rPr kumimoji="0" lang="pt-BR" sz="1800" kern="1200" dirty="0" smtClean="0">
-                          <a:solidFill>
-                            <a:schemeClr val="dk1"/>
-                          </a:solidFill>
-                          <a:latin typeface="+mn-lt"/>
-                          <a:ea typeface="+mn-ea"/>
-                          <a:cs typeface="+mn-cs"/>
-                        </a:rPr>
-                        <a:t>1-2-40954-6638-24142-5438-5437-30631-18082-9-10</a:t>
-                      </a:r>
-                      <a:endParaRPr lang="pt-BR" sz="2000" dirty="0">
-                        <a:latin typeface="+mn-lt"/>
-                        <a:ea typeface="Calibri"/>
-                      </a:endParaRPr>
-                    </a:p>
-                  </a:txBody>
-                  <a:tcPr marL="60964" marR="60964" marT="0" marB="0" anchor="ctr"/>
-                </a:tc>
-              </a:tr>
-              <a:tr h="731573">
-                <a:tc>
-                  <a:txBody>
-                    <a:bodyPr/>
-                    <a:lstStyle/>
-                    <a:p>
-                      <a:pPr marL="4763" indent="0" algn="ctr">
-                        <a:lnSpc>
-                          <a:spcPct val="150000"/>
-                        </a:lnSpc>
-                        <a:spcBef>
-                          <a:spcPts val="1200"/>
-                        </a:spcBef>
-                        <a:spcAft>
-                          <a:spcPts val="1200"/>
-                        </a:spcAft>
-                        <a:tabLst>
-                          <a:tab pos="361950" algn="l"/>
-                        </a:tabLst>
-                      </a:pPr>
-                      <a:r>
-                        <a:rPr lang="pt-BR" sz="2000" dirty="0" smtClean="0">
-                          <a:latin typeface="+mn-lt"/>
-                        </a:rPr>
-                        <a:t>100</a:t>
-                      </a:r>
-                      <a:endParaRPr lang="pt-BR" sz="2000" dirty="0">
-                        <a:latin typeface="+mn-lt"/>
-                        <a:ea typeface="Calibri"/>
-                      </a:endParaRPr>
-                    </a:p>
-                  </a:txBody>
-                  <a:tcPr marL="60964" marR="60964" marT="0" marB="0" anchor="ctr"/>
-                </a:tc>
-                <a:tc>
-                  <a:txBody>
-                    <a:bodyPr/>
-                    <a:lstStyle/>
-                    <a:p>
-                      <a:pPr marL="0" indent="0" algn="ctr">
-                        <a:lnSpc>
-                          <a:spcPct val="150000"/>
-                        </a:lnSpc>
-                        <a:spcBef>
-                          <a:spcPts val="1200"/>
-                        </a:spcBef>
-                        <a:spcAft>
-                          <a:spcPts val="1200"/>
-                        </a:spcAft>
-                      </a:pPr>
-                      <a:r>
-                        <a:rPr lang="pt-BR" sz="2000" dirty="0" smtClean="0">
-                          <a:latin typeface="+mn-lt"/>
-                          <a:ea typeface="Calibri"/>
-                        </a:rPr>
-                        <a:t>19</a:t>
-                      </a:r>
-                      <a:endParaRPr lang="pt-BR" sz="2000" dirty="0">
-                        <a:latin typeface="+mn-lt"/>
-                        <a:ea typeface="Calibri"/>
-                      </a:endParaRPr>
-                    </a:p>
-                  </a:txBody>
-                  <a:tcPr marL="60964" marR="60964" marT="0" marB="0" anchor="ctr"/>
-                </a:tc>
-                <a:tc>
-                  <a:txBody>
-                    <a:bodyPr/>
-                    <a:lstStyle/>
-                    <a:p>
-                      <a:pPr algn="ctr"/>
-                      <a:r>
-                        <a:rPr kumimoji="0" lang="pt-BR" sz="1800" kern="1200" dirty="0" smtClean="0">
-                          <a:solidFill>
-                            <a:schemeClr val="dk1"/>
-                          </a:solidFill>
-                          <a:latin typeface="+mn-lt"/>
-                          <a:ea typeface="+mn-ea"/>
-                          <a:cs typeface="+mn-cs"/>
-                        </a:rPr>
-                        <a:t>1-2-30823-31610-13545-49238-35624-39086-21397-99-100</a:t>
-                      </a:r>
-                      <a:endParaRPr lang="pt-BR" sz="2000" dirty="0">
-                        <a:latin typeface="+mn-lt"/>
-                      </a:endParaRPr>
-                    </a:p>
-                  </a:txBody>
-                  <a:tcPr marL="60964" marR="60964" marT="0" marB="0" anchor="ctr"/>
-                </a:tc>
-              </a:tr>
-              <a:tr h="975430">
-                <a:tc>
-                  <a:txBody>
-                    <a:bodyPr/>
-                    <a:lstStyle/>
-                    <a:p>
-                      <a:pPr marL="4763" indent="0" algn="ctr">
-                        <a:lnSpc>
-                          <a:spcPct val="150000"/>
-                        </a:lnSpc>
-                        <a:spcBef>
-                          <a:spcPts val="1200"/>
-                        </a:spcBef>
-                        <a:spcAft>
-                          <a:spcPts val="1200"/>
-                        </a:spcAft>
-                      </a:pPr>
-                      <a:r>
-                        <a:rPr lang="pt-BR" sz="2000" dirty="0">
-                          <a:latin typeface="+mn-lt"/>
-                        </a:rPr>
-                        <a:t>1000</a:t>
-                      </a:r>
-                      <a:endParaRPr lang="pt-BR" sz="2000" dirty="0">
-                        <a:latin typeface="+mn-lt"/>
-                        <a:ea typeface="Calibri"/>
-                      </a:endParaRPr>
-                    </a:p>
-                  </a:txBody>
-                  <a:tcPr marL="60964" marR="60964" marT="0" marB="0" anchor="ctr"/>
-                </a:tc>
-                <a:tc>
-                  <a:txBody>
-                    <a:bodyPr/>
-                    <a:lstStyle/>
-                    <a:p>
-                      <a:pPr marL="4763" indent="0" algn="ctr">
-                        <a:lnSpc>
-                          <a:spcPct val="150000"/>
-                        </a:lnSpc>
-                        <a:spcBef>
-                          <a:spcPts val="1200"/>
-                        </a:spcBef>
-                        <a:spcAft>
-                          <a:spcPts val="1200"/>
-                        </a:spcAft>
-                      </a:pPr>
-                      <a:r>
-                        <a:rPr lang="pt-BR" sz="2000" dirty="0" smtClean="0">
-                          <a:latin typeface="+mn-lt"/>
-                          <a:ea typeface="Calibri"/>
-                        </a:rPr>
-                        <a:t>36</a:t>
-                      </a:r>
-                      <a:endParaRPr lang="pt-BR" sz="2000" dirty="0">
-                        <a:latin typeface="+mn-lt"/>
-                        <a:ea typeface="Calibri"/>
-                      </a:endParaRPr>
-                    </a:p>
-                  </a:txBody>
-                  <a:tcPr marL="60964" marR="60964" marT="0" marB="0" anchor="ctr"/>
-                </a:tc>
-                <a:tc>
-                  <a:txBody>
-                    <a:bodyPr/>
-                    <a:lstStyle/>
-                    <a:p>
-                      <a:pPr algn="ctr"/>
-                      <a:r>
-                        <a:rPr kumimoji="0" lang="pt-BR" sz="1800" kern="1200" dirty="0" smtClean="0">
-                          <a:solidFill>
-                            <a:schemeClr val="dk1"/>
-                          </a:solidFill>
-                          <a:latin typeface="+mn-lt"/>
-                          <a:ea typeface="+mn-ea"/>
-                          <a:cs typeface="+mn-cs"/>
-                        </a:rPr>
-                        <a:t>1-2-40954-9187-46430-48174-42945-43820-36655-19057-1002-1001-1000</a:t>
-                      </a:r>
-                      <a:endParaRPr lang="pt-BR" sz="2000" dirty="0" smtClean="0">
-                        <a:latin typeface="+mn-lt"/>
-                      </a:endParaRPr>
-                    </a:p>
-                  </a:txBody>
-                  <a:tcPr marL="60964" marR="60964" marT="0" marB="0" anchor="ctr"/>
-                </a:tc>
-              </a:tr>
-              <a:tr h="975430">
-                <a:tc>
-                  <a:txBody>
-                    <a:bodyPr/>
-                    <a:lstStyle/>
-                    <a:p>
-                      <a:pPr marL="4763" indent="0" algn="ctr">
-                        <a:lnSpc>
-                          <a:spcPct val="150000"/>
-                        </a:lnSpc>
-                        <a:spcBef>
-                          <a:spcPts val="1200"/>
-                        </a:spcBef>
-                        <a:spcAft>
-                          <a:spcPts val="1200"/>
-                        </a:spcAft>
-                      </a:pPr>
-                      <a:r>
-                        <a:rPr lang="pt-BR" sz="2000" dirty="0" smtClean="0">
-                          <a:latin typeface="+mn-lt"/>
-                          <a:ea typeface="Calibri"/>
-                        </a:rPr>
-                        <a:t>10000</a:t>
-                      </a:r>
-                      <a:endParaRPr lang="pt-BR" sz="2000" dirty="0">
-                        <a:latin typeface="+mn-lt"/>
-                        <a:ea typeface="Calibri"/>
-                      </a:endParaRPr>
-                    </a:p>
-                  </a:txBody>
-                  <a:tcPr marL="60964" marR="60964" marT="0" marB="0" anchor="ctr"/>
-                </a:tc>
-                <a:tc>
-                  <a:txBody>
-                    <a:bodyPr/>
-                    <a:lstStyle/>
-                    <a:p>
-                      <a:pPr marL="4763" indent="0" algn="ctr">
-                        <a:lnSpc>
-                          <a:spcPct val="150000"/>
-                        </a:lnSpc>
-                        <a:spcBef>
-                          <a:spcPts val="1200"/>
-                        </a:spcBef>
-                        <a:spcAft>
-                          <a:spcPts val="1200"/>
-                        </a:spcAft>
-                      </a:pPr>
-                      <a:r>
-                        <a:rPr lang="pt-BR" sz="2000" dirty="0" smtClean="0">
-                          <a:latin typeface="+mn-lt"/>
-                          <a:ea typeface="Calibri"/>
-                        </a:rPr>
-                        <a:t>17</a:t>
-                      </a:r>
-                      <a:endParaRPr lang="pt-BR" sz="2000" dirty="0">
-                        <a:latin typeface="+mn-lt"/>
-                        <a:ea typeface="Calibri"/>
-                      </a:endParaRPr>
-                    </a:p>
-                  </a:txBody>
-                  <a:tcPr marL="60964" marR="60964" marT="0" marB="0" anchor="ctr"/>
-                </a:tc>
-                <a:tc>
-                  <a:txBody>
-                    <a:bodyPr/>
-                    <a:lstStyle/>
-                    <a:p>
-                      <a:pPr algn="ctr"/>
-                      <a:r>
-                        <a:rPr kumimoji="0" lang="pt-BR" sz="1800" kern="1200" dirty="0" smtClean="0">
-                          <a:solidFill>
-                            <a:schemeClr val="dk1"/>
-                          </a:solidFill>
-                          <a:latin typeface="+mn-lt"/>
-                          <a:ea typeface="+mn-ea"/>
-                          <a:cs typeface="+mn-cs"/>
-                        </a:rPr>
-                        <a:t>1-2-40954-9187-44780-30421-15094-28332-10000</a:t>
-                      </a:r>
-                      <a:endParaRPr lang="pt-BR" sz="2000" dirty="0" smtClean="0">
-                        <a:latin typeface="+mn-lt"/>
-                      </a:endParaRPr>
-                    </a:p>
-                  </a:txBody>
-                  <a:tcPr marL="60964" marR="60964" marT="0" marB="0" anchor="ctr"/>
-                </a:tc>
-              </a:tr>
-            </a:tbl>
-          </a:graphicData>
-        </a:graphic>
-      </p:graphicFrame>
-    </p:spTree>
-  </p:cSld>
-  <p:clrMapOvr>
-    <a:masterClrMapping/>
-  </p:clrMapOvr>
-</p:sld>
-</file>
-
-<file path=ppt/slides/slide14.xml><?xml version="1.0" encoding="utf-8"?>
-<p:sld xmlns:a="http://schemas.openxmlformats.org/drawingml/2006/main" xmlns:r="http://schemas.openxmlformats.org/officeDocument/2006/relationships" xmlns:p="http://schemas.openxmlformats.org/presentationml/2006/main">
-  <p:cSld>
-    <p:spTree>
-      <p:nvGrpSpPr>
-        <p:cNvPr id="1" name=""/>
-        <p:cNvGrpSpPr/>
-        <p:nvPr/>
-      </p:nvGrpSpPr>
-      <p:grpSpPr>
-        <a:xfrm>
-          <a:off x="0" y="0"/>
-          <a:ext cx="0" cy="0"/>
-          <a:chOff x="0" y="0"/>
-          <a:chExt cx="0" cy="0"/>
-        </a:xfrm>
-      </p:grpSpPr>
-      <p:sp>
-        <p:nvSpPr>
-          <p:cNvPr id="2" name="Título 1"/>
-          <p:cNvSpPr>
-            <a:spLocks noGrp="1"/>
-          </p:cNvSpPr>
-          <p:nvPr>
-            <p:ph type="title"/>
-          </p:nvPr>
-        </p:nvSpPr>
-        <p:spPr/>
-        <p:txBody>
-          <a:bodyPr>
-            <a:normAutofit/>
-          </a:bodyPr>
-          <a:lstStyle/>
-          <a:p>
-            <a:r>
-              <a:rPr lang="pt-BR" dirty="0" smtClean="0"/>
-              <a:t>Resultados – Grafo 5  </a:t>
-            </a:r>
-            <a:endParaRPr lang="pt-BR" dirty="0"/>
-          </a:p>
-        </p:txBody>
-      </p:sp>
-      <p:graphicFrame>
-        <p:nvGraphicFramePr>
-          <p:cNvPr id="5" name="Espaço Reservado para Conteúdo 4"/>
-          <p:cNvGraphicFramePr>
-            <a:graphicFrameLocks noGrp="1"/>
-          </p:cNvGraphicFramePr>
-          <p:nvPr>
-            <p:ph idx="1"/>
-          </p:nvPr>
-        </p:nvGraphicFramePr>
-        <p:xfrm>
-          <a:off x="1331640" y="2204864"/>
-          <a:ext cx="6480719" cy="4111159"/>
-        </p:xfrm>
-        <a:graphic>
-          <a:graphicData uri="http://schemas.openxmlformats.org/drawingml/2006/table">
-            <a:tbl>
-              <a:tblPr>
-                <a:tableStyleId>{3C2FFA5D-87B4-456A-9821-1D502468CF0F}</a:tableStyleId>
-              </a:tblPr>
-              <a:tblGrid>
-                <a:gridCol w="958181"/>
-                <a:gridCol w="1274066"/>
-                <a:gridCol w="4248472"/>
-              </a:tblGrid>
-              <a:tr h="482138">
-                <a:tc>
-                  <a:txBody>
-                    <a:bodyPr/>
-                    <a:lstStyle/>
-                    <a:p>
-                      <a:pPr marL="4763" indent="0" algn="ctr">
-                        <a:lnSpc>
-                          <a:spcPct val="150000"/>
-                        </a:lnSpc>
-                        <a:spcBef>
-                          <a:spcPts val="1200"/>
-                        </a:spcBef>
-                        <a:spcAft>
-                          <a:spcPts val="1200"/>
-                        </a:spcAft>
-                      </a:pPr>
-                      <a:r>
-                        <a:rPr lang="pt-BR" sz="1600" b="1" dirty="0"/>
-                        <a:t>N</a:t>
-                      </a:r>
-                      <a:endParaRPr lang="pt-BR" sz="1600" b="1" dirty="0">
-                        <a:latin typeface="Times New Roman"/>
-                        <a:ea typeface="Calibri"/>
-                      </a:endParaRPr>
-                    </a:p>
-                  </a:txBody>
-                  <a:tcPr marL="60964" marR="60964" marT="0" marB="0" anchor="ctr"/>
-                </a:tc>
-                <a:tc>
-                  <a:txBody>
-                    <a:bodyPr/>
-                    <a:lstStyle/>
-                    <a:p>
-                      <a:pPr marL="4763" indent="0" algn="ctr">
-                        <a:lnSpc>
-                          <a:spcPct val="150000"/>
-                        </a:lnSpc>
-                        <a:spcBef>
-                          <a:spcPts val="1200"/>
-                        </a:spcBef>
-                        <a:spcAft>
-                          <a:spcPts val="1200"/>
-                        </a:spcAft>
-                      </a:pPr>
-                      <a:r>
-                        <a:rPr lang="pt-BR" sz="1600" b="1" dirty="0"/>
-                        <a:t>Distância</a:t>
-                      </a:r>
-                      <a:endParaRPr lang="pt-BR" sz="1600" b="1" dirty="0">
-                        <a:latin typeface="Times New Roman"/>
-                        <a:ea typeface="Calibri"/>
-                      </a:endParaRPr>
-                    </a:p>
-                  </a:txBody>
-                  <a:tcPr marL="60964" marR="60964" marT="0" marB="0" anchor="ctr"/>
-                </a:tc>
-                <a:tc>
-                  <a:txBody>
-                    <a:bodyPr/>
-                    <a:lstStyle/>
-                    <a:p>
-                      <a:pPr marL="0" indent="0" algn="ctr">
-                        <a:lnSpc>
-                          <a:spcPct val="150000"/>
-                        </a:lnSpc>
-                        <a:spcBef>
-                          <a:spcPts val="1200"/>
-                        </a:spcBef>
-                        <a:spcAft>
-                          <a:spcPts val="1200"/>
-                        </a:spcAft>
-                      </a:pPr>
-                      <a:r>
-                        <a:rPr lang="pt-BR" sz="1600" b="1" dirty="0"/>
-                        <a:t>Caminho</a:t>
-                      </a:r>
-                      <a:endParaRPr lang="pt-BR" sz="1600" b="1" dirty="0">
-                        <a:latin typeface="Times New Roman"/>
-                        <a:ea typeface="Calibri"/>
-                      </a:endParaRPr>
-                    </a:p>
-                  </a:txBody>
-                  <a:tcPr marL="60964" marR="60964" marT="0" marB="0" anchor="ctr"/>
-                </a:tc>
-              </a:tr>
-              <a:tr h="487715">
-                <a:tc>
-                  <a:txBody>
-                    <a:bodyPr/>
-                    <a:lstStyle/>
-                    <a:p>
-                      <a:pPr marL="4763" indent="0" algn="ctr">
-                        <a:lnSpc>
-                          <a:spcPct val="150000"/>
-                        </a:lnSpc>
-                        <a:spcBef>
-                          <a:spcPts val="1200"/>
-                        </a:spcBef>
-                        <a:spcAft>
-                          <a:spcPts val="1200"/>
-                        </a:spcAft>
-                      </a:pPr>
-                      <a:r>
-                        <a:rPr lang="pt-BR" sz="1600" dirty="0">
-                          <a:latin typeface="+mn-lt"/>
-                        </a:rPr>
-                        <a:t>10</a:t>
-                      </a:r>
-                      <a:endParaRPr lang="pt-BR" sz="1600" dirty="0">
-                        <a:latin typeface="+mn-lt"/>
-                        <a:ea typeface="Calibri"/>
-                      </a:endParaRPr>
-                    </a:p>
-                  </a:txBody>
-                  <a:tcPr marL="60964" marR="60964" marT="0" marB="0" anchor="ctr"/>
-                </a:tc>
-                <a:tc>
-                  <a:txBody>
-                    <a:bodyPr/>
-                    <a:lstStyle/>
-                    <a:p>
-                      <a:pPr marL="0" indent="0" algn="ctr">
-                        <a:lnSpc>
-                          <a:spcPct val="150000"/>
-                        </a:lnSpc>
-                        <a:spcBef>
-                          <a:spcPts val="1200"/>
-                        </a:spcBef>
-                        <a:spcAft>
-                          <a:spcPts val="1200"/>
-                        </a:spcAft>
-                      </a:pPr>
-                      <a:r>
-                        <a:rPr lang="pt-BR" sz="1600" dirty="0" smtClean="0">
-                          <a:latin typeface="+mn-lt"/>
-                          <a:ea typeface="Calibri"/>
-                        </a:rPr>
-                        <a:t>56</a:t>
-                      </a:r>
-                      <a:endParaRPr lang="pt-BR" sz="1600" dirty="0">
-                        <a:latin typeface="+mn-lt"/>
-                        <a:ea typeface="Calibri"/>
-                      </a:endParaRPr>
-                    </a:p>
-                  </a:txBody>
-                  <a:tcPr marL="60964" marR="60964" marT="0" marB="0" anchor="ctr"/>
-                </a:tc>
-                <a:tc>
-                  <a:txBody>
-                    <a:bodyPr/>
-                    <a:lstStyle/>
-                    <a:p>
-                      <a:pPr algn="ctr">
-                        <a:lnSpc>
-                          <a:spcPct val="115000"/>
-                        </a:lnSpc>
-                        <a:spcAft>
-                          <a:spcPts val="0"/>
-                        </a:spcAft>
-                        <a:tabLst>
-                          <a:tab pos="581660" algn="l"/>
-                          <a:tab pos="1163320" algn="l"/>
-                          <a:tab pos="1744980" algn="l"/>
-                          <a:tab pos="2326640" algn="l"/>
-                          <a:tab pos="2908300" algn="l"/>
-                          <a:tab pos="3489960" algn="l"/>
-                          <a:tab pos="4071620" algn="l"/>
-                          <a:tab pos="4653280" algn="l"/>
-                          <a:tab pos="5234940" algn="l"/>
-                          <a:tab pos="5816600" algn="l"/>
-                          <a:tab pos="6398260" algn="l"/>
-                          <a:tab pos="6979920" algn="l"/>
-                          <a:tab pos="7561580" algn="l"/>
-                          <a:tab pos="8143240" algn="l"/>
-                          <a:tab pos="8724900" algn="l"/>
-                          <a:tab pos="9306560" algn="l"/>
-                        </a:tabLst>
-                      </a:pPr>
-                      <a:r>
-                        <a:rPr kumimoji="0" lang="pt-BR" sz="1600" kern="1200" dirty="0" smtClean="0">
-                          <a:solidFill>
-                            <a:schemeClr val="dk1"/>
-                          </a:solidFill>
-                          <a:latin typeface="+mn-lt"/>
-                          <a:ea typeface="+mn-ea"/>
-                          <a:cs typeface="+mn-cs"/>
-                        </a:rPr>
-                        <a:t>1-100000-99999-99998-92827-24681-49217-86633-23787-19564-82822-24916-79294-79095-35948-30951-30952-30953-70778-10</a:t>
-                      </a:r>
-                      <a:endParaRPr lang="pt-BR" sz="1600" dirty="0">
-                        <a:latin typeface="+mn-lt"/>
-                        <a:ea typeface="Calibri"/>
-                      </a:endParaRPr>
-                    </a:p>
-                  </a:txBody>
-                  <a:tcPr marL="60964" marR="60964" marT="0" marB="0" anchor="ctr"/>
-                </a:tc>
-              </a:tr>
-              <a:tr h="731573">
-                <a:tc>
-                  <a:txBody>
-                    <a:bodyPr/>
-                    <a:lstStyle/>
-                    <a:p>
-                      <a:pPr marL="4763" indent="0" algn="ctr">
-                        <a:lnSpc>
-                          <a:spcPct val="150000"/>
-                        </a:lnSpc>
-                        <a:spcBef>
-                          <a:spcPts val="1200"/>
-                        </a:spcBef>
-                        <a:spcAft>
-                          <a:spcPts val="1200"/>
-                        </a:spcAft>
-                        <a:tabLst>
-                          <a:tab pos="361950" algn="l"/>
-                        </a:tabLst>
-                      </a:pPr>
-                      <a:r>
-                        <a:rPr lang="pt-BR" sz="1600" dirty="0" smtClean="0">
-                          <a:latin typeface="+mn-lt"/>
-                        </a:rPr>
-                        <a:t>100</a:t>
-                      </a:r>
-                      <a:endParaRPr lang="pt-BR" sz="1600" dirty="0">
-                        <a:latin typeface="+mn-lt"/>
-                        <a:ea typeface="Calibri"/>
-                      </a:endParaRPr>
-                    </a:p>
-                  </a:txBody>
-                  <a:tcPr marL="60964" marR="60964" marT="0" marB="0" anchor="ctr"/>
-                </a:tc>
-                <a:tc>
-                  <a:txBody>
-                    <a:bodyPr/>
-                    <a:lstStyle/>
-                    <a:p>
-                      <a:pPr marL="0" indent="0" algn="ctr">
-                        <a:lnSpc>
-                          <a:spcPct val="150000"/>
-                        </a:lnSpc>
-                        <a:spcBef>
-                          <a:spcPts val="1200"/>
-                        </a:spcBef>
-                        <a:spcAft>
-                          <a:spcPts val="1200"/>
-                        </a:spcAft>
-                      </a:pPr>
-                      <a:r>
-                        <a:rPr lang="pt-BR" sz="1600" dirty="0" smtClean="0">
-                          <a:latin typeface="+mn-lt"/>
-                          <a:ea typeface="Calibri"/>
-                        </a:rPr>
-                        <a:t>48</a:t>
-                      </a:r>
-                      <a:endParaRPr lang="pt-BR" sz="1600" dirty="0">
-                        <a:latin typeface="+mn-lt"/>
-                        <a:ea typeface="Calibri"/>
-                      </a:endParaRPr>
-                    </a:p>
-                  </a:txBody>
-                  <a:tcPr marL="60964" marR="60964" marT="0" marB="0" anchor="ctr"/>
-                </a:tc>
-                <a:tc>
-                  <a:txBody>
-                    <a:bodyPr/>
-                    <a:lstStyle/>
-                    <a:p>
-                      <a:pPr algn="ctr"/>
-                      <a:r>
-                        <a:rPr kumimoji="0" lang="pt-BR" sz="1600" kern="1200" dirty="0" smtClean="0">
-                          <a:solidFill>
-                            <a:schemeClr val="dk1"/>
-                          </a:solidFill>
-                          <a:latin typeface="+mn-lt"/>
-                          <a:ea typeface="+mn-ea"/>
-                          <a:cs typeface="+mn-cs"/>
-                        </a:rPr>
-                        <a:t>1-100000-99999-99998-5098-15254-70965-45051-13678-79705-85645-12152-12151-94349-100</a:t>
-                      </a:r>
-                      <a:endParaRPr lang="pt-BR" sz="1600" dirty="0">
-                        <a:latin typeface="+mn-lt"/>
-                      </a:endParaRPr>
-                    </a:p>
-                  </a:txBody>
-                  <a:tcPr marL="60964" marR="60964" marT="0" marB="0" anchor="ctr"/>
-                </a:tc>
-              </a:tr>
-              <a:tr h="975430">
-                <a:tc>
-                  <a:txBody>
-                    <a:bodyPr/>
-                    <a:lstStyle/>
-                    <a:p>
-                      <a:pPr marL="4763" indent="0" algn="ctr">
-                        <a:lnSpc>
-                          <a:spcPct val="150000"/>
-                        </a:lnSpc>
-                        <a:spcBef>
-                          <a:spcPts val="1200"/>
-                        </a:spcBef>
-                        <a:spcAft>
-                          <a:spcPts val="1200"/>
-                        </a:spcAft>
-                      </a:pPr>
-                      <a:r>
-                        <a:rPr lang="pt-BR" sz="1600" dirty="0">
-                          <a:latin typeface="+mn-lt"/>
-                        </a:rPr>
-                        <a:t>1000</a:t>
-                      </a:r>
-                      <a:endParaRPr lang="pt-BR" sz="1600" dirty="0">
-                        <a:latin typeface="+mn-lt"/>
-                        <a:ea typeface="Calibri"/>
-                      </a:endParaRPr>
-                    </a:p>
-                  </a:txBody>
-                  <a:tcPr marL="60964" marR="60964" marT="0" marB="0" anchor="ctr"/>
-                </a:tc>
-                <a:tc>
-                  <a:txBody>
-                    <a:bodyPr/>
-                    <a:lstStyle/>
-                    <a:p>
-                      <a:pPr marL="4763" indent="0" algn="ctr">
-                        <a:lnSpc>
-                          <a:spcPct val="150000"/>
-                        </a:lnSpc>
-                        <a:spcBef>
-                          <a:spcPts val="1200"/>
-                        </a:spcBef>
-                        <a:spcAft>
-                          <a:spcPts val="1200"/>
-                        </a:spcAft>
-                      </a:pPr>
-                      <a:r>
-                        <a:rPr lang="pt-BR" sz="1600" dirty="0" smtClean="0">
-                          <a:latin typeface="+mn-lt"/>
-                          <a:ea typeface="Calibri"/>
-                        </a:rPr>
-                        <a:t>49</a:t>
-                      </a:r>
-                      <a:endParaRPr lang="pt-BR" sz="1600" dirty="0">
-                        <a:latin typeface="+mn-lt"/>
-                        <a:ea typeface="Calibri"/>
-                      </a:endParaRPr>
-                    </a:p>
-                  </a:txBody>
-                  <a:tcPr marL="60964" marR="60964" marT="0" marB="0" anchor="ctr"/>
-                </a:tc>
-                <a:tc>
-                  <a:txBody>
-                    <a:bodyPr/>
-                    <a:lstStyle/>
-                    <a:p>
-                      <a:pPr algn="ctr"/>
-                      <a:r>
-                        <a:rPr kumimoji="0" lang="pt-BR" sz="1800" kern="1200" dirty="0" smtClean="0">
-                          <a:solidFill>
-                            <a:schemeClr val="dk1"/>
-                          </a:solidFill>
-                          <a:latin typeface="+mn-lt"/>
-                          <a:ea typeface="+mn-ea"/>
-                          <a:cs typeface="+mn-cs"/>
-                        </a:rPr>
-                        <a:t>1-100000-99999-99998-5098-15254-23575-7300-96904-96903-56757-17388-17389-57543-95359-999-1000</a:t>
-                      </a:r>
-                      <a:endParaRPr lang="pt-BR" sz="1600" dirty="0" smtClean="0">
-                        <a:latin typeface="+mn-lt"/>
-                      </a:endParaRPr>
-                    </a:p>
-                  </a:txBody>
-                  <a:tcPr marL="60964" marR="60964" marT="0" marB="0" anchor="ctr"/>
-                </a:tc>
-              </a:tr>
-              <a:tr h="975430">
-                <a:tc>
-                  <a:txBody>
-                    <a:bodyPr/>
-                    <a:lstStyle/>
-                    <a:p>
-                      <a:pPr marL="4763" indent="0" algn="ctr">
-                        <a:lnSpc>
-                          <a:spcPct val="150000"/>
-                        </a:lnSpc>
-                        <a:spcBef>
-                          <a:spcPts val="1200"/>
-                        </a:spcBef>
-                        <a:spcAft>
-                          <a:spcPts val="1200"/>
-                        </a:spcAft>
-                      </a:pPr>
-                      <a:r>
-                        <a:rPr lang="pt-BR" sz="1600" dirty="0" smtClean="0">
-                          <a:latin typeface="+mn-lt"/>
-                          <a:ea typeface="Calibri"/>
-                        </a:rPr>
-                        <a:t>10000</a:t>
-                      </a:r>
-                      <a:endParaRPr lang="pt-BR" sz="1600" dirty="0">
-                        <a:latin typeface="+mn-lt"/>
-                        <a:ea typeface="Calibri"/>
-                      </a:endParaRPr>
-                    </a:p>
-                  </a:txBody>
-                  <a:tcPr marL="60964" marR="60964" marT="0" marB="0" anchor="ctr"/>
-                </a:tc>
-                <a:tc>
-                  <a:txBody>
-                    <a:bodyPr/>
-                    <a:lstStyle/>
-                    <a:p>
-                      <a:pPr marL="4763" indent="0" algn="ctr">
-                        <a:lnSpc>
-                          <a:spcPct val="150000"/>
-                        </a:lnSpc>
-                        <a:spcBef>
-                          <a:spcPts val="1200"/>
-                        </a:spcBef>
-                        <a:spcAft>
-                          <a:spcPts val="1200"/>
-                        </a:spcAft>
-                      </a:pPr>
-                      <a:r>
-                        <a:rPr lang="pt-BR" sz="1600" dirty="0" smtClean="0">
-                          <a:latin typeface="+mn-lt"/>
-                          <a:ea typeface="Calibri"/>
-                        </a:rPr>
-                        <a:t>94</a:t>
-                      </a:r>
-                      <a:endParaRPr lang="pt-BR" sz="1600" dirty="0">
-                        <a:latin typeface="+mn-lt"/>
-                        <a:ea typeface="Calibri"/>
-                      </a:endParaRPr>
-                    </a:p>
-                  </a:txBody>
-                  <a:tcPr marL="60964" marR="60964" marT="0" marB="0" anchor="ctr"/>
-                </a:tc>
-                <a:tc>
-                  <a:txBody>
-                    <a:bodyPr/>
-                    <a:lstStyle/>
-                    <a:p>
-                      <a:pPr algn="ctr"/>
-                      <a:r>
-                        <a:rPr kumimoji="0" lang="pt-BR" sz="1800" kern="1200" dirty="0" smtClean="0">
-                          <a:solidFill>
-                            <a:schemeClr val="dk1"/>
-                          </a:solidFill>
-                          <a:latin typeface="+mn-lt"/>
-                          <a:ea typeface="+mn-ea"/>
-                          <a:cs typeface="+mn-cs"/>
-                        </a:rPr>
-                        <a:t>1-100000-99999-99998-5098-15254-23575-7300-91801-72212-72213-24567-78009-78010-16066-9993-9994-9995-9996-9997-9998-9999-10000</a:t>
-                      </a:r>
-                      <a:endParaRPr lang="pt-BR" sz="1600" dirty="0" smtClean="0">
-                        <a:latin typeface="+mn-lt"/>
-                      </a:endParaRPr>
-                    </a:p>
-                  </a:txBody>
-                  <a:tcPr marL="60964" marR="60964" marT="0" marB="0" anchor="ctr"/>
-                </a:tc>
-              </a:tr>
-            </a:tbl>
-          </a:graphicData>
-        </a:graphic>
-      </p:graphicFrame>
-    </p:spTree>
-  </p:cSld>
-  <p:clrMapOvr>
-    <a:masterClrMapping/>
-  </p:clrMapOvr>
-</p:sld>
-</file>
-
-<file path=ppt/slides/slide15.xml><?xml version="1.0" encoding="utf-8"?>
+<file path=ppt/slides/slide16.xml><?xml version="1.0" encoding="utf-8"?>
 <p:sld xmlns:a="http://schemas.openxmlformats.org/drawingml/2006/main" xmlns:r="http://schemas.openxmlformats.org/officeDocument/2006/relationships" xmlns:p="http://schemas.openxmlformats.org/presentationml/2006/main">
   <p:cSld>
     <p:spTree>
@@ -7719,95 +8354,13 @@
   <p:clrMapOvr>
     <a:masterClrMapping/>
   </p:clrMapOvr>
-</p:sld>
-</file>
-
-<file path=ppt/slides/slide16.xml><?xml version="1.0" encoding="utf-8"?>
-<p:sld xmlns:a="http://schemas.openxmlformats.org/drawingml/2006/main" xmlns:r="http://schemas.openxmlformats.org/officeDocument/2006/relationships" xmlns:p="http://schemas.openxmlformats.org/presentationml/2006/main">
-  <p:cSld>
-    <p:spTree>
-      <p:nvGrpSpPr>
-        <p:cNvPr id="1" name=""/>
-        <p:cNvGrpSpPr/>
-        <p:nvPr/>
-      </p:nvGrpSpPr>
-      <p:grpSpPr>
-        <a:xfrm>
-          <a:off x="0" y="0"/>
-          <a:ext cx="0" cy="0"/>
-          <a:chOff x="0" y="0"/>
-          <a:chExt cx="0" cy="0"/>
-        </a:xfrm>
-      </p:grpSpPr>
-      <p:sp>
-        <p:nvSpPr>
-          <p:cNvPr id="2" name="Título 1"/>
-          <p:cNvSpPr>
-            <a:spLocks noGrp="1"/>
-          </p:cNvSpPr>
-          <p:nvPr>
-            <p:ph type="title"/>
-          </p:nvPr>
-        </p:nvSpPr>
-        <p:spPr/>
-        <p:txBody>
-          <a:bodyPr>
-            <a:normAutofit/>
-          </a:bodyPr>
-          <a:lstStyle/>
-          <a:p>
-            <a:r>
-              <a:rPr lang="pt-BR" dirty="0" smtClean="0"/>
-              <a:t>Resultados</a:t>
-            </a:r>
-            <a:endParaRPr lang="pt-BR" dirty="0"/>
-          </a:p>
-        </p:txBody>
-      </p:sp>
-      <p:sp>
-        <p:nvSpPr>
-          <p:cNvPr id="3" name="Espaço Reservado para Conteúdo 2"/>
-          <p:cNvSpPr>
-            <a:spLocks noGrp="1"/>
-          </p:cNvSpPr>
-          <p:nvPr>
-            <p:ph idx="1"/>
-          </p:nvPr>
-        </p:nvSpPr>
-        <p:spPr/>
-        <p:txBody>
-          <a:bodyPr/>
-          <a:lstStyle/>
-          <a:p>
-            <a:r>
-              <a:rPr lang="pt-BR" dirty="0" smtClean="0"/>
-              <a:t>Distribuição empírica dos graus</a:t>
-            </a:r>
-            <a:endParaRPr lang="pt-BR" dirty="0"/>
-          </a:p>
-        </p:txBody>
-      </p:sp>
-      <p:graphicFrame>
-        <p:nvGraphicFramePr>
-          <p:cNvPr id="6" name="Gráfico 5"/>
-          <p:cNvGraphicFramePr/>
-          <p:nvPr/>
-        </p:nvGraphicFramePr>
-        <p:xfrm>
-          <a:off x="1403648" y="2420888"/>
-          <a:ext cx="6408712" cy="3858766"/>
-        </p:xfrm>
-        <a:graphic>
-          <a:graphicData uri="http://schemas.openxmlformats.org/drawingml/2006/chart">
-            <c:chart xmlns:c="http://schemas.openxmlformats.org/drawingml/2006/chart" xmlns:r="http://schemas.openxmlformats.org/officeDocument/2006/relationships" r:id="rId2"/>
-          </a:graphicData>
-        </a:graphic>
-      </p:graphicFrame>
-    </p:spTree>
-  </p:cSld>
-  <p:clrMapOvr>
-    <a:masterClrMapping/>
-  </p:clrMapOvr>
+  <p:timing>
+    <p:tnLst>
+      <p:par>
+        <p:cTn id="1" dur="indefinite" restart="never" nodeType="tmRoot"/>
+      </p:par>
+    </p:tnLst>
+  </p:timing>
 </p:sld>
 </file>
 
@@ -7847,6 +8400,85 @@
           <a:p>
             <a:r>
               <a:rPr lang="pt-BR" dirty="0" smtClean="0"/>
+              <a:t>Resultados</a:t>
+            </a:r>
+            <a:endParaRPr lang="pt-BR" dirty="0"/>
+          </a:p>
+        </p:txBody>
+      </p:sp>
+      <p:graphicFrame>
+        <p:nvGraphicFramePr>
+          <p:cNvPr id="5" name="Gráfico 4"/>
+          <p:cNvGraphicFramePr/>
+          <p:nvPr>
+            <p:extLst>
+              <p:ext uri="{D42A27DB-BD31-4B8C-83A1-F6EECF244321}">
+                <p14:modId xmlns:p14="http://schemas.microsoft.com/office/powerpoint/2010/main" val="791967297"/>
+              </p:ext>
+            </p:extLst>
+          </p:nvPr>
+        </p:nvGraphicFramePr>
+        <p:xfrm>
+          <a:off x="971600" y="1916832"/>
+          <a:ext cx="7499795" cy="4576595"/>
+        </p:xfrm>
+        <a:graphic>
+          <a:graphicData uri="http://schemas.openxmlformats.org/drawingml/2006/chart">
+            <c:chart xmlns:c="http://schemas.openxmlformats.org/drawingml/2006/chart" xmlns:r="http://schemas.openxmlformats.org/officeDocument/2006/relationships" r:id="rId2"/>
+          </a:graphicData>
+        </a:graphic>
+      </p:graphicFrame>
+    </p:spTree>
+  </p:cSld>
+  <p:clrMapOvr>
+    <a:masterClrMapping/>
+  </p:clrMapOvr>
+  <p:timing>
+    <p:tnLst>
+      <p:par>
+        <p:cTn id="1" dur="indefinite" restart="never" nodeType="tmRoot"/>
+      </p:par>
+    </p:tnLst>
+  </p:timing>
+</p:sld>
+</file>
+
+<file path=ppt/slides/slide18.xml><?xml version="1.0" encoding="utf-8"?>
+<p:sld xmlns:a="http://schemas.openxmlformats.org/drawingml/2006/main" xmlns:r="http://schemas.openxmlformats.org/officeDocument/2006/relationships" xmlns:p="http://schemas.openxmlformats.org/presentationml/2006/main">
+  <p:cSld>
+    <p:spTree>
+      <p:nvGrpSpPr>
+        <p:cNvPr id="1" name=""/>
+        <p:cNvGrpSpPr/>
+        <p:nvPr/>
+      </p:nvGrpSpPr>
+      <p:grpSpPr>
+        <a:xfrm>
+          <a:off x="0" y="0"/>
+          <a:ext cx="0" cy="0"/>
+          <a:chOff x="0" y="0"/>
+          <a:chExt cx="0" cy="0"/>
+        </a:xfrm>
+      </p:grpSpPr>
+      <p:sp>
+        <p:nvSpPr>
+          <p:cNvPr id="2" name="Título 1"/>
+          <p:cNvSpPr>
+            <a:spLocks noGrp="1"/>
+          </p:cNvSpPr>
+          <p:nvPr>
+            <p:ph type="title"/>
+          </p:nvPr>
+        </p:nvSpPr>
+        <p:spPr/>
+        <p:txBody>
+          <a:bodyPr>
+            <a:normAutofit/>
+          </a:bodyPr>
+          <a:lstStyle/>
+          <a:p>
+            <a:r>
+              <a:rPr lang="pt-BR" dirty="0" smtClean="0"/>
               <a:t>Resultados </a:t>
             </a:r>
             <a:endParaRPr lang="pt-BR" dirty="0"/>
@@ -7877,7 +8509,6 @@
               <a:rPr lang="pt-BR" dirty="0" smtClean="0"/>
               <a:t>Distâncias médias</a:t>
             </a:r>
-            <a:endParaRPr lang="pt-BR" dirty="0" smtClean="0"/>
           </a:p>
         </p:txBody>
       </p:sp>
@@ -7887,11 +8518,17 @@
           <p:cNvGraphicFramePr>
             <a:graphicFrameLocks noGrp="1"/>
           </p:cNvGraphicFramePr>
-          <p:nvPr/>
+          <p:nvPr>
+            <p:extLst>
+              <p:ext uri="{D42A27DB-BD31-4B8C-83A1-F6EECF244321}">
+                <p14:modId xmlns:p14="http://schemas.microsoft.com/office/powerpoint/2010/main" val="3420856938"/>
+              </p:ext>
+            </p:extLst>
+          </p:nvPr>
         </p:nvGraphicFramePr>
         <p:xfrm>
           <a:off x="1524000" y="2798064"/>
-          <a:ext cx="6096000" cy="3167634"/>
+          <a:ext cx="6096000" cy="3364992"/>
         </p:xfrm>
         <a:graphic>
           <a:graphicData uri="http://schemas.openxmlformats.org/drawingml/2006/table">
@@ -8181,16 +8818,19 @@
                         </a:spcAft>
                       </a:pPr>
                       <a:r>
-                        <a:rPr lang="pt-BR" sz="3200" dirty="0"/>
-                        <a:t>NC</a:t>
+                        <a:rPr lang="pt-BR" sz="2400" i="1" u="none" dirty="0" smtClean="0">
+                          <a:latin typeface="+mn-lt"/>
+                          <a:ea typeface="Calibri"/>
+                        </a:rPr>
+                        <a:t>ind.</a:t>
                       </a:r>
-                      <a:endParaRPr lang="pt-BR" sz="3200" dirty="0">
+                      <a:endParaRPr lang="pt-BR" sz="2400" i="1" u="none" dirty="0">
                         <a:latin typeface="+mn-lt"/>
                         <a:ea typeface="Calibri"/>
                       </a:endParaRPr>
                     </a:p>
                   </a:txBody>
-                  <a:tcPr marL="68580" marR="68580" marT="0" marB="0"/>
+                  <a:tcPr marL="68580" marR="68580" marT="0" marB="0" anchor="ctr"/>
                 </a:tc>
               </a:tr>
               <a:tr h="0">
@@ -8239,16 +8879,19 @@
                         </a:spcAft>
                       </a:pPr>
                       <a:r>
-                        <a:rPr lang="pt-BR" sz="3200" dirty="0"/>
-                        <a:t>NC</a:t>
+                        <a:rPr lang="pt-BR" sz="2400" i="1" u="none" dirty="0" smtClean="0">
+                          <a:latin typeface="+mn-lt"/>
+                          <a:ea typeface="Calibri"/>
+                        </a:rPr>
+                        <a:t>ind.</a:t>
                       </a:r>
-                      <a:endParaRPr lang="pt-BR" sz="3200" dirty="0">
+                      <a:endParaRPr lang="pt-BR" sz="2400" i="1" u="none" dirty="0">
                         <a:latin typeface="+mn-lt"/>
                         <a:ea typeface="Calibri"/>
                       </a:endParaRPr>
                     </a:p>
                   </a:txBody>
-                  <a:tcPr marL="68580" marR="68580" marT="0" marB="0"/>
+                  <a:tcPr marL="68580" marR="68580" marT="0" marB="0" anchor="ctr"/>
                 </a:tc>
               </a:tr>
             </a:tbl>
@@ -8260,10 +8903,17 @@
   <p:clrMapOvr>
     <a:masterClrMapping/>
   </p:clrMapOvr>
+  <p:timing>
+    <p:tnLst>
+      <p:par>
+        <p:cTn id="1" dur="indefinite" restart="never" nodeType="tmRoot"/>
+      </p:par>
+    </p:tnLst>
+  </p:timing>
 </p:sld>
 </file>
 
-<file path=ppt/slides/slide18.xml><?xml version="1.0" encoding="utf-8"?>
+<file path=ppt/slides/slide19.xml><?xml version="1.0" encoding="utf-8"?>
 <p:sld xmlns:a="http://schemas.openxmlformats.org/drawingml/2006/main" xmlns:r="http://schemas.openxmlformats.org/officeDocument/2006/relationships" xmlns:p="http://schemas.openxmlformats.org/presentationml/2006/main">
   <p:cSld>
     <p:spTree>
@@ -8341,467 +8991,13 @@
   <p:clrMapOvr>
     <a:masterClrMapping/>
   </p:clrMapOvr>
-</p:sld>
-</file>
-
-<file path=ppt/slides/slide19.xml><?xml version="1.0" encoding="utf-8"?>
-<p:sld xmlns:a="http://schemas.openxmlformats.org/drawingml/2006/main" xmlns:r="http://schemas.openxmlformats.org/officeDocument/2006/relationships" xmlns:p="http://schemas.openxmlformats.org/presentationml/2006/main">
-  <p:cSld>
-    <p:spTree>
-      <p:nvGrpSpPr>
-        <p:cNvPr id="1" name=""/>
-        <p:cNvGrpSpPr/>
-        <p:nvPr/>
-      </p:nvGrpSpPr>
-      <p:grpSpPr>
-        <a:xfrm>
-          <a:off x="0" y="0"/>
-          <a:ext cx="0" cy="0"/>
-          <a:chOff x="0" y="0"/>
-          <a:chExt cx="0" cy="0"/>
-        </a:xfrm>
-      </p:grpSpPr>
-      <p:sp>
-        <p:nvSpPr>
-          <p:cNvPr id="2" name="Título 1"/>
-          <p:cNvSpPr>
-            <a:spLocks noGrp="1"/>
-          </p:cNvSpPr>
-          <p:nvPr>
-            <p:ph type="title"/>
-          </p:nvPr>
-        </p:nvSpPr>
-        <p:spPr/>
-        <p:txBody>
-          <a:bodyPr>
-            <a:normAutofit/>
-          </a:bodyPr>
-          <a:lstStyle/>
-          <a:p>
-            <a:r>
-              <a:rPr lang="pt-BR" dirty="0" smtClean="0"/>
-              <a:t>Resultados </a:t>
-            </a:r>
-            <a:endParaRPr lang="pt-BR" dirty="0"/>
-          </a:p>
-        </p:txBody>
-      </p:sp>
-      <p:sp>
-        <p:nvSpPr>
-          <p:cNvPr id="3" name="Espaço Reservado para Conteúdo 2"/>
-          <p:cNvSpPr>
-            <a:spLocks noGrp="1"/>
-          </p:cNvSpPr>
-          <p:nvPr>
-            <p:ph idx="1"/>
-          </p:nvPr>
-        </p:nvSpPr>
-        <p:spPr/>
-        <p:txBody>
-          <a:bodyPr anchor="t"/>
-          <a:lstStyle/>
-          <a:p>
-            <a:pPr>
-              <a:lnSpc>
-                <a:spcPct val="200000"/>
-              </a:lnSpc>
-            </a:pPr>
-            <a:r>
-              <a:rPr lang="pt-BR" dirty="0" smtClean="0"/>
-              <a:t>Árvore geradora mínima</a:t>
-            </a:r>
-            <a:endParaRPr lang="pt-BR" dirty="0" smtClean="0"/>
-          </a:p>
-        </p:txBody>
-      </p:sp>
-      <p:graphicFrame>
-        <p:nvGraphicFramePr>
-          <p:cNvPr id="4" name="Tabela 3"/>
-          <p:cNvGraphicFramePr>
-            <a:graphicFrameLocks noGrp="1"/>
-          </p:cNvGraphicFramePr>
-          <p:nvPr/>
-        </p:nvGraphicFramePr>
-        <p:xfrm>
-          <a:off x="1524000" y="2798064"/>
-          <a:ext cx="6096000" cy="3167634"/>
-        </p:xfrm>
-        <a:graphic>
-          <a:graphicData uri="http://schemas.openxmlformats.org/drawingml/2006/table">
-            <a:tbl>
-              <a:tblPr>
-                <a:tableStyleId>{3C2FFA5D-87B4-456A-9821-1D502468CF0F}</a:tableStyleId>
-              </a:tblPr>
-              <a:tblGrid>
-                <a:gridCol w="3048000"/>
-                <a:gridCol w="3048000"/>
-              </a:tblGrid>
-              <a:tr h="0">
-                <a:tc>
-                  <a:txBody>
-                    <a:bodyPr/>
-                    <a:lstStyle/>
-                    <a:p>
-                      <a:pPr algn="ctr">
-                        <a:lnSpc>
-                          <a:spcPct val="115000"/>
-                        </a:lnSpc>
-                        <a:spcBef>
-                          <a:spcPts val="1200"/>
-                        </a:spcBef>
-                        <a:spcAft>
-                          <a:spcPts val="1200"/>
-                        </a:spcAft>
-                      </a:pPr>
-                      <a:r>
-                        <a:rPr lang="pt-BR" sz="3200" dirty="0">
-                          <a:latin typeface="+mn-lt"/>
-                        </a:rPr>
-                        <a:t>Grafo</a:t>
-                      </a:r>
-                      <a:endParaRPr lang="pt-BR" sz="3200" dirty="0">
-                        <a:latin typeface="+mn-lt"/>
-                        <a:ea typeface="Calibri"/>
-                      </a:endParaRPr>
-                    </a:p>
-                  </a:txBody>
-                  <a:tcPr marL="68580" marR="68580" marT="0" marB="0"/>
-                </a:tc>
-                <a:tc>
-                  <a:txBody>
-                    <a:bodyPr/>
-                    <a:lstStyle/>
-                    <a:p>
-                      <a:pPr algn="ctr">
-                        <a:lnSpc>
-                          <a:spcPct val="115000"/>
-                        </a:lnSpc>
-                        <a:spcBef>
-                          <a:spcPts val="1200"/>
-                        </a:spcBef>
-                        <a:spcAft>
-                          <a:spcPts val="1200"/>
-                        </a:spcAft>
-                      </a:pPr>
-                      <a:r>
-                        <a:rPr lang="pt-BR" sz="3200" dirty="0" smtClean="0">
-                          <a:latin typeface="+mn-lt"/>
-                        </a:rPr>
-                        <a:t>Custo da MST</a:t>
-                      </a:r>
-                      <a:endParaRPr lang="pt-BR" sz="3200" dirty="0">
-                        <a:latin typeface="+mn-lt"/>
-                        <a:ea typeface="Calibri"/>
-                      </a:endParaRPr>
-                    </a:p>
-                  </a:txBody>
-                  <a:tcPr marL="68580" marR="68580" marT="0" marB="0"/>
-                </a:tc>
-              </a:tr>
-              <a:tr h="0">
-                <a:tc>
-                  <a:txBody>
-                    <a:bodyPr/>
-                    <a:lstStyle/>
-                    <a:p>
-                      <a:pPr algn="ctr">
-                        <a:lnSpc>
-                          <a:spcPct val="115000"/>
-                        </a:lnSpc>
-                        <a:spcBef>
-                          <a:spcPts val="1200"/>
-                        </a:spcBef>
-                        <a:spcAft>
-                          <a:spcPts val="1200"/>
-                        </a:spcAft>
-                      </a:pPr>
-                      <a:r>
-                        <a:rPr lang="pt-BR" sz="3200" dirty="0">
-                          <a:latin typeface="+mn-lt"/>
-                        </a:rPr>
-                        <a:t>1</a:t>
-                      </a:r>
-                      <a:endParaRPr lang="pt-BR" sz="3200" dirty="0">
-                        <a:latin typeface="+mn-lt"/>
-                        <a:ea typeface="Calibri"/>
-                      </a:endParaRPr>
-                    </a:p>
-                  </a:txBody>
-                  <a:tcPr marL="68580" marR="68580" marT="0" marB="0"/>
-                </a:tc>
-                <a:tc>
-                  <a:txBody>
-                    <a:bodyPr/>
-                    <a:lstStyle/>
-                    <a:p>
-                      <a:pPr algn="ctr">
-                        <a:lnSpc>
-                          <a:spcPct val="115000"/>
-                        </a:lnSpc>
-                        <a:spcBef>
-                          <a:spcPts val="1200"/>
-                        </a:spcBef>
-                        <a:spcAft>
-                          <a:spcPts val="1200"/>
-                        </a:spcAft>
-                      </a:pPr>
-                      <a:r>
-                        <a:rPr lang="pt-BR" sz="3200">
-                          <a:latin typeface="+mn-lt"/>
-                          <a:ea typeface="Calibri"/>
-                        </a:rPr>
-                        <a:t>336</a:t>
-                      </a:r>
-                    </a:p>
-                  </a:txBody>
-                  <a:tcPr marL="68580" marR="68580" marT="0" marB="0" anchor="ctr"/>
-                </a:tc>
-              </a:tr>
-              <a:tr h="0">
-                <a:tc>
-                  <a:txBody>
-                    <a:bodyPr/>
-                    <a:lstStyle/>
-                    <a:p>
-                      <a:pPr algn="ctr">
-                        <a:lnSpc>
-                          <a:spcPct val="115000"/>
-                        </a:lnSpc>
-                        <a:spcBef>
-                          <a:spcPts val="1200"/>
-                        </a:spcBef>
-                        <a:spcAft>
-                          <a:spcPts val="1200"/>
-                        </a:spcAft>
-                      </a:pPr>
-                      <a:r>
-                        <a:rPr lang="pt-BR" sz="3200" dirty="0">
-                          <a:latin typeface="+mn-lt"/>
-                        </a:rPr>
-                        <a:t>2</a:t>
-                      </a:r>
-                      <a:endParaRPr lang="pt-BR" sz="3200" dirty="0">
-                        <a:latin typeface="+mn-lt"/>
-                        <a:ea typeface="Calibri"/>
-                      </a:endParaRPr>
-                    </a:p>
-                  </a:txBody>
-                  <a:tcPr marL="68580" marR="68580" marT="0" marB="0"/>
-                </a:tc>
-                <a:tc>
-                  <a:txBody>
-                    <a:bodyPr/>
-                    <a:lstStyle/>
-                    <a:p>
-                      <a:pPr algn="ctr">
-                        <a:lnSpc>
-                          <a:spcPct val="115000"/>
-                        </a:lnSpc>
-                        <a:spcBef>
-                          <a:spcPts val="1200"/>
-                        </a:spcBef>
-                        <a:spcAft>
-                          <a:spcPts val="1200"/>
-                        </a:spcAft>
-                      </a:pPr>
-                      <a:r>
-                        <a:rPr lang="pt-BR" sz="3200" dirty="0">
-                          <a:latin typeface="+mn-lt"/>
-                          <a:ea typeface="Calibri"/>
-                        </a:rPr>
-                        <a:t>999</a:t>
-                      </a:r>
-                    </a:p>
-                  </a:txBody>
-                  <a:tcPr marL="68580" marR="68580" marT="0" marB="0" anchor="ctr"/>
-                </a:tc>
-              </a:tr>
-              <a:tr h="0">
-                <a:tc>
-                  <a:txBody>
-                    <a:bodyPr/>
-                    <a:lstStyle/>
-                    <a:p>
-                      <a:pPr algn="ctr">
-                        <a:lnSpc>
-                          <a:spcPct val="115000"/>
-                        </a:lnSpc>
-                        <a:spcBef>
-                          <a:spcPts val="1200"/>
-                        </a:spcBef>
-                        <a:spcAft>
-                          <a:spcPts val="1200"/>
-                        </a:spcAft>
-                      </a:pPr>
-                      <a:r>
-                        <a:rPr lang="pt-BR" sz="3200" dirty="0">
-                          <a:latin typeface="+mn-lt"/>
-                        </a:rPr>
-                        <a:t>3</a:t>
-                      </a:r>
-                      <a:endParaRPr lang="pt-BR" sz="3200" dirty="0">
-                        <a:latin typeface="+mn-lt"/>
-                        <a:ea typeface="Calibri"/>
-                      </a:endParaRPr>
-                    </a:p>
-                  </a:txBody>
-                  <a:tcPr marL="68580" marR="68580" marT="0" marB="0"/>
-                </a:tc>
-                <a:tc>
-                  <a:txBody>
-                    <a:bodyPr/>
-                    <a:lstStyle/>
-                    <a:p>
-                      <a:pPr algn="ctr">
-                        <a:lnSpc>
-                          <a:spcPct val="115000"/>
-                        </a:lnSpc>
-                        <a:spcBef>
-                          <a:spcPts val="1200"/>
-                        </a:spcBef>
-                        <a:spcAft>
-                          <a:spcPts val="1200"/>
-                        </a:spcAft>
-                      </a:pPr>
-                      <a:r>
-                        <a:rPr lang="pt-BR" sz="3200" dirty="0">
-                          <a:latin typeface="+mn-lt"/>
-                          <a:ea typeface="Calibri"/>
-                        </a:rPr>
-                        <a:t>31947</a:t>
-                      </a:r>
-                    </a:p>
-                  </a:txBody>
-                  <a:tcPr marL="68580" marR="68580" marT="0" marB="0" anchor="ctr"/>
-                </a:tc>
-              </a:tr>
-              <a:tr h="149728">
-                <a:tc>
-                  <a:txBody>
-                    <a:bodyPr/>
-                    <a:lstStyle/>
-                    <a:p>
-                      <a:pPr algn="ctr">
-                        <a:lnSpc>
-                          <a:spcPct val="115000"/>
-                        </a:lnSpc>
-                        <a:spcBef>
-                          <a:spcPts val="1200"/>
-                        </a:spcBef>
-                        <a:spcAft>
-                          <a:spcPts val="1200"/>
-                        </a:spcAft>
-                      </a:pPr>
-                      <a:r>
-                        <a:rPr lang="pt-BR" sz="3200" dirty="0">
-                          <a:latin typeface="+mn-lt"/>
-                        </a:rPr>
-                        <a:t>4</a:t>
-                      </a:r>
-                      <a:endParaRPr lang="pt-BR" sz="3200" dirty="0">
-                        <a:latin typeface="+mn-lt"/>
-                        <a:ea typeface="Calibri"/>
-                      </a:endParaRPr>
-                    </a:p>
-                  </a:txBody>
-                  <a:tcPr marL="68580" marR="68580" marT="0" marB="0"/>
-                </a:tc>
-                <a:tc>
-                  <a:txBody>
-                    <a:bodyPr/>
-                    <a:lstStyle/>
-                    <a:p>
-                      <a:pPr algn="ctr">
-                        <a:lnSpc>
-                          <a:spcPct val="115000"/>
-                        </a:lnSpc>
-                        <a:spcBef>
-                          <a:spcPts val="1200"/>
-                        </a:spcBef>
-                        <a:spcAft>
-                          <a:spcPts val="1200"/>
-                        </a:spcAft>
-                      </a:pPr>
-                      <a:r>
-                        <a:rPr lang="pt-BR" sz="3200" dirty="0">
-                          <a:latin typeface="+mn-lt"/>
-                          <a:ea typeface="Calibri"/>
-                        </a:rPr>
-                        <a:t>216236</a:t>
-                      </a:r>
-                    </a:p>
-                  </a:txBody>
-                  <a:tcPr marL="68580" marR="68580" marT="0" marB="0" anchor="ctr"/>
-                </a:tc>
-              </a:tr>
-              <a:tr h="0">
-                <a:tc>
-                  <a:txBody>
-                    <a:bodyPr/>
-                    <a:lstStyle/>
-                    <a:p>
-                      <a:pPr algn="ctr">
-                        <a:lnSpc>
-                          <a:spcPct val="115000"/>
-                        </a:lnSpc>
-                        <a:spcBef>
-                          <a:spcPts val="1200"/>
-                        </a:spcBef>
-                        <a:spcAft>
-                          <a:spcPts val="1200"/>
-                        </a:spcAft>
-                      </a:pPr>
-                      <a:r>
-                        <a:rPr lang="pt-BR" sz="3200">
-                          <a:latin typeface="+mn-lt"/>
-                        </a:rPr>
-                        <a:t>5</a:t>
-                      </a:r>
-                      <a:endParaRPr lang="pt-BR" sz="3200">
-                        <a:latin typeface="+mn-lt"/>
-                        <a:ea typeface="Calibri"/>
-                      </a:endParaRPr>
-                    </a:p>
-                  </a:txBody>
-                  <a:tcPr marL="68580" marR="68580" marT="0" marB="0"/>
-                </a:tc>
-                <a:tc>
-                  <a:txBody>
-                    <a:bodyPr/>
-                    <a:lstStyle/>
-                    <a:p>
-                      <a:pPr algn="ctr">
-                        <a:lnSpc>
-                          <a:spcPct val="115000"/>
-                        </a:lnSpc>
-                        <a:spcBef>
-                          <a:spcPts val="1200"/>
-                        </a:spcBef>
-                        <a:spcAft>
-                          <a:spcPts val="1200"/>
-                        </a:spcAft>
-                      </a:pPr>
-                      <a:r>
-                        <a:rPr lang="pt-BR" sz="3200" dirty="0">
-                          <a:latin typeface="+mn-lt"/>
-                          <a:ea typeface="Calibri"/>
-                        </a:rPr>
-                        <a:t>608677</a:t>
-                      </a:r>
-                    </a:p>
-                  </a:txBody>
-                  <a:tcPr marL="68580" marR="68580" marT="0" marB="0" anchor="ctr"/>
-                </a:tc>
-              </a:tr>
-            </a:tbl>
-          </a:graphicData>
-        </a:graphic>
-      </p:graphicFrame>
-    </p:spTree>
-  </p:cSld>
-  <p:clrMapOvr>
-    <a:masterClrMapping/>
-  </p:clrMapOvr>
+  <p:timing>
+    <p:tnLst>
+      <p:par>
+        <p:cTn id="1" dur="indefinite" restart="never" nodeType="tmRoot"/>
+      </p:par>
+    </p:tnLst>
+  </p:timing>
 </p:sld>
 </file>
 
@@ -8864,25 +9060,35 @@
           <a:p>
             <a:r>
               <a:rPr lang="pt-BR" sz="3200" dirty="0" smtClean="0"/>
-              <a:t>Introdução</a:t>
-            </a:r>
-          </a:p>
-          <a:p>
+              <a:t>Objetivo</a:t>
+            </a:r>
             <a:endParaRPr lang="pt-BR" sz="3200" dirty="0" smtClean="0"/>
           </a:p>
           <a:p>
+            <a:endParaRPr lang="pt-BR" sz="3200" dirty="0" smtClean="0"/>
+          </a:p>
+          <a:p>
             <a:r>
               <a:rPr lang="pt-BR" sz="3200" dirty="0" smtClean="0"/>
-              <a:t>Implementação</a:t>
-            </a:r>
-          </a:p>
-          <a:p>
+              <a:t>Destaques sobre i</a:t>
+            </a:r>
+            <a:r>
+              <a:rPr lang="pt-BR" sz="3200" dirty="0" smtClean="0"/>
+              <a:t>mplementação</a:t>
+            </a:r>
             <a:endParaRPr lang="pt-BR" sz="3200" dirty="0" smtClean="0"/>
           </a:p>
           <a:p>
+            <a:endParaRPr lang="pt-BR" sz="3200" dirty="0" smtClean="0"/>
+          </a:p>
+          <a:p>
             <a:r>
               <a:rPr lang="pt-BR" sz="3200" dirty="0" smtClean="0"/>
-              <a:t>Conclusão: Resultados dos Estudos de Caso</a:t>
+              <a:t>Resultados </a:t>
+            </a:r>
+            <a:r>
+              <a:rPr lang="pt-BR" sz="3200" dirty="0" smtClean="0"/>
+              <a:t>dos Estudos de Caso</a:t>
             </a:r>
             <a:endParaRPr lang="pt-BR" sz="3200" dirty="0"/>
           </a:p>
@@ -8897,6 +9103,473 @@
 </file>
 
 <file path=ppt/slides/slide20.xml><?xml version="1.0" encoding="utf-8"?>
+<p:sld xmlns:a="http://schemas.openxmlformats.org/drawingml/2006/main" xmlns:r="http://schemas.openxmlformats.org/officeDocument/2006/relationships" xmlns:p="http://schemas.openxmlformats.org/presentationml/2006/main">
+  <p:cSld>
+    <p:spTree>
+      <p:nvGrpSpPr>
+        <p:cNvPr id="1" name=""/>
+        <p:cNvGrpSpPr/>
+        <p:nvPr/>
+      </p:nvGrpSpPr>
+      <p:grpSpPr>
+        <a:xfrm>
+          <a:off x="0" y="0"/>
+          <a:ext cx="0" cy="0"/>
+          <a:chOff x="0" y="0"/>
+          <a:chExt cx="0" cy="0"/>
+        </a:xfrm>
+      </p:grpSpPr>
+      <p:sp>
+        <p:nvSpPr>
+          <p:cNvPr id="2" name="Título 1"/>
+          <p:cNvSpPr>
+            <a:spLocks noGrp="1"/>
+          </p:cNvSpPr>
+          <p:nvPr>
+            <p:ph type="title"/>
+          </p:nvPr>
+        </p:nvSpPr>
+        <p:spPr/>
+        <p:txBody>
+          <a:bodyPr>
+            <a:normAutofit/>
+          </a:bodyPr>
+          <a:lstStyle/>
+          <a:p>
+            <a:r>
+              <a:rPr lang="pt-BR" dirty="0" smtClean="0"/>
+              <a:t>Resultados </a:t>
+            </a:r>
+            <a:endParaRPr lang="pt-BR" dirty="0"/>
+          </a:p>
+        </p:txBody>
+      </p:sp>
+      <p:sp>
+        <p:nvSpPr>
+          <p:cNvPr id="3" name="Espaço Reservado para Conteúdo 2"/>
+          <p:cNvSpPr>
+            <a:spLocks noGrp="1"/>
+          </p:cNvSpPr>
+          <p:nvPr>
+            <p:ph idx="1"/>
+          </p:nvPr>
+        </p:nvSpPr>
+        <p:spPr/>
+        <p:txBody>
+          <a:bodyPr anchor="t"/>
+          <a:lstStyle/>
+          <a:p>
+            <a:pPr>
+              <a:lnSpc>
+                <a:spcPct val="200000"/>
+              </a:lnSpc>
+            </a:pPr>
+            <a:r>
+              <a:rPr lang="pt-BR" dirty="0" smtClean="0"/>
+              <a:t>Árvore geradora mínima</a:t>
+            </a:r>
+          </a:p>
+        </p:txBody>
+      </p:sp>
+      <p:graphicFrame>
+        <p:nvGraphicFramePr>
+          <p:cNvPr id="4" name="Tabela 3"/>
+          <p:cNvGraphicFramePr>
+            <a:graphicFrameLocks noGrp="1"/>
+          </p:cNvGraphicFramePr>
+          <p:nvPr/>
+        </p:nvGraphicFramePr>
+        <p:xfrm>
+          <a:off x="1524000" y="2798064"/>
+          <a:ext cx="6096000" cy="3364992"/>
+        </p:xfrm>
+        <a:graphic>
+          <a:graphicData uri="http://schemas.openxmlformats.org/drawingml/2006/table">
+            <a:tbl>
+              <a:tblPr>
+                <a:tableStyleId>{3C2FFA5D-87B4-456A-9821-1D502468CF0F}</a:tableStyleId>
+              </a:tblPr>
+              <a:tblGrid>
+                <a:gridCol w="3048000"/>
+                <a:gridCol w="3048000"/>
+              </a:tblGrid>
+              <a:tr h="0">
+                <a:tc>
+                  <a:txBody>
+                    <a:bodyPr/>
+                    <a:lstStyle/>
+                    <a:p>
+                      <a:pPr algn="ctr">
+                        <a:lnSpc>
+                          <a:spcPct val="115000"/>
+                        </a:lnSpc>
+                        <a:spcBef>
+                          <a:spcPts val="1200"/>
+                        </a:spcBef>
+                        <a:spcAft>
+                          <a:spcPts val="1200"/>
+                        </a:spcAft>
+                      </a:pPr>
+                      <a:r>
+                        <a:rPr lang="pt-BR" sz="3200" dirty="0">
+                          <a:latin typeface="+mn-lt"/>
+                        </a:rPr>
+                        <a:t>Grafo</a:t>
+                      </a:r>
+                      <a:endParaRPr lang="pt-BR" sz="3200" dirty="0">
+                        <a:latin typeface="+mn-lt"/>
+                        <a:ea typeface="Calibri"/>
+                      </a:endParaRPr>
+                    </a:p>
+                  </a:txBody>
+                  <a:tcPr marL="68580" marR="68580" marT="0" marB="0"/>
+                </a:tc>
+                <a:tc>
+                  <a:txBody>
+                    <a:bodyPr/>
+                    <a:lstStyle/>
+                    <a:p>
+                      <a:pPr algn="ctr">
+                        <a:lnSpc>
+                          <a:spcPct val="115000"/>
+                        </a:lnSpc>
+                        <a:spcBef>
+                          <a:spcPts val="1200"/>
+                        </a:spcBef>
+                        <a:spcAft>
+                          <a:spcPts val="1200"/>
+                        </a:spcAft>
+                      </a:pPr>
+                      <a:r>
+                        <a:rPr lang="pt-BR" sz="3200" dirty="0" smtClean="0">
+                          <a:latin typeface="+mn-lt"/>
+                        </a:rPr>
+                        <a:t>Custo da MST</a:t>
+                      </a:r>
+                      <a:endParaRPr lang="pt-BR" sz="3200" dirty="0">
+                        <a:latin typeface="+mn-lt"/>
+                        <a:ea typeface="Calibri"/>
+                      </a:endParaRPr>
+                    </a:p>
+                  </a:txBody>
+                  <a:tcPr marL="68580" marR="68580" marT="0" marB="0"/>
+                </a:tc>
+              </a:tr>
+              <a:tr h="0">
+                <a:tc>
+                  <a:txBody>
+                    <a:bodyPr/>
+                    <a:lstStyle/>
+                    <a:p>
+                      <a:pPr algn="ctr">
+                        <a:lnSpc>
+                          <a:spcPct val="115000"/>
+                        </a:lnSpc>
+                        <a:spcBef>
+                          <a:spcPts val="1200"/>
+                        </a:spcBef>
+                        <a:spcAft>
+                          <a:spcPts val="1200"/>
+                        </a:spcAft>
+                      </a:pPr>
+                      <a:r>
+                        <a:rPr lang="pt-BR" sz="3200" dirty="0">
+                          <a:latin typeface="+mn-lt"/>
+                        </a:rPr>
+                        <a:t>1</a:t>
+                      </a:r>
+                      <a:endParaRPr lang="pt-BR" sz="3200" dirty="0">
+                        <a:latin typeface="+mn-lt"/>
+                        <a:ea typeface="Calibri"/>
+                      </a:endParaRPr>
+                    </a:p>
+                  </a:txBody>
+                  <a:tcPr marL="68580" marR="68580" marT="0" marB="0"/>
+                </a:tc>
+                <a:tc>
+                  <a:txBody>
+                    <a:bodyPr/>
+                    <a:lstStyle/>
+                    <a:p>
+                      <a:pPr algn="ctr">
+                        <a:lnSpc>
+                          <a:spcPct val="115000"/>
+                        </a:lnSpc>
+                        <a:spcBef>
+                          <a:spcPts val="1200"/>
+                        </a:spcBef>
+                        <a:spcAft>
+                          <a:spcPts val="1200"/>
+                        </a:spcAft>
+                      </a:pPr>
+                      <a:r>
+                        <a:rPr lang="pt-BR" sz="3200">
+                          <a:latin typeface="+mn-lt"/>
+                          <a:ea typeface="Calibri"/>
+                        </a:rPr>
+                        <a:t>336</a:t>
+                      </a:r>
+                    </a:p>
+                  </a:txBody>
+                  <a:tcPr marL="68580" marR="68580" marT="0" marB="0" anchor="ctr"/>
+                </a:tc>
+              </a:tr>
+              <a:tr h="0">
+                <a:tc>
+                  <a:txBody>
+                    <a:bodyPr/>
+                    <a:lstStyle/>
+                    <a:p>
+                      <a:pPr algn="ctr">
+                        <a:lnSpc>
+                          <a:spcPct val="115000"/>
+                        </a:lnSpc>
+                        <a:spcBef>
+                          <a:spcPts val="1200"/>
+                        </a:spcBef>
+                        <a:spcAft>
+                          <a:spcPts val="1200"/>
+                        </a:spcAft>
+                      </a:pPr>
+                      <a:r>
+                        <a:rPr lang="pt-BR" sz="3200" dirty="0">
+                          <a:latin typeface="+mn-lt"/>
+                        </a:rPr>
+                        <a:t>2</a:t>
+                      </a:r>
+                      <a:endParaRPr lang="pt-BR" sz="3200" dirty="0">
+                        <a:latin typeface="+mn-lt"/>
+                        <a:ea typeface="Calibri"/>
+                      </a:endParaRPr>
+                    </a:p>
+                  </a:txBody>
+                  <a:tcPr marL="68580" marR="68580" marT="0" marB="0"/>
+                </a:tc>
+                <a:tc>
+                  <a:txBody>
+                    <a:bodyPr/>
+                    <a:lstStyle/>
+                    <a:p>
+                      <a:pPr algn="ctr">
+                        <a:lnSpc>
+                          <a:spcPct val="115000"/>
+                        </a:lnSpc>
+                        <a:spcBef>
+                          <a:spcPts val="1200"/>
+                        </a:spcBef>
+                        <a:spcAft>
+                          <a:spcPts val="1200"/>
+                        </a:spcAft>
+                      </a:pPr>
+                      <a:r>
+                        <a:rPr lang="pt-BR" sz="3200" dirty="0">
+                          <a:latin typeface="+mn-lt"/>
+                          <a:ea typeface="Calibri"/>
+                        </a:rPr>
+                        <a:t>999</a:t>
+                      </a:r>
+                    </a:p>
+                  </a:txBody>
+                  <a:tcPr marL="68580" marR="68580" marT="0" marB="0" anchor="ctr"/>
+                </a:tc>
+              </a:tr>
+              <a:tr h="0">
+                <a:tc>
+                  <a:txBody>
+                    <a:bodyPr/>
+                    <a:lstStyle/>
+                    <a:p>
+                      <a:pPr algn="ctr">
+                        <a:lnSpc>
+                          <a:spcPct val="115000"/>
+                        </a:lnSpc>
+                        <a:spcBef>
+                          <a:spcPts val="1200"/>
+                        </a:spcBef>
+                        <a:spcAft>
+                          <a:spcPts val="1200"/>
+                        </a:spcAft>
+                      </a:pPr>
+                      <a:r>
+                        <a:rPr lang="pt-BR" sz="3200" dirty="0">
+                          <a:latin typeface="+mn-lt"/>
+                        </a:rPr>
+                        <a:t>3</a:t>
+                      </a:r>
+                      <a:endParaRPr lang="pt-BR" sz="3200" dirty="0">
+                        <a:latin typeface="+mn-lt"/>
+                        <a:ea typeface="Calibri"/>
+                      </a:endParaRPr>
+                    </a:p>
+                  </a:txBody>
+                  <a:tcPr marL="68580" marR="68580" marT="0" marB="0"/>
+                </a:tc>
+                <a:tc>
+                  <a:txBody>
+                    <a:bodyPr/>
+                    <a:lstStyle/>
+                    <a:p>
+                      <a:pPr algn="ctr">
+                        <a:lnSpc>
+                          <a:spcPct val="115000"/>
+                        </a:lnSpc>
+                        <a:spcBef>
+                          <a:spcPts val="1200"/>
+                        </a:spcBef>
+                        <a:spcAft>
+                          <a:spcPts val="1200"/>
+                        </a:spcAft>
+                      </a:pPr>
+                      <a:r>
+                        <a:rPr lang="pt-BR" sz="3200" dirty="0">
+                          <a:latin typeface="+mn-lt"/>
+                          <a:ea typeface="Calibri"/>
+                        </a:rPr>
+                        <a:t>31947</a:t>
+                      </a:r>
+                    </a:p>
+                  </a:txBody>
+                  <a:tcPr marL="68580" marR="68580" marT="0" marB="0" anchor="ctr"/>
+                </a:tc>
+              </a:tr>
+              <a:tr h="149728">
+                <a:tc>
+                  <a:txBody>
+                    <a:bodyPr/>
+                    <a:lstStyle/>
+                    <a:p>
+                      <a:pPr algn="ctr">
+                        <a:lnSpc>
+                          <a:spcPct val="115000"/>
+                        </a:lnSpc>
+                        <a:spcBef>
+                          <a:spcPts val="1200"/>
+                        </a:spcBef>
+                        <a:spcAft>
+                          <a:spcPts val="1200"/>
+                        </a:spcAft>
+                      </a:pPr>
+                      <a:r>
+                        <a:rPr lang="pt-BR" sz="3200" dirty="0">
+                          <a:latin typeface="+mn-lt"/>
+                        </a:rPr>
+                        <a:t>4</a:t>
+                      </a:r>
+                      <a:endParaRPr lang="pt-BR" sz="3200" dirty="0">
+                        <a:latin typeface="+mn-lt"/>
+                        <a:ea typeface="Calibri"/>
+                      </a:endParaRPr>
+                    </a:p>
+                  </a:txBody>
+                  <a:tcPr marL="68580" marR="68580" marT="0" marB="0"/>
+                </a:tc>
+                <a:tc>
+                  <a:txBody>
+                    <a:bodyPr/>
+                    <a:lstStyle/>
+                    <a:p>
+                      <a:pPr algn="ctr">
+                        <a:lnSpc>
+                          <a:spcPct val="115000"/>
+                        </a:lnSpc>
+                        <a:spcBef>
+                          <a:spcPts val="1200"/>
+                        </a:spcBef>
+                        <a:spcAft>
+                          <a:spcPts val="1200"/>
+                        </a:spcAft>
+                      </a:pPr>
+                      <a:r>
+                        <a:rPr lang="pt-BR" sz="3200" dirty="0">
+                          <a:latin typeface="+mn-lt"/>
+                          <a:ea typeface="Calibri"/>
+                        </a:rPr>
+                        <a:t>216236</a:t>
+                      </a:r>
+                    </a:p>
+                  </a:txBody>
+                  <a:tcPr marL="68580" marR="68580" marT="0" marB="0" anchor="ctr"/>
+                </a:tc>
+              </a:tr>
+              <a:tr h="0">
+                <a:tc>
+                  <a:txBody>
+                    <a:bodyPr/>
+                    <a:lstStyle/>
+                    <a:p>
+                      <a:pPr algn="ctr">
+                        <a:lnSpc>
+                          <a:spcPct val="115000"/>
+                        </a:lnSpc>
+                        <a:spcBef>
+                          <a:spcPts val="1200"/>
+                        </a:spcBef>
+                        <a:spcAft>
+                          <a:spcPts val="1200"/>
+                        </a:spcAft>
+                      </a:pPr>
+                      <a:r>
+                        <a:rPr lang="pt-BR" sz="3200">
+                          <a:latin typeface="+mn-lt"/>
+                        </a:rPr>
+                        <a:t>5</a:t>
+                      </a:r>
+                      <a:endParaRPr lang="pt-BR" sz="3200">
+                        <a:latin typeface="+mn-lt"/>
+                        <a:ea typeface="Calibri"/>
+                      </a:endParaRPr>
+                    </a:p>
+                  </a:txBody>
+                  <a:tcPr marL="68580" marR="68580" marT="0" marB="0"/>
+                </a:tc>
+                <a:tc>
+                  <a:txBody>
+                    <a:bodyPr/>
+                    <a:lstStyle/>
+                    <a:p>
+                      <a:pPr algn="ctr">
+                        <a:lnSpc>
+                          <a:spcPct val="115000"/>
+                        </a:lnSpc>
+                        <a:spcBef>
+                          <a:spcPts val="1200"/>
+                        </a:spcBef>
+                        <a:spcAft>
+                          <a:spcPts val="1200"/>
+                        </a:spcAft>
+                      </a:pPr>
+                      <a:r>
+                        <a:rPr lang="pt-BR" sz="3200" dirty="0">
+                          <a:latin typeface="+mn-lt"/>
+                          <a:ea typeface="Calibri"/>
+                        </a:rPr>
+                        <a:t>608677</a:t>
+                      </a:r>
+                    </a:p>
+                  </a:txBody>
+                  <a:tcPr marL="68580" marR="68580" marT="0" marB="0" anchor="ctr"/>
+                </a:tc>
+              </a:tr>
+            </a:tbl>
+          </a:graphicData>
+        </a:graphic>
+      </p:graphicFrame>
+    </p:spTree>
+  </p:cSld>
+  <p:clrMapOvr>
+    <a:masterClrMapping/>
+  </p:clrMapOvr>
+  <p:timing>
+    <p:tnLst>
+      <p:par>
+        <p:cTn id="1" dur="indefinite" restart="never" nodeType="tmRoot"/>
+      </p:par>
+    </p:tnLst>
+  </p:timing>
+</p:sld>
+</file>
+
+<file path=ppt/slides/slide21.xml><?xml version="1.0" encoding="utf-8"?>
 <p:sld xmlns:a="http://schemas.openxmlformats.org/drawingml/2006/main" xmlns:r="http://schemas.openxmlformats.org/officeDocument/2006/relationships" xmlns:p="http://schemas.openxmlformats.org/presentationml/2006/main">
   <p:cSld>
     <p:spTree>
@@ -8948,9 +9621,25 @@
         </p:nvSpPr>
         <p:spPr/>
         <p:txBody>
-          <a:bodyPr/>
+          <a:bodyPr>
+            <a:normAutofit/>
+          </a:bodyPr>
           <a:lstStyle/>
           <a:p>
+            <a:endParaRPr lang="pt-BR" dirty="0" smtClean="0"/>
+          </a:p>
+          <a:p>
+            <a:r>
+              <a:rPr lang="pt-BR" dirty="0"/>
+              <a:t>bruno_tomas@poli.ufrj.br</a:t>
+            </a:r>
+            <a:br>
+              <a:rPr lang="pt-BR" dirty="0"/>
+            </a:br>
+            <a:r>
+              <a:rPr lang="pt-BR" dirty="0"/>
+              <a:t>jonathanaugusto@poli.ufrj.br</a:t>
+            </a:r>
             <a:endParaRPr lang="pt-BR" dirty="0"/>
           </a:p>
         </p:txBody>
@@ -8960,6 +9649,13 @@
   <p:clrMapOvr>
     <a:masterClrMapping/>
   </p:clrMapOvr>
+  <p:timing>
+    <p:tnLst>
+      <p:par>
+        <p:cTn id="1" dur="indefinite" restart="never" nodeType="tmRoot"/>
+      </p:par>
+    </p:tnLst>
+  </p:timing>
 </p:sld>
 </file>
 
@@ -9074,7 +9770,7 @@
           <a:p>
             <a:r>
               <a:rPr lang="pt-BR" dirty="0" smtClean="0"/>
-              <a:t>Introdução</a:t>
+              <a:t>Objetivo</a:t>
             </a:r>
             <a:endParaRPr lang="pt-BR" dirty="0"/>
           </a:p>
@@ -9090,23 +9786,74 @@
             <p:ph idx="1"/>
           </p:nvPr>
         </p:nvSpPr>
-        <p:spPr/>
+        <p:spPr>
+          <a:xfrm>
+            <a:off x="457200" y="2132856"/>
+            <a:ext cx="8229600" cy="4191744"/>
+          </a:xfrm>
+        </p:spPr>
         <p:txBody>
-          <a:bodyPr anchor="ctr"/>
+          <a:bodyPr anchor="t"/>
           <a:lstStyle/>
           <a:p>
-            <a:pPr marL="0" indent="0" algn="just">
-              <a:lnSpc>
-                <a:spcPct val="200000"/>
-              </a:lnSpc>
+            <a:pPr marL="0" indent="0">
               <a:buNone/>
             </a:pPr>
             <a:r>
               <a:rPr lang="pt-BR" dirty="0" smtClean="0"/>
-              <a:t>Foi desenvolvida uma biblioteca para manipular grafos, que seja capaz de representá-los, assim como desenvolver um conjunto de algoritmos em grafos. A biblioteca foi desenvolvida de forma que possa ser utilizada por outros programas.</a:t>
-            </a:r>
-          </a:p>
-          <a:p>
+              <a:t>Expandir </a:t>
+            </a:r>
+            <a:r>
+              <a:rPr lang="pt-BR" dirty="0"/>
+              <a:t>a biblioteca desenvolvida na </a:t>
+            </a:r>
+            <a:r>
+              <a:rPr lang="pt-BR" dirty="0" smtClean="0"/>
+              <a:t>parte 1, </a:t>
+            </a:r>
+            <a:r>
+              <a:rPr lang="pt-BR" dirty="0"/>
+              <a:t>incluindo as seguintes funcionalidades:</a:t>
+            </a:r>
+          </a:p>
+          <a:p>
+            <a:pPr lvl="0"/>
+            <a:r>
+              <a:rPr lang="pt-BR" dirty="0"/>
+              <a:t>Grafos com pesos;</a:t>
+            </a:r>
+          </a:p>
+          <a:p>
+            <a:pPr lvl="0"/>
+            <a:r>
+              <a:rPr lang="pt-BR" dirty="0"/>
+              <a:t>Distância e caminho mínimo;</a:t>
+            </a:r>
+          </a:p>
+          <a:p>
+            <a:pPr lvl="0"/>
+            <a:r>
+              <a:rPr lang="pt-BR" dirty="0"/>
+              <a:t>Árvore geradora mínima (MST); </a:t>
+            </a:r>
+          </a:p>
+          <a:p>
+            <a:pPr lvl="0"/>
+            <a:r>
+              <a:rPr lang="pt-BR" dirty="0"/>
+              <a:t>Distribuição empírica da distância; e</a:t>
+            </a:r>
+          </a:p>
+          <a:p>
+            <a:pPr lvl="0"/>
+            <a:r>
+              <a:rPr lang="pt-BR" dirty="0"/>
+              <a:t>Distância média</a:t>
+            </a:r>
+            <a:r>
+              <a:rPr lang="pt-BR" dirty="0" smtClean="0"/>
+              <a:t>.</a:t>
+            </a:r>
             <a:endParaRPr lang="pt-BR" dirty="0"/>
           </a:p>
         </p:txBody>
@@ -9158,7 +9905,11 @@
           <a:p>
             <a:r>
               <a:rPr lang="pt-BR" dirty="0" smtClean="0"/>
-              <a:t>Implementação</a:t>
+              <a:t>Destaques sobre a i</a:t>
+            </a:r>
+            <a:r>
+              <a:rPr lang="pt-BR" dirty="0" smtClean="0"/>
+              <a:t>mplementação</a:t>
             </a:r>
             <a:endParaRPr lang="pt-BR" dirty="0"/>
           </a:p>
@@ -9230,7 +9981,7 @@
           <a:p>
             <a:r>
               <a:rPr lang="pt-BR" dirty="0" smtClean="0"/>
-              <a:t>Implementação</a:t>
+              <a:t>Orientação a objeto</a:t>
             </a:r>
             <a:endParaRPr lang="pt-BR" dirty="0"/>
           </a:p>
@@ -9248,121 +9999,147 @@
         </p:nvSpPr>
         <p:spPr/>
         <p:txBody>
-          <a:bodyPr anchor="ctr"/>
+          <a:bodyPr anchor="t">
+            <a:normAutofit lnSpcReduction="10000"/>
+          </a:bodyPr>
           <a:lstStyle/>
           <a:p>
-            <a:pPr>
-              <a:lnSpc>
-                <a:spcPct val="200000"/>
-              </a:lnSpc>
-            </a:pPr>
-            <a:r>
-              <a:rPr lang="pt-BR" dirty="0" smtClean="0"/>
-              <a:t>Linguagem utilizada: C++</a:t>
-            </a:r>
-          </a:p>
-          <a:p>
-            <a:pPr>
-              <a:lnSpc>
-                <a:spcPct val="200000"/>
-              </a:lnSpc>
-            </a:pPr>
-            <a:r>
-              <a:rPr lang="pt-BR" dirty="0" smtClean="0"/>
-              <a:t>Orientação a objeto</a:t>
-            </a:r>
-          </a:p>
-          <a:p>
-            <a:pPr>
-              <a:lnSpc>
-                <a:spcPct val="200000"/>
-              </a:lnSpc>
-            </a:pPr>
-            <a:r>
-              <a:rPr lang="pt-BR" dirty="0" smtClean="0"/>
-              <a:t>Classe </a:t>
-            </a:r>
-            <a:r>
-              <a:rPr lang="pt-BR" dirty="0" err="1" smtClean="0">
-                <a:latin typeface="Courier New" pitchFamily="49" charset="0"/>
-                <a:cs typeface="Courier New" pitchFamily="49" charset="0"/>
-              </a:rPr>
-              <a:t>Graph</a:t>
-            </a:r>
-            <a:r>
-              <a:rPr lang="pt-BR" dirty="0" smtClean="0">
-                <a:cs typeface="Courier New" pitchFamily="49" charset="0"/>
-              </a:rPr>
-              <a:t> descreve o grafo</a:t>
-            </a:r>
-          </a:p>
-          <a:p>
-            <a:pPr lvl="1">
-              <a:lnSpc>
-                <a:spcPct val="200000"/>
-              </a:lnSpc>
-            </a:pPr>
-            <a:r>
-              <a:rPr lang="pt-BR" dirty="0" smtClean="0">
-                <a:cs typeface="Courier New" pitchFamily="49" charset="0"/>
-              </a:rPr>
-              <a:t>Classe </a:t>
-            </a:r>
-            <a:r>
-              <a:rPr lang="pt-BR" dirty="0" err="1" smtClean="0">
-                <a:latin typeface="Courier New" pitchFamily="49" charset="0"/>
-                <a:cs typeface="Courier New" pitchFamily="49" charset="0"/>
-              </a:rPr>
-              <a:t>Edge</a:t>
-            </a:r>
-            <a:r>
-              <a:rPr lang="pt-BR" dirty="0" smtClean="0">
-                <a:cs typeface="Courier New" pitchFamily="49" charset="0"/>
-              </a:rPr>
-              <a:t> - arestas</a:t>
-            </a:r>
-            <a:endParaRPr lang="pt-BR" dirty="0" smtClean="0">
-              <a:latin typeface="Courier New" pitchFamily="49" charset="0"/>
-              <a:cs typeface="Courier New" pitchFamily="49" charset="0"/>
-            </a:endParaRPr>
-          </a:p>
-          <a:p>
-            <a:pPr lvl="1">
-              <a:lnSpc>
-                <a:spcPct val="200000"/>
-              </a:lnSpc>
-            </a:pPr>
-            <a:r>
-              <a:rPr lang="pt-BR" dirty="0" smtClean="0">
-                <a:cs typeface="Courier New" pitchFamily="49" charset="0"/>
-              </a:rPr>
-              <a:t>Classe </a:t>
-            </a:r>
-            <a:r>
-              <a:rPr lang="pt-BR" dirty="0" err="1" smtClean="0">
-                <a:latin typeface="Courier New" pitchFamily="49" charset="0"/>
-                <a:cs typeface="Courier New" pitchFamily="49" charset="0"/>
-              </a:rPr>
-              <a:t>Node</a:t>
-            </a:r>
-            <a:r>
-              <a:rPr lang="pt-BR" dirty="0" smtClean="0">
-                <a:cs typeface="Courier New" pitchFamily="49" charset="0"/>
-              </a:rPr>
-              <a:t> - vértices</a:t>
-            </a:r>
-            <a:endParaRPr lang="pt-BR" dirty="0" smtClean="0">
-              <a:latin typeface="Courier New" pitchFamily="49" charset="0"/>
-              <a:cs typeface="Courier New" pitchFamily="49" charset="0"/>
-            </a:endParaRPr>
+            <a:r>
+              <a:rPr lang="pt-BR" sz="2400" dirty="0" smtClean="0"/>
+              <a:t>Na parte 1 do trabalho, a estrutura orientada a objeto foi usada apenas como “intermediária” para criação de matriz e lista de adjacência</a:t>
+            </a:r>
+          </a:p>
+          <a:p>
+            <a:r>
+              <a:rPr lang="pt-BR" sz="2400" dirty="0" smtClean="0"/>
+              <a:t>Agora, ela segue como uma “terceira via” no projeto, sendo mais uma opção para representação</a:t>
+            </a:r>
+          </a:p>
+          <a:p>
+            <a:r>
+              <a:rPr lang="pt-BR" sz="2400" dirty="0" smtClean="0"/>
+              <a:t>Relativamente baixo consumo de memória (como na lista de adjacência):</a:t>
+            </a:r>
+            <a:br>
+              <a:rPr lang="pt-BR" sz="2400" dirty="0" smtClean="0"/>
+            </a:br>
+            <a:r>
+              <a:rPr lang="pt-BR" sz="2400" dirty="0" smtClean="0"/>
+              <a:t/>
+            </a:r>
+            <a:br>
+              <a:rPr lang="pt-BR" sz="2400" dirty="0" smtClean="0"/>
+            </a:br>
+            <a:r>
+              <a:rPr lang="pt-BR" sz="2400" i="1" dirty="0" smtClean="0"/>
+              <a:t>Grafo 4 (50000 vértices)</a:t>
+            </a:r>
+            <a:br>
+              <a:rPr lang="pt-BR" sz="2400" i="1" dirty="0" smtClean="0"/>
+            </a:br>
+            <a:r>
+              <a:rPr lang="pt-BR" sz="2400" dirty="0" smtClean="0"/>
+              <a:t>OO: ~40MB</a:t>
+            </a:r>
+            <a:br>
+              <a:rPr lang="pt-BR" sz="2400" dirty="0" smtClean="0"/>
+            </a:br>
+            <a:r>
+              <a:rPr lang="pt-BR" sz="2400" dirty="0" smtClean="0"/>
+              <a:t>Lista: ~25MB</a:t>
+            </a:r>
+            <a:br>
+              <a:rPr lang="pt-BR" sz="2400" dirty="0" smtClean="0"/>
+            </a:br>
+            <a:r>
+              <a:rPr lang="pt-BR" sz="2400" dirty="0" smtClean="0"/>
+              <a:t>Matriz: &gt;1.5GB (travou!)</a:t>
+            </a:r>
+          </a:p>
+          <a:p>
+            <a:endParaRPr lang="pt-BR" sz="2400" dirty="0"/>
           </a:p>
         </p:txBody>
       </p:sp>
+      <p:pic>
+        <p:nvPicPr>
+          <p:cNvPr id="2050" name="Picture 2"/>
+          <p:cNvPicPr>
+            <a:picLocks noChangeAspect="1" noChangeArrowheads="1"/>
+          </p:cNvPicPr>
+          <p:nvPr/>
+        </p:nvPicPr>
+        <p:blipFill rotWithShape="1">
+          <a:blip r:embed="rId2">
+            <a:extLst>
+              <a:ext uri="{28A0092B-C50C-407E-A947-70E740481C1C}">
+                <a14:useLocalDpi xmlns:a14="http://schemas.microsoft.com/office/drawing/2010/main" val="0"/>
+              </a:ext>
+            </a:extLst>
+          </a:blip>
+          <a:srcRect l="1400" t="414" r="80581" b="83159"/>
+          <a:stretch/>
+        </p:blipFill>
+        <p:spPr bwMode="auto">
+          <a:xfrm>
+            <a:off x="5364088" y="4653136"/>
+            <a:ext cx="3295461" cy="1689985"/>
+          </a:xfrm>
+          <a:prstGeom prst="rect">
+            <a:avLst/>
+          </a:prstGeom>
+          <a:ln>
+            <a:noFill/>
+          </a:ln>
+          <a:effectLst>
+            <a:outerShdw blurRad="292100" dist="139700" dir="2700000" algn="tl" rotWithShape="0">
+              <a:srgbClr val="333333">
+                <a:alpha val="65000"/>
+              </a:srgbClr>
+            </a:outerShdw>
+          </a:effectLst>
+          <a:extLst>
+            <a:ext uri="{909E8E84-426E-40DD-AFC4-6F175D3DCCD1}">
+              <a14:hiddenFill xmlns:a14="http://schemas.microsoft.com/office/drawing/2010/main">
+                <a:solidFill>
+                  <a:schemeClr val="accent1"/>
+                </a:solidFill>
+              </a14:hiddenFill>
+            </a:ext>
+            <a:ext uri="{91240B29-F687-4F45-9708-019B960494DF}">
+              <a14:hiddenLine xmlns:a14="http://schemas.microsoft.com/office/drawing/2010/main" w="9525">
+                <a:solidFill>
+                  <a:schemeClr val="tx1"/>
+                </a:solidFill>
+                <a:miter lim="800000"/>
+                <a:headEnd/>
+                <a:tailEnd/>
+              </a14:hiddenLine>
+            </a:ext>
+            <a:ext uri="{AF507438-7753-43E0-B8FC-AC1667EBCBE1}">
+              <a14:hiddenEffects xmlns:a14="http://schemas.microsoft.com/office/drawing/2010/main">
+                <a:effectLst>
+                  <a:outerShdw dist="35921" dir="2700000" algn="ctr" rotWithShape="0">
+                    <a:schemeClr val="bg2"/>
+                  </a:outerShdw>
+                </a:effectLst>
+              </a14:hiddenEffects>
+            </a:ext>
+          </a:extLst>
+        </p:spPr>
+      </p:pic>
     </p:spTree>
   </p:cSld>
   <p:clrMapOvr>
     <a:masterClrMapping/>
   </p:clrMapOvr>
+  <p:timing>
+    <p:tnLst>
+      <p:par>
+        <p:cTn id="1" dur="indefinite" restart="never" nodeType="tmRoot"/>
+      </p:par>
+    </p:tnLst>
+  </p:timing>
 </p:sld>
 </file>
 
@@ -9400,11 +10177,7 @@
           <a:p>
             <a:r>
               <a:rPr lang="pt-BR" dirty="0" smtClean="0"/>
-              <a:t>Vetor x </a:t>
-            </a:r>
-            <a:r>
-              <a:rPr lang="pt-BR" dirty="0" err="1" smtClean="0"/>
-              <a:t>array</a:t>
+              <a:t>Programação concorrente</a:t>
             </a:r>
             <a:endParaRPr lang="pt-BR" dirty="0"/>
           </a:p>
@@ -9422,75 +10195,239 @@
         </p:nvSpPr>
         <p:spPr/>
         <p:txBody>
-          <a:bodyPr anchor="ctr"/>
+          <a:bodyPr anchor="t"/>
           <a:lstStyle/>
           <a:p>
-            <a:pPr marL="0" indent="0" algn="just">
-              <a:lnSpc>
-                <a:spcPct val="200000"/>
-              </a:lnSpc>
+            <a:r>
+              <a:rPr lang="pt-BR" dirty="0"/>
+              <a:t>Para o cálculo da distribuição empírica das distâncias e </a:t>
+            </a:r>
+            <a:r>
+              <a:rPr lang="pt-BR" dirty="0" smtClean="0"/>
+              <a:t>da </a:t>
+            </a:r>
+            <a:r>
+              <a:rPr lang="pt-BR" dirty="0"/>
+              <a:t>distância média, era preciso executar o algoritmo de </a:t>
+            </a:r>
+            <a:r>
+              <a:rPr lang="pt-BR" dirty="0" err="1"/>
+              <a:t>Dijkstra</a:t>
+            </a:r>
+            <a:r>
+              <a:rPr lang="pt-BR" dirty="0"/>
+              <a:t> diversas </a:t>
+            </a:r>
+            <a:r>
+              <a:rPr lang="pt-BR" dirty="0" smtClean="0"/>
+              <a:t>vezes</a:t>
+            </a:r>
+          </a:p>
+          <a:p>
+            <a:r>
+              <a:rPr lang="pt-BR" dirty="0" smtClean="0"/>
+              <a:t>No caso do grafo 5 (o maior, com 100000 vértices):</a:t>
+            </a:r>
+          </a:p>
+          <a:p>
+            <a:pPr marL="0" indent="0">
               <a:buNone/>
             </a:pPr>
             <a:r>
               <a:rPr lang="pt-BR" dirty="0" smtClean="0"/>
-              <a:t>O uso do </a:t>
-            </a:r>
-            <a:r>
-              <a:rPr lang="pt-BR" i="1" dirty="0" smtClean="0"/>
-              <a:t>container </a:t>
-            </a:r>
-            <a:r>
-              <a:rPr lang="pt-BR" dirty="0" err="1" smtClean="0">
-                <a:latin typeface="Courier New" pitchFamily="49" charset="0"/>
-                <a:cs typeface="Courier New" pitchFamily="49" charset="0"/>
-              </a:rPr>
-              <a:t>vector</a:t>
+              <a:t>1 </a:t>
+            </a:r>
+            <a:r>
+              <a:rPr lang="pt-BR" dirty="0" err="1" smtClean="0"/>
+              <a:t>Dijkstra</a:t>
             </a:r>
             <a:r>
               <a:rPr lang="pt-BR" dirty="0" smtClean="0"/>
-              <a:t> possibilita uma alocação dinâmica de memória para o </a:t>
-            </a:r>
-            <a:r>
-              <a:rPr lang="pt-BR" i="1" dirty="0" err="1" smtClean="0"/>
-              <a:t>array</a:t>
-            </a:r>
-            <a:r>
+              <a:t> a cada 40 minutos (em média) = 36 por dia</a:t>
+            </a:r>
+            <a:br>
               <a:rPr lang="pt-BR" dirty="0" smtClean="0"/>
-              <a:t>, permitindo expandi-lo ou contraí-lo quando necessário de modo prático – usando a função </a:t>
-            </a:r>
-            <a:r>
-              <a:rPr lang="pt-BR" dirty="0" err="1" smtClean="0">
-                <a:latin typeface="Courier New" pitchFamily="49" charset="0"/>
-                <a:cs typeface="Courier New" pitchFamily="49" charset="0"/>
-              </a:rPr>
-              <a:t>resize</a:t>
-            </a:r>
+            </a:br>
             <a:r>
               <a:rPr lang="pt-BR" dirty="0" smtClean="0"/>
-              <a:t> ou simplesmente adicionando um elemento no seu fim (</a:t>
-            </a:r>
-            <a:r>
-              <a:rPr lang="pt-BR" dirty="0" err="1" smtClean="0">
-                <a:latin typeface="Courier New" pitchFamily="49" charset="0"/>
-                <a:cs typeface="Courier New" pitchFamily="49" charset="0"/>
-              </a:rPr>
-              <a:t>push_back</a:t>
-            </a:r>
+              <a:t>100000 vértices -- 2778 dias = ~7,7 anos</a:t>
+            </a:r>
+          </a:p>
+          <a:p>
             <a:r>
               <a:rPr lang="pt-BR" dirty="0" smtClean="0"/>
-              <a:t>).</a:t>
+              <a:t>Solução?</a:t>
             </a:r>
           </a:p>
           <a:p>
             <a:endParaRPr lang="pt-BR" dirty="0"/>
+          </a:p>
+        </p:txBody>
+      </p:sp>
+      <p:sp>
+        <p:nvSpPr>
+          <p:cNvPr id="4" name="Retângulo 3"/>
+          <p:cNvSpPr/>
+          <p:nvPr/>
+        </p:nvSpPr>
+        <p:spPr>
+          <a:xfrm>
+            <a:off x="827584" y="5301208"/>
+            <a:ext cx="7488832" cy="722607"/>
+          </a:xfrm>
+          <a:prstGeom prst="rect">
+            <a:avLst/>
+          </a:prstGeom>
+        </p:spPr>
+        <p:style>
+          <a:lnRef idx="2">
+            <a:schemeClr val="accent1">
+              <a:shade val="50000"/>
+            </a:schemeClr>
+          </a:lnRef>
+          <a:fillRef idx="1">
+            <a:schemeClr val="accent1"/>
+          </a:fillRef>
+          <a:effectRef idx="0">
+            <a:schemeClr val="accent1"/>
+          </a:effectRef>
+          <a:fontRef idx="minor">
+            <a:schemeClr val="lt1"/>
+          </a:fontRef>
+        </p:style>
+        <p:txBody>
+          <a:bodyPr rtlCol="0" anchor="ctr"/>
+          <a:lstStyle/>
+          <a:p>
+            <a:pPr algn="ctr"/>
+            <a:r>
+              <a:rPr lang="pt-BR" sz="3200" dirty="0" smtClean="0"/>
+              <a:t>Threads </a:t>
+            </a:r>
+            <a:r>
+              <a:rPr lang="pt-BR" sz="3200" dirty="0" err="1" smtClean="0"/>
+              <a:t>to</a:t>
+            </a:r>
+            <a:r>
+              <a:rPr lang="pt-BR" sz="3200" dirty="0" smtClean="0"/>
+              <a:t> </a:t>
+            </a:r>
+            <a:r>
+              <a:rPr lang="pt-BR" sz="3200" dirty="0" err="1" smtClean="0"/>
+              <a:t>the</a:t>
+            </a:r>
+            <a:r>
+              <a:rPr lang="pt-BR" sz="3200" dirty="0" smtClean="0"/>
+              <a:t> </a:t>
+            </a:r>
+            <a:r>
+              <a:rPr lang="pt-BR" sz="3200" dirty="0" err="1" smtClean="0"/>
+              <a:t>rescue</a:t>
+            </a:r>
+            <a:r>
+              <a:rPr lang="pt-BR" sz="3200" dirty="0" smtClean="0"/>
+              <a:t>!</a:t>
+            </a:r>
+            <a:endParaRPr lang="pt-BR" sz="3200" dirty="0"/>
           </a:p>
         </p:txBody>
       </p:sp>
     </p:spTree>
+    <p:extLst>
+      <p:ext uri="{BB962C8B-B14F-4D97-AF65-F5344CB8AC3E}">
+        <p14:creationId xmlns:p14="http://schemas.microsoft.com/office/powerpoint/2010/main" val="4192295264"/>
+      </p:ext>
+    </p:extLst>
   </p:cSld>
   <p:clrMapOvr>
     <a:masterClrMapping/>
   </p:clrMapOvr>
+  <p:timing>
+    <p:tnLst>
+      <p:par>
+        <p:cTn id="1" dur="indefinite" restart="never" nodeType="tmRoot">
+          <p:childTnLst>
+            <p:seq concurrent="1" nextAc="seek">
+              <p:cTn id="2" dur="indefinite" nodeType="mainSeq">
+                <p:childTnLst>
+                  <p:par>
+                    <p:cTn id="3" fill="hold">
+                      <p:stCondLst>
+                        <p:cond delay="indefinite"/>
+                      </p:stCondLst>
+                      <p:childTnLst>
+                        <p:par>
+                          <p:cTn id="4" fill="hold">
+                            <p:stCondLst>
+                              <p:cond delay="0"/>
+                            </p:stCondLst>
+                            <p:childTnLst>
+                              <p:par>
+                                <p:cTn id="5" presetID="10" presetClass="entr" presetSubtype="0" fill="hold" grpId="0" nodeType="clickEffect">
+                                  <p:stCondLst>
+                                    <p:cond delay="0"/>
+                                  </p:stCondLst>
+                                  <p:childTnLst>
+                                    <p:set>
+                                      <p:cBhvr>
+                                        <p:cTn id="6" dur="1" fill="hold">
+                                          <p:stCondLst>
+                                            <p:cond delay="0"/>
+                                          </p:stCondLst>
+                                        </p:cTn>
+                                        <p:tgtEl>
+                                          <p:spTgt spid="4"/>
+                                        </p:tgtEl>
+                                        <p:attrNameLst>
+                                          <p:attrName>style.visibility</p:attrName>
+                                        </p:attrNameLst>
+                                      </p:cBhvr>
+                                      <p:to>
+                                        <p:strVal val="visible"/>
+                                      </p:to>
+                                    </p:set>
+                                    <p:animEffect transition="in" filter="fade">
+                                      <p:cBhvr>
+                                        <p:cTn id="7" dur="500"/>
+                                        <p:tgtEl>
+                                          <p:spTgt spid="4"/>
+                                        </p:tgtEl>
+                                      </p:cBhvr>
+                                    </p:animEffect>
+                                  </p:childTnLst>
+                                </p:cTn>
+                              </p:par>
+                            </p:childTnLst>
+                          </p:cTn>
+                        </p:par>
+                      </p:childTnLst>
+                    </p:cTn>
+                  </p:par>
+                </p:childTnLst>
+              </p:cTn>
+              <p:prevCondLst>
+                <p:cond evt="onPrev" delay="0">
+                  <p:tgtEl>
+                    <p:sldTgt/>
+                  </p:tgtEl>
+                </p:cond>
+              </p:prevCondLst>
+              <p:nextCondLst>
+                <p:cond evt="onNext" delay="0">
+                  <p:tgtEl>
+                    <p:sldTgt/>
+                  </p:tgtEl>
+                </p:cond>
+              </p:nextCondLst>
+            </p:seq>
+          </p:childTnLst>
+        </p:cTn>
+      </p:par>
+    </p:tnLst>
+    <p:bldLst>
+      <p:bldP spid="4" grpId="0" animBg="1"/>
+    </p:bldLst>
+  </p:timing>
 </p:sld>
 </file>
 
@@ -9528,19 +10465,7 @@
           <a:p>
             <a:r>
               <a:rPr lang="pt-BR" dirty="0" smtClean="0"/>
-              <a:t>Tipo </a:t>
-            </a:r>
-            <a:r>
-              <a:rPr lang="pt-BR" dirty="0" err="1" smtClean="0"/>
-              <a:t>bool</a:t>
-            </a:r>
-            <a:r>
-              <a:rPr lang="pt-BR" dirty="0" smtClean="0"/>
-              <a:t> x vetor </a:t>
-            </a:r>
-            <a:r>
-              <a:rPr lang="pt-BR" dirty="0" err="1" smtClean="0"/>
-              <a:t>bool</a:t>
+              <a:t>Programação concorrente</a:t>
             </a:r>
             <a:endParaRPr lang="pt-BR" dirty="0"/>
           </a:p>
@@ -9556,112 +10481,65 @@
             <p:ph idx="1"/>
           </p:nvPr>
         </p:nvSpPr>
-        <p:spPr/>
+        <p:spPr>
+          <a:xfrm>
+            <a:off x="457200" y="2348880"/>
+            <a:ext cx="8363272" cy="3975720"/>
+          </a:xfrm>
+        </p:spPr>
         <p:txBody>
-          <a:bodyPr>
-            <a:normAutofit fontScale="85000" lnSpcReduction="10000"/>
-          </a:bodyPr>
+          <a:bodyPr anchor="t"/>
           <a:lstStyle/>
           <a:p>
-            <a:pPr algn="just">
-              <a:lnSpc>
-                <a:spcPct val="170000"/>
-              </a:lnSpc>
+            <a:r>
+              <a:rPr lang="pt-BR" dirty="0" smtClean="0"/>
+              <a:t>Uso da biblioteca </a:t>
+            </a:r>
+            <a:r>
+              <a:rPr lang="pt-BR" i="1" dirty="0" err="1" smtClean="0"/>
+              <a:t>Boost</a:t>
+            </a:r>
+            <a:r>
+              <a:rPr lang="pt-BR" dirty="0"/>
+              <a:t/>
+            </a:r>
+            <a:br>
+              <a:rPr lang="pt-BR" dirty="0"/>
+            </a:br>
+            <a:r>
+              <a:rPr lang="pt-BR" dirty="0" smtClean="0"/>
+              <a:t/>
+            </a:r>
+            <a:br>
+              <a:rPr lang="pt-BR" dirty="0" smtClean="0"/>
+            </a:br>
+            <a:r>
+              <a:rPr lang="pt-BR" dirty="0" smtClean="0"/>
+              <a:t/>
+            </a:r>
+            <a:br>
+              <a:rPr lang="pt-BR" dirty="0" smtClean="0"/>
+            </a:br>
+            <a:r>
+              <a:rPr lang="pt-BR" dirty="0" smtClean="0"/>
+              <a:t>Possui bibliotecas de suporte a diversas áreas, como gerenciamento de memória, matemática, análise sintática, programação concorrente, entre outras.</a:t>
+            </a:r>
+          </a:p>
+          <a:p>
+            <a:endParaRPr lang="pt-BR" dirty="0"/>
+          </a:p>
+          <a:p>
+            <a:pPr marL="0" indent="0" algn="r">
+              <a:buNone/>
             </a:pPr>
-            <a:endParaRPr lang="pt-BR" dirty="0" smtClean="0"/>
-          </a:p>
-          <a:p>
-            <a:pPr marL="0" indent="0" algn="just">
-              <a:lnSpc>
-                <a:spcPct val="170000"/>
-              </a:lnSpc>
-              <a:buNone/>
-              <a:tabLst>
-                <a:tab pos="180975" algn="l"/>
-              </a:tabLst>
-            </a:pPr>
-            <a:r>
-              <a:rPr lang="pt-BR" dirty="0" smtClean="0"/>
-              <a:t>É sabido que variáveis do tipo </a:t>
-            </a:r>
-            <a:r>
-              <a:rPr lang="pt-BR" dirty="0" err="1" smtClean="0"/>
-              <a:t>bool</a:t>
-            </a:r>
-            <a:r>
-              <a:rPr lang="pt-BR" dirty="0" smtClean="0"/>
-              <a:t> não ocupam somente um </a:t>
-            </a:r>
-            <a:r>
-              <a:rPr lang="pt-BR" i="1" dirty="0" smtClean="0"/>
-              <a:t>bit</a:t>
-            </a:r>
-            <a:r>
-              <a:rPr lang="pt-BR" dirty="0" smtClean="0"/>
-              <a:t> em memória, e sim um </a:t>
-            </a:r>
-            <a:r>
-              <a:rPr lang="pt-BR" i="1" dirty="0" smtClean="0"/>
-              <a:t>byte</a:t>
-            </a:r>
-            <a:r>
-              <a:rPr lang="pt-BR" dirty="0" smtClean="0"/>
-              <a:t> – por questões de endereçamento de memória. Entretanto, o </a:t>
-            </a:r>
-            <a:r>
-              <a:rPr lang="pt-BR" i="1" dirty="0" smtClean="0"/>
-              <a:t>container </a:t>
-            </a:r>
-            <a:r>
-              <a:rPr lang="pt-BR" dirty="0" err="1" smtClean="0">
-                <a:latin typeface="Courier New" pitchFamily="49" charset="0"/>
-                <a:cs typeface="Courier New" pitchFamily="49" charset="0"/>
+            <a:r>
+              <a:rPr lang="pt-BR" sz="2800" i="1" dirty="0" smtClean="0">
+                <a:solidFill>
+                  <a:schemeClr val="tx2"/>
+                </a:solidFill>
+                <a:latin typeface="+mj-lt"/>
               </a:rPr>
-              <a:t>vector</a:t>
-            </a:r>
-            <a:r>
-              <a:rPr lang="pt-BR" dirty="0" smtClean="0">
-                <a:latin typeface="Courier New" pitchFamily="49" charset="0"/>
-                <a:cs typeface="Courier New" pitchFamily="49" charset="0"/>
-              </a:rPr>
-              <a:t>&lt;</a:t>
-            </a:r>
-            <a:r>
-              <a:rPr lang="pt-BR" dirty="0" err="1" smtClean="0">
-                <a:latin typeface="Courier New" pitchFamily="49" charset="0"/>
-                <a:cs typeface="Courier New" pitchFamily="49" charset="0"/>
-              </a:rPr>
-              <a:t>bool</a:t>
-            </a:r>
-            <a:r>
-              <a:rPr lang="pt-BR" dirty="0" smtClean="0">
-                <a:latin typeface="Courier New" pitchFamily="49" charset="0"/>
-                <a:cs typeface="Courier New" pitchFamily="49" charset="0"/>
-              </a:rPr>
-              <a:t>&gt;</a:t>
-            </a:r>
-            <a:r>
-              <a:rPr lang="pt-BR" dirty="0" smtClean="0"/>
-              <a:t>, uma especialização de </a:t>
-            </a:r>
-            <a:r>
-              <a:rPr lang="pt-BR" dirty="0" err="1" smtClean="0">
-                <a:latin typeface="Courier New" pitchFamily="49" charset="0"/>
-                <a:cs typeface="Courier New" pitchFamily="49" charset="0"/>
-              </a:rPr>
-              <a:t>vector</a:t>
-            </a:r>
-            <a:r>
-              <a:rPr lang="pt-BR" dirty="0" smtClean="0"/>
-              <a:t>, usa somente um bit para cada elemento, além de ter a possibilidade de ser referenciado usando os colchetes (“[ ]”), como num </a:t>
-            </a:r>
-            <a:r>
-              <a:rPr lang="pt-BR" i="1" dirty="0" err="1" smtClean="0"/>
-              <a:t>array</a:t>
-            </a:r>
-            <a:r>
-              <a:rPr lang="pt-BR" dirty="0" smtClean="0"/>
-              <a:t>.</a:t>
+              <a:t>www.boost.org</a:t>
             </a:r>
           </a:p>
           <a:p>
@@ -9669,11 +10547,97 @@
           </a:p>
         </p:txBody>
       </p:sp>
+      <p:pic>
+        <p:nvPicPr>
+          <p:cNvPr id="1026" name="Picture 2"/>
+          <p:cNvPicPr>
+            <a:picLocks noChangeAspect="1" noChangeArrowheads="1"/>
+          </p:cNvPicPr>
+          <p:nvPr/>
+        </p:nvPicPr>
+        <p:blipFill>
+          <a:blip r:embed="rId2">
+            <a:clrChange>
+              <a:clrFrom>
+                <a:srgbClr val="FFFFFF"/>
+              </a:clrFrom>
+              <a:clrTo>
+                <a:srgbClr val="FFFFFF">
+                  <a:alpha val="0"/>
+                </a:srgbClr>
+              </a:clrTo>
+            </a:clrChange>
+            <a:extLst>
+              <a:ext uri="{28A0092B-C50C-407E-A947-70E740481C1C}">
+                <a14:useLocalDpi xmlns:a14="http://schemas.microsoft.com/office/drawing/2010/main" val="0"/>
+              </a:ext>
+            </a:extLst>
+          </a:blip>
+          <a:srcRect/>
+          <a:stretch>
+            <a:fillRect/>
+          </a:stretch>
+        </p:blipFill>
+        <p:spPr bwMode="auto">
+          <a:xfrm>
+            <a:off x="6300192" y="2132856"/>
+            <a:ext cx="2638425" cy="819150"/>
+          </a:xfrm>
+          <a:prstGeom prst="rect">
+            <a:avLst/>
+          </a:prstGeom>
+          <a:noFill/>
+          <a:ln>
+            <a:noFill/>
+          </a:ln>
+          <a:effectLst/>
+          <a:extLst>
+            <a:ext uri="{909E8E84-426E-40DD-AFC4-6F175D3DCCD1}">
+              <a14:hiddenFill xmlns:a14="http://schemas.microsoft.com/office/drawing/2010/main">
+                <a:solidFill>
+                  <a:schemeClr val="accent1"/>
+                </a:solidFill>
+              </a14:hiddenFill>
+            </a:ext>
+            <a:ext uri="{91240B29-F687-4F45-9708-019B960494DF}">
+              <a14:hiddenLine xmlns:a14="http://schemas.microsoft.com/office/drawing/2010/main" w="9525">
+                <a:solidFill>
+                  <a:schemeClr val="tx1"/>
+                </a:solidFill>
+                <a:miter lim="800000"/>
+                <a:headEnd/>
+                <a:tailEnd/>
+              </a14:hiddenLine>
+            </a:ext>
+            <a:ext uri="{AF507438-7753-43E0-B8FC-AC1667EBCBE1}">
+              <a14:hiddenEffects xmlns:a14="http://schemas.microsoft.com/office/drawing/2010/main">
+                <a:effectLst>
+                  <a:outerShdw dist="35921" dir="2700000" algn="ctr" rotWithShape="0">
+                    <a:schemeClr val="bg2"/>
+                  </a:outerShdw>
+                </a:effectLst>
+              </a14:hiddenEffects>
+            </a:ext>
+          </a:extLst>
+        </p:spPr>
+      </p:pic>
     </p:spTree>
+    <p:extLst>
+      <p:ext uri="{BB962C8B-B14F-4D97-AF65-F5344CB8AC3E}">
+        <p14:creationId xmlns:p14="http://schemas.microsoft.com/office/powerpoint/2010/main" val="1827242871"/>
+      </p:ext>
+    </p:extLst>
   </p:cSld>
   <p:clrMapOvr>
     <a:masterClrMapping/>
   </p:clrMapOvr>
+  <p:timing>
+    <p:tnLst>
+      <p:par>
+        <p:cTn id="1" dur="indefinite" restart="never" nodeType="tmRoot"/>
+      </p:par>
+    </p:tnLst>
+  </p:timing>
 </p:sld>
 </file>
 
@@ -9704,19 +10668,14 @@
             <p:ph type="title"/>
           </p:nvPr>
         </p:nvSpPr>
-        <p:spPr>
-          <a:xfrm>
-            <a:off x="530352" y="2060848"/>
-            <a:ext cx="7772400" cy="1362456"/>
-          </a:xfrm>
-        </p:spPr>
+        <p:spPr/>
         <p:txBody>
           <a:bodyPr/>
           <a:lstStyle/>
           <a:p>
             <a:r>
               <a:rPr lang="pt-BR" dirty="0" smtClean="0"/>
-              <a:t>Resultados - 1</a:t>
+              <a:t>Programação concorrente</a:t>
             </a:r>
             <a:endParaRPr lang="pt-BR" dirty="0"/>
           </a:p>
@@ -9724,48 +10683,951 @@
       </p:sp>
       <p:sp>
         <p:nvSpPr>
-          <p:cNvPr id="3" name="Espaço Reservado para Texto 2"/>
+          <p:cNvPr id="3" name="Espaço Reservado para Conteúdo 2"/>
           <p:cNvSpPr>
             <a:spLocks noGrp="1"/>
           </p:cNvSpPr>
           <p:nvPr>
-            <p:ph type="body" idx="1"/>
+            <p:ph idx="1"/>
           </p:nvPr>
         </p:nvSpPr>
         <p:spPr>
           <a:xfrm>
-            <a:off x="530352" y="3448776"/>
-            <a:ext cx="7772400" cy="1509712"/>
+            <a:off x="457200" y="2132856"/>
+            <a:ext cx="8363272" cy="4392488"/>
           </a:xfrm>
         </p:spPr>
         <p:txBody>
-          <a:bodyPr/>
+          <a:bodyPr anchor="t">
+            <a:normAutofit fontScale="77500" lnSpcReduction="20000"/>
+          </a:bodyPr>
           <a:lstStyle/>
           <a:p>
-            <a:r>
-              <a:rPr lang="pt-BR" dirty="0" smtClean="0"/>
-              <a:t>Caminho mínimo</a:t>
-            </a:r>
-          </a:p>
-          <a:p>
-            <a:r>
-              <a:rPr lang="pt-BR" dirty="0" smtClean="0"/>
-              <a:t>D</a:t>
-            </a:r>
-            <a:r>
-              <a:rPr lang="pt-BR" dirty="0" smtClean="0"/>
-              <a:t>istância mínima</a:t>
-            </a:r>
-            <a:endParaRPr lang="pt-BR" dirty="0"/>
+            <a:pPr marL="0" indent="0">
+              <a:buNone/>
+            </a:pPr>
+            <a:r>
+              <a:rPr lang="en-US" sz="2100" b="1" dirty="0">
+                <a:solidFill>
+                  <a:schemeClr val="accent1"/>
+                </a:solidFill>
+                <a:latin typeface="Courier New" pitchFamily="49" charset="0"/>
+                <a:cs typeface="Courier New" pitchFamily="49" charset="0"/>
+              </a:rPr>
+              <a:t>#include </a:t>
+            </a:r>
+            <a:r>
+              <a:rPr lang="en-US" sz="2000" b="1" dirty="0" smtClean="0">
+                <a:solidFill>
+                  <a:schemeClr val="accent4"/>
+                </a:solidFill>
+                <a:latin typeface="Courier New" pitchFamily="49" charset="0"/>
+                <a:cs typeface="Courier New" pitchFamily="49" charset="0"/>
+              </a:rPr>
+              <a:t>&lt;boost/thread/thread.hpp&gt;</a:t>
+            </a:r>
+          </a:p>
+          <a:p>
+            <a:pPr marL="0" indent="0">
+              <a:buNone/>
+            </a:pPr>
+            <a:r>
+              <a:rPr lang="en-US" sz="2100" b="1" dirty="0">
+                <a:solidFill>
+                  <a:schemeClr val="accent1"/>
+                </a:solidFill>
+                <a:latin typeface="Courier New" pitchFamily="49" charset="0"/>
+                <a:cs typeface="Courier New" pitchFamily="49" charset="0"/>
+              </a:rPr>
+              <a:t>using namespace </a:t>
+            </a:r>
+            <a:r>
+              <a:rPr lang="en-US" sz="2000" dirty="0" err="1">
+                <a:solidFill>
+                  <a:prstClr val="black"/>
+                </a:solidFill>
+                <a:latin typeface="Courier New" pitchFamily="49" charset="0"/>
+                <a:cs typeface="Courier New" pitchFamily="49" charset="0"/>
+              </a:rPr>
+              <a:t>std</a:t>
+            </a:r>
+            <a:r>
+              <a:rPr lang="en-US" sz="2000" dirty="0">
+                <a:solidFill>
+                  <a:prstClr val="black"/>
+                </a:solidFill>
+                <a:latin typeface="Courier New" pitchFamily="49" charset="0"/>
+                <a:cs typeface="Courier New" pitchFamily="49" charset="0"/>
+              </a:rPr>
+              <a:t>; </a:t>
+            </a:r>
+          </a:p>
+          <a:p>
+            <a:pPr marL="0" indent="0">
+              <a:buNone/>
+            </a:pPr>
+            <a:r>
+              <a:rPr lang="en-US" sz="2000" dirty="0">
+                <a:solidFill>
+                  <a:prstClr val="black"/>
+                </a:solidFill>
+                <a:latin typeface="Courier New" pitchFamily="49" charset="0"/>
+                <a:cs typeface="Courier New" pitchFamily="49" charset="0"/>
+              </a:rPr>
+              <a:t> </a:t>
+            </a:r>
+          </a:p>
+          <a:p>
+            <a:pPr marL="0" indent="0">
+              <a:buNone/>
+            </a:pPr>
+            <a:r>
+              <a:rPr lang="en-US" sz="2100" b="1" dirty="0">
+                <a:solidFill>
+                  <a:schemeClr val="accent1"/>
+                </a:solidFill>
+                <a:latin typeface="Courier New" pitchFamily="49" charset="0"/>
+                <a:cs typeface="Courier New" pitchFamily="49" charset="0"/>
+              </a:rPr>
+              <a:t>void</a:t>
+            </a:r>
+            <a:r>
+              <a:rPr lang="en-US" sz="2000" dirty="0">
+                <a:solidFill>
+                  <a:prstClr val="black"/>
+                </a:solidFill>
+                <a:latin typeface="Courier New" pitchFamily="49" charset="0"/>
+                <a:cs typeface="Courier New" pitchFamily="49" charset="0"/>
+              </a:rPr>
+              <a:t> </a:t>
+            </a:r>
+            <a:r>
+              <a:rPr lang="en-US" sz="2000" b="1" dirty="0" err="1">
+                <a:latin typeface="Courier New" pitchFamily="49" charset="0"/>
+                <a:cs typeface="Courier New" pitchFamily="49" charset="0"/>
+              </a:rPr>
+              <a:t>ola_mundo</a:t>
+            </a:r>
+            <a:r>
+              <a:rPr lang="en-US" sz="2000" dirty="0">
+                <a:solidFill>
+                  <a:prstClr val="black"/>
+                </a:solidFill>
+                <a:latin typeface="Courier New" pitchFamily="49" charset="0"/>
+                <a:cs typeface="Courier New" pitchFamily="49" charset="0"/>
+              </a:rPr>
+              <a:t>()</a:t>
+            </a:r>
+          </a:p>
+          <a:p>
+            <a:pPr marL="0" indent="0">
+              <a:buNone/>
+            </a:pPr>
+            <a:r>
+              <a:rPr lang="en-US" sz="2000" dirty="0">
+                <a:solidFill>
+                  <a:prstClr val="black"/>
+                </a:solidFill>
+                <a:latin typeface="Courier New" pitchFamily="49" charset="0"/>
+                <a:cs typeface="Courier New" pitchFamily="49" charset="0"/>
+              </a:rPr>
+              <a:t>{</a:t>
+            </a:r>
+          </a:p>
+          <a:p>
+            <a:pPr marL="0" indent="0">
+              <a:buNone/>
+            </a:pPr>
+            <a:r>
+              <a:rPr lang="en-US" sz="2000" dirty="0">
+                <a:solidFill>
+                  <a:prstClr val="black"/>
+                </a:solidFill>
+                <a:latin typeface="Courier New" pitchFamily="49" charset="0"/>
+                <a:cs typeface="Courier New" pitchFamily="49" charset="0"/>
+              </a:rPr>
+              <a:t>   </a:t>
+            </a:r>
+            <a:r>
+              <a:rPr lang="en-US" sz="2000" dirty="0" err="1">
+                <a:solidFill>
+                  <a:prstClr val="black"/>
+                </a:solidFill>
+                <a:latin typeface="Courier New" pitchFamily="49" charset="0"/>
+                <a:cs typeface="Courier New" pitchFamily="49" charset="0"/>
+              </a:rPr>
+              <a:t>cout</a:t>
+            </a:r>
+            <a:r>
+              <a:rPr lang="en-US" sz="2000" dirty="0">
+                <a:solidFill>
+                  <a:prstClr val="black"/>
+                </a:solidFill>
+                <a:latin typeface="Courier New" pitchFamily="49" charset="0"/>
+                <a:cs typeface="Courier New" pitchFamily="49" charset="0"/>
+              </a:rPr>
+              <a:t> &lt;&lt; </a:t>
+            </a:r>
+            <a:r>
+              <a:rPr lang="en-US" sz="2000" dirty="0">
+                <a:solidFill>
+                  <a:srgbClr val="7030A0"/>
+                </a:solidFill>
+                <a:latin typeface="Courier New" pitchFamily="49" charset="0"/>
+                <a:cs typeface="Courier New" pitchFamily="49" charset="0"/>
+              </a:rPr>
+              <a:t>"Ola </a:t>
+            </a:r>
+            <a:r>
+              <a:rPr lang="en-US" sz="2000" dirty="0" err="1">
+                <a:solidFill>
+                  <a:srgbClr val="7030A0"/>
+                </a:solidFill>
+                <a:latin typeface="Courier New" pitchFamily="49" charset="0"/>
+                <a:cs typeface="Courier New" pitchFamily="49" charset="0"/>
+              </a:rPr>
+              <a:t>mundo</a:t>
+            </a:r>
+            <a:r>
+              <a:rPr lang="en-US" sz="2000" dirty="0">
+                <a:solidFill>
+                  <a:srgbClr val="7030A0"/>
+                </a:solidFill>
+                <a:latin typeface="Courier New" pitchFamily="49" charset="0"/>
+                <a:cs typeface="Courier New" pitchFamily="49" charset="0"/>
+              </a:rPr>
+              <a:t>, </a:t>
+            </a:r>
+            <a:r>
+              <a:rPr lang="en-US" sz="2000" dirty="0" err="1">
+                <a:solidFill>
+                  <a:srgbClr val="7030A0"/>
+                </a:solidFill>
+                <a:latin typeface="Courier New" pitchFamily="49" charset="0"/>
+                <a:cs typeface="Courier New" pitchFamily="49" charset="0"/>
+              </a:rPr>
+              <a:t>sou</a:t>
+            </a:r>
+            <a:r>
+              <a:rPr lang="en-US" sz="2000" dirty="0">
+                <a:solidFill>
+                  <a:srgbClr val="7030A0"/>
+                </a:solidFill>
+                <a:latin typeface="Courier New" pitchFamily="49" charset="0"/>
+                <a:cs typeface="Courier New" pitchFamily="49" charset="0"/>
+              </a:rPr>
+              <a:t> </a:t>
+            </a:r>
+            <a:r>
+              <a:rPr lang="en-US" sz="2000" dirty="0" err="1">
+                <a:solidFill>
+                  <a:srgbClr val="7030A0"/>
+                </a:solidFill>
+                <a:latin typeface="Courier New" pitchFamily="49" charset="0"/>
+                <a:cs typeface="Courier New" pitchFamily="49" charset="0"/>
+              </a:rPr>
+              <a:t>uma</a:t>
+            </a:r>
+            <a:r>
+              <a:rPr lang="en-US" sz="2000" dirty="0">
+                <a:solidFill>
+                  <a:srgbClr val="7030A0"/>
+                </a:solidFill>
+                <a:latin typeface="Courier New" pitchFamily="49" charset="0"/>
+                <a:cs typeface="Courier New" pitchFamily="49" charset="0"/>
+              </a:rPr>
+              <a:t> thread!"</a:t>
+            </a:r>
+            <a:r>
+              <a:rPr lang="en-US" sz="2000" dirty="0">
+                <a:solidFill>
+                  <a:prstClr val="black"/>
+                </a:solidFill>
+                <a:latin typeface="Courier New" pitchFamily="49" charset="0"/>
+                <a:cs typeface="Courier New" pitchFamily="49" charset="0"/>
+              </a:rPr>
+              <a:t> &lt;&lt; </a:t>
+            </a:r>
+            <a:r>
+              <a:rPr lang="en-US" sz="2100" b="1" dirty="0" err="1">
+                <a:solidFill>
+                  <a:schemeClr val="accent1"/>
+                </a:solidFill>
+                <a:latin typeface="Courier New" pitchFamily="49" charset="0"/>
+                <a:cs typeface="Courier New" pitchFamily="49" charset="0"/>
+              </a:rPr>
+              <a:t>endl</a:t>
+            </a:r>
+            <a:r>
+              <a:rPr lang="en-US" sz="2000" dirty="0">
+                <a:solidFill>
+                  <a:prstClr val="black"/>
+                </a:solidFill>
+                <a:latin typeface="Courier New" pitchFamily="49" charset="0"/>
+                <a:cs typeface="Courier New" pitchFamily="49" charset="0"/>
+              </a:rPr>
+              <a:t>;</a:t>
+            </a:r>
+          </a:p>
+          <a:p>
+            <a:pPr marL="0" indent="0">
+              <a:buNone/>
+            </a:pPr>
+            <a:r>
+              <a:rPr lang="en-US" sz="2000" dirty="0">
+                <a:solidFill>
+                  <a:prstClr val="black"/>
+                </a:solidFill>
+                <a:latin typeface="Courier New" pitchFamily="49" charset="0"/>
+                <a:cs typeface="Courier New" pitchFamily="49" charset="0"/>
+              </a:rPr>
+              <a:t>}</a:t>
+            </a:r>
+          </a:p>
+          <a:p>
+            <a:pPr marL="0" indent="0">
+              <a:buNone/>
+            </a:pPr>
+            <a:r>
+              <a:rPr lang="en-US" sz="2000" dirty="0">
+                <a:solidFill>
+                  <a:prstClr val="black"/>
+                </a:solidFill>
+                <a:latin typeface="Courier New" pitchFamily="49" charset="0"/>
+                <a:cs typeface="Courier New" pitchFamily="49" charset="0"/>
+              </a:rPr>
+              <a:t> </a:t>
+            </a:r>
+          </a:p>
+          <a:p>
+            <a:pPr marL="0" indent="0">
+              <a:buNone/>
+            </a:pPr>
+            <a:r>
+              <a:rPr lang="en-US" sz="2100" b="1" dirty="0" err="1">
+                <a:solidFill>
+                  <a:schemeClr val="accent1"/>
+                </a:solidFill>
+                <a:latin typeface="Courier New" pitchFamily="49" charset="0"/>
+                <a:cs typeface="Courier New" pitchFamily="49" charset="0"/>
+              </a:rPr>
+              <a:t>int</a:t>
+            </a:r>
+            <a:r>
+              <a:rPr lang="en-US" sz="2000" dirty="0">
+                <a:solidFill>
+                  <a:prstClr val="black"/>
+                </a:solidFill>
+                <a:latin typeface="Courier New" pitchFamily="49" charset="0"/>
+                <a:cs typeface="Courier New" pitchFamily="49" charset="0"/>
+              </a:rPr>
+              <a:t> </a:t>
+            </a:r>
+            <a:r>
+              <a:rPr lang="en-US" sz="2000" b="1" dirty="0">
+                <a:solidFill>
+                  <a:prstClr val="black"/>
+                </a:solidFill>
+                <a:latin typeface="Courier New" pitchFamily="49" charset="0"/>
+                <a:cs typeface="Courier New" pitchFamily="49" charset="0"/>
+              </a:rPr>
+              <a:t>main</a:t>
+            </a:r>
+            <a:r>
+              <a:rPr lang="en-US" sz="2000" dirty="0">
+                <a:solidFill>
+                  <a:prstClr val="black"/>
+                </a:solidFill>
+                <a:latin typeface="Courier New" pitchFamily="49" charset="0"/>
+                <a:cs typeface="Courier New" pitchFamily="49" charset="0"/>
+              </a:rPr>
+              <a:t>(</a:t>
+            </a:r>
+            <a:r>
+              <a:rPr lang="en-US" sz="2000" dirty="0" err="1">
+                <a:solidFill>
+                  <a:prstClr val="black"/>
+                </a:solidFill>
+                <a:latin typeface="Courier New" pitchFamily="49" charset="0"/>
+                <a:cs typeface="Courier New" pitchFamily="49" charset="0"/>
+              </a:rPr>
+              <a:t>int</a:t>
+            </a:r>
+            <a:r>
+              <a:rPr lang="en-US" sz="2000" dirty="0">
+                <a:solidFill>
+                  <a:prstClr val="black"/>
+                </a:solidFill>
+                <a:latin typeface="Courier New" pitchFamily="49" charset="0"/>
+                <a:cs typeface="Courier New" pitchFamily="49" charset="0"/>
+              </a:rPr>
+              <a:t> </a:t>
+            </a:r>
+            <a:r>
+              <a:rPr lang="en-US" sz="2000" dirty="0" err="1">
+                <a:solidFill>
+                  <a:prstClr val="black"/>
+                </a:solidFill>
+                <a:latin typeface="Courier New" pitchFamily="49" charset="0"/>
+                <a:cs typeface="Courier New" pitchFamily="49" charset="0"/>
+              </a:rPr>
+              <a:t>argc</a:t>
+            </a:r>
+            <a:r>
+              <a:rPr lang="en-US" sz="2000" dirty="0">
+                <a:solidFill>
+                  <a:prstClr val="black"/>
+                </a:solidFill>
+                <a:latin typeface="Courier New" pitchFamily="49" charset="0"/>
+                <a:cs typeface="Courier New" pitchFamily="49" charset="0"/>
+              </a:rPr>
+              <a:t>, char* </a:t>
+            </a:r>
+            <a:r>
+              <a:rPr lang="en-US" sz="2000" dirty="0" err="1">
+                <a:solidFill>
+                  <a:prstClr val="black"/>
+                </a:solidFill>
+                <a:latin typeface="Courier New" pitchFamily="49" charset="0"/>
+                <a:cs typeface="Courier New" pitchFamily="49" charset="0"/>
+              </a:rPr>
+              <a:t>argv</a:t>
+            </a:r>
+            <a:r>
+              <a:rPr lang="en-US" sz="2000" dirty="0">
+                <a:solidFill>
+                  <a:prstClr val="black"/>
+                </a:solidFill>
+                <a:latin typeface="Courier New" pitchFamily="49" charset="0"/>
+                <a:cs typeface="Courier New" pitchFamily="49" charset="0"/>
+              </a:rPr>
+              <a:t>[])</a:t>
+            </a:r>
+          </a:p>
+          <a:p>
+            <a:pPr marL="0" indent="0">
+              <a:buNone/>
+            </a:pPr>
+            <a:r>
+              <a:rPr lang="en-US" sz="2000" dirty="0">
+                <a:solidFill>
+                  <a:prstClr val="black"/>
+                </a:solidFill>
+                <a:latin typeface="Courier New" pitchFamily="49" charset="0"/>
+                <a:cs typeface="Courier New" pitchFamily="49" charset="0"/>
+              </a:rPr>
+              <a:t>{</a:t>
+            </a:r>
+          </a:p>
+          <a:p>
+            <a:pPr marL="0" indent="0">
+              <a:buNone/>
+            </a:pPr>
+            <a:r>
+              <a:rPr lang="en-US" sz="2000" dirty="0">
+                <a:solidFill>
+                  <a:prstClr val="black"/>
+                </a:solidFill>
+                <a:latin typeface="Courier New" pitchFamily="49" charset="0"/>
+                <a:cs typeface="Courier New" pitchFamily="49" charset="0"/>
+              </a:rPr>
+              <a:t>   </a:t>
+            </a:r>
+            <a:r>
+              <a:rPr lang="en-US" sz="2000" dirty="0">
+                <a:solidFill>
+                  <a:schemeClr val="accent6">
+                    <a:lumMod val="50000"/>
+                  </a:schemeClr>
+                </a:solidFill>
+                <a:latin typeface="Courier New" pitchFamily="49" charset="0"/>
+                <a:cs typeface="Courier New" pitchFamily="49" charset="0"/>
+              </a:rPr>
+              <a:t>// </a:t>
+            </a:r>
+            <a:r>
+              <a:rPr lang="en-US" sz="2000" dirty="0" err="1">
+                <a:solidFill>
+                  <a:schemeClr val="accent6">
+                    <a:lumMod val="50000"/>
+                  </a:schemeClr>
+                </a:solidFill>
+                <a:latin typeface="Courier New" pitchFamily="49" charset="0"/>
+                <a:cs typeface="Courier New" pitchFamily="49" charset="0"/>
+              </a:rPr>
+              <a:t>inicia</a:t>
+            </a:r>
+            <a:r>
+              <a:rPr lang="en-US" sz="2000" dirty="0">
+                <a:solidFill>
+                  <a:schemeClr val="accent6">
+                    <a:lumMod val="50000"/>
+                  </a:schemeClr>
+                </a:solidFill>
+                <a:latin typeface="Courier New" pitchFamily="49" charset="0"/>
+                <a:cs typeface="Courier New" pitchFamily="49" charset="0"/>
+              </a:rPr>
+              <a:t> </a:t>
+            </a:r>
+            <a:r>
+              <a:rPr lang="en-US" sz="2000" dirty="0" err="1">
+                <a:solidFill>
+                  <a:schemeClr val="accent6">
+                    <a:lumMod val="50000"/>
+                  </a:schemeClr>
+                </a:solidFill>
+                <a:latin typeface="Courier New" pitchFamily="49" charset="0"/>
+                <a:cs typeface="Courier New" pitchFamily="49" charset="0"/>
+              </a:rPr>
+              <a:t>uma</a:t>
+            </a:r>
+            <a:r>
+              <a:rPr lang="en-US" sz="2000" dirty="0">
+                <a:solidFill>
+                  <a:schemeClr val="accent6">
+                    <a:lumMod val="50000"/>
+                  </a:schemeClr>
+                </a:solidFill>
+                <a:latin typeface="Courier New" pitchFamily="49" charset="0"/>
+                <a:cs typeface="Courier New" pitchFamily="49" charset="0"/>
+              </a:rPr>
+              <a:t> nova thread </a:t>
+            </a:r>
+            <a:r>
+              <a:rPr lang="en-US" sz="2000" dirty="0" err="1">
+                <a:solidFill>
+                  <a:schemeClr val="accent6">
+                    <a:lumMod val="50000"/>
+                  </a:schemeClr>
+                </a:solidFill>
+                <a:latin typeface="Courier New" pitchFamily="49" charset="0"/>
+                <a:cs typeface="Courier New" pitchFamily="49" charset="0"/>
+              </a:rPr>
+              <a:t>que</a:t>
+            </a:r>
+            <a:r>
+              <a:rPr lang="en-US" sz="2000" dirty="0">
+                <a:solidFill>
+                  <a:schemeClr val="accent6">
+                    <a:lumMod val="50000"/>
+                  </a:schemeClr>
+                </a:solidFill>
+                <a:latin typeface="Courier New" pitchFamily="49" charset="0"/>
+                <a:cs typeface="Courier New" pitchFamily="49" charset="0"/>
+              </a:rPr>
+              <a:t> </a:t>
+            </a:r>
+            <a:r>
+              <a:rPr lang="en-US" sz="2000" dirty="0" err="1">
+                <a:solidFill>
+                  <a:schemeClr val="accent6">
+                    <a:lumMod val="50000"/>
+                  </a:schemeClr>
+                </a:solidFill>
+                <a:latin typeface="Courier New" pitchFamily="49" charset="0"/>
+                <a:cs typeface="Courier New" pitchFamily="49" charset="0"/>
+              </a:rPr>
+              <a:t>chama</a:t>
+            </a:r>
+            <a:r>
+              <a:rPr lang="en-US" sz="2000" dirty="0">
+                <a:solidFill>
+                  <a:schemeClr val="accent6">
+                    <a:lumMod val="50000"/>
+                  </a:schemeClr>
+                </a:solidFill>
+                <a:latin typeface="Courier New" pitchFamily="49" charset="0"/>
+                <a:cs typeface="Courier New" pitchFamily="49" charset="0"/>
+              </a:rPr>
+              <a:t> a </a:t>
+            </a:r>
+            <a:r>
+              <a:rPr lang="en-US" sz="2000" dirty="0" err="1">
+                <a:solidFill>
+                  <a:schemeClr val="accent6">
+                    <a:lumMod val="50000"/>
+                  </a:schemeClr>
+                </a:solidFill>
+                <a:latin typeface="Courier New" pitchFamily="49" charset="0"/>
+                <a:cs typeface="Courier New" pitchFamily="49" charset="0"/>
+              </a:rPr>
+              <a:t>função</a:t>
+            </a:r>
+            <a:r>
+              <a:rPr lang="en-US" sz="2000" dirty="0">
+                <a:solidFill>
+                  <a:schemeClr val="accent6">
+                    <a:lumMod val="50000"/>
+                  </a:schemeClr>
+                </a:solidFill>
+                <a:latin typeface="Courier New" pitchFamily="49" charset="0"/>
+                <a:cs typeface="Courier New" pitchFamily="49" charset="0"/>
+              </a:rPr>
+              <a:t> </a:t>
+            </a:r>
+            <a:r>
+              <a:rPr lang="en-US" sz="2000" dirty="0" err="1">
+                <a:solidFill>
+                  <a:schemeClr val="accent6">
+                    <a:lumMod val="50000"/>
+                  </a:schemeClr>
+                </a:solidFill>
+                <a:latin typeface="Courier New" pitchFamily="49" charset="0"/>
+                <a:cs typeface="Courier New" pitchFamily="49" charset="0"/>
+              </a:rPr>
+              <a:t>ola_mundo</a:t>
+            </a:r>
+            <a:endParaRPr lang="en-US" sz="2000" dirty="0">
+              <a:solidFill>
+                <a:schemeClr val="accent6">
+                  <a:lumMod val="50000"/>
+                </a:schemeClr>
+              </a:solidFill>
+              <a:latin typeface="Courier New" pitchFamily="49" charset="0"/>
+              <a:cs typeface="Courier New" pitchFamily="49" charset="0"/>
+            </a:endParaRPr>
+          </a:p>
+          <a:p>
+            <a:pPr marL="0" indent="0">
+              <a:buNone/>
+            </a:pPr>
+            <a:r>
+              <a:rPr lang="en-US" sz="2000" dirty="0">
+                <a:solidFill>
+                  <a:prstClr val="black"/>
+                </a:solidFill>
+                <a:latin typeface="Courier New" pitchFamily="49" charset="0"/>
+                <a:cs typeface="Courier New" pitchFamily="49" charset="0"/>
+              </a:rPr>
+              <a:t>   </a:t>
+            </a:r>
+            <a:r>
+              <a:rPr lang="en-US" sz="2000" b="1" dirty="0">
+                <a:solidFill>
+                  <a:schemeClr val="accent1"/>
+                </a:solidFill>
+                <a:latin typeface="Courier New" pitchFamily="49" charset="0"/>
+                <a:cs typeface="Courier New" pitchFamily="49" charset="0"/>
+              </a:rPr>
+              <a:t>boost::thread </a:t>
+            </a:r>
+            <a:r>
+              <a:rPr lang="en-US" sz="2000" dirty="0" err="1">
+                <a:solidFill>
+                  <a:prstClr val="black"/>
+                </a:solidFill>
+                <a:latin typeface="Courier New" pitchFamily="49" charset="0"/>
+                <a:cs typeface="Courier New" pitchFamily="49" charset="0"/>
+              </a:rPr>
+              <a:t>minha_thread</a:t>
+            </a:r>
+            <a:r>
+              <a:rPr lang="en-US" sz="2000" dirty="0">
+                <a:solidFill>
+                  <a:prstClr val="black"/>
+                </a:solidFill>
+                <a:latin typeface="Courier New" pitchFamily="49" charset="0"/>
+                <a:cs typeface="Courier New" pitchFamily="49" charset="0"/>
+              </a:rPr>
+              <a:t>( &amp;</a:t>
+            </a:r>
+            <a:r>
+              <a:rPr lang="en-US" sz="2000" dirty="0" err="1">
+                <a:solidFill>
+                  <a:prstClr val="black"/>
+                </a:solidFill>
+                <a:latin typeface="Courier New" pitchFamily="49" charset="0"/>
+                <a:cs typeface="Courier New" pitchFamily="49" charset="0"/>
+              </a:rPr>
+              <a:t>ola_mundo</a:t>
+            </a:r>
+            <a:r>
+              <a:rPr lang="en-US" sz="2000" dirty="0">
+                <a:solidFill>
+                  <a:prstClr val="black"/>
+                </a:solidFill>
+                <a:latin typeface="Courier New" pitchFamily="49" charset="0"/>
+                <a:cs typeface="Courier New" pitchFamily="49" charset="0"/>
+              </a:rPr>
+              <a:t> );</a:t>
+            </a:r>
+          </a:p>
+          <a:p>
+            <a:pPr marL="0" indent="0">
+              <a:buNone/>
+            </a:pPr>
+            <a:r>
+              <a:rPr lang="en-US" sz="2000" dirty="0">
+                <a:solidFill>
+                  <a:prstClr val="black"/>
+                </a:solidFill>
+                <a:latin typeface="Courier New" pitchFamily="49" charset="0"/>
+                <a:cs typeface="Courier New" pitchFamily="49" charset="0"/>
+              </a:rPr>
+              <a:t>   </a:t>
+            </a:r>
+            <a:r>
+              <a:rPr lang="en-US" sz="2000" dirty="0">
+                <a:solidFill>
+                  <a:schemeClr val="accent6">
+                    <a:lumMod val="50000"/>
+                  </a:schemeClr>
+                </a:solidFill>
+                <a:latin typeface="Courier New" pitchFamily="49" charset="0"/>
+                <a:cs typeface="Courier New" pitchFamily="49" charset="0"/>
+              </a:rPr>
+              <a:t>// </a:t>
+            </a:r>
+            <a:r>
+              <a:rPr lang="en-US" sz="2000" dirty="0" err="1">
+                <a:solidFill>
+                  <a:schemeClr val="accent6">
+                    <a:lumMod val="50000"/>
+                  </a:schemeClr>
+                </a:solidFill>
+                <a:latin typeface="Courier New" pitchFamily="49" charset="0"/>
+                <a:cs typeface="Courier New" pitchFamily="49" charset="0"/>
+              </a:rPr>
+              <a:t>espera</a:t>
+            </a:r>
+            <a:r>
+              <a:rPr lang="en-US" sz="2000" dirty="0">
+                <a:solidFill>
+                  <a:schemeClr val="accent6">
+                    <a:lumMod val="50000"/>
+                  </a:schemeClr>
+                </a:solidFill>
+                <a:latin typeface="Courier New" pitchFamily="49" charset="0"/>
+                <a:cs typeface="Courier New" pitchFamily="49" charset="0"/>
+              </a:rPr>
+              <a:t> a thread </a:t>
+            </a:r>
+            <a:r>
+              <a:rPr lang="en-US" sz="2000" dirty="0" err="1">
+                <a:solidFill>
+                  <a:schemeClr val="accent6">
+                    <a:lumMod val="50000"/>
+                  </a:schemeClr>
+                </a:solidFill>
+                <a:latin typeface="Courier New" pitchFamily="49" charset="0"/>
+                <a:cs typeface="Courier New" pitchFamily="49" charset="0"/>
+              </a:rPr>
+              <a:t>finalizar</a:t>
+            </a:r>
+            <a:endParaRPr lang="en-US" sz="2000" dirty="0">
+              <a:solidFill>
+                <a:schemeClr val="accent6">
+                  <a:lumMod val="50000"/>
+                </a:schemeClr>
+              </a:solidFill>
+              <a:latin typeface="Courier New" pitchFamily="49" charset="0"/>
+              <a:cs typeface="Courier New" pitchFamily="49" charset="0"/>
+            </a:endParaRPr>
+          </a:p>
+          <a:p>
+            <a:pPr marL="0" indent="0">
+              <a:buNone/>
+            </a:pPr>
+            <a:r>
+              <a:rPr lang="en-US" sz="2000" dirty="0">
+                <a:solidFill>
+                  <a:prstClr val="black"/>
+                </a:solidFill>
+                <a:latin typeface="Courier New" pitchFamily="49" charset="0"/>
+                <a:cs typeface="Courier New" pitchFamily="49" charset="0"/>
+              </a:rPr>
+              <a:t>   </a:t>
+            </a:r>
+            <a:r>
+              <a:rPr lang="en-US" sz="2000" dirty="0" err="1">
+                <a:solidFill>
+                  <a:prstClr val="black"/>
+                </a:solidFill>
+                <a:latin typeface="Courier New" pitchFamily="49" charset="0"/>
+                <a:cs typeface="Courier New" pitchFamily="49" charset="0"/>
+              </a:rPr>
+              <a:t>minha_thread.join</a:t>
+            </a:r>
+            <a:r>
+              <a:rPr lang="en-US" sz="2000" dirty="0">
+                <a:solidFill>
+                  <a:prstClr val="black"/>
+                </a:solidFill>
+                <a:latin typeface="Courier New" pitchFamily="49" charset="0"/>
+                <a:cs typeface="Courier New" pitchFamily="49" charset="0"/>
+              </a:rPr>
+              <a:t>();</a:t>
+            </a:r>
+          </a:p>
+          <a:p>
+            <a:pPr marL="0" indent="0">
+              <a:buNone/>
+            </a:pPr>
+            <a:r>
+              <a:rPr lang="en-US" sz="2000" dirty="0">
+                <a:solidFill>
+                  <a:prstClr val="black"/>
+                </a:solidFill>
+                <a:latin typeface="Courier New" pitchFamily="49" charset="0"/>
+                <a:cs typeface="Courier New" pitchFamily="49" charset="0"/>
+              </a:rPr>
+              <a:t> </a:t>
+            </a:r>
+          </a:p>
+          <a:p>
+            <a:pPr marL="0" indent="0">
+              <a:buNone/>
+            </a:pPr>
+            <a:r>
+              <a:rPr lang="en-US" sz="2000" dirty="0">
+                <a:solidFill>
+                  <a:prstClr val="black"/>
+                </a:solidFill>
+                <a:latin typeface="Courier New" pitchFamily="49" charset="0"/>
+                <a:cs typeface="Courier New" pitchFamily="49" charset="0"/>
+              </a:rPr>
+              <a:t>   </a:t>
+            </a:r>
+            <a:r>
+              <a:rPr lang="en-US" sz="2100" b="1" dirty="0">
+                <a:solidFill>
+                  <a:schemeClr val="accent1"/>
+                </a:solidFill>
+                <a:latin typeface="Courier New" pitchFamily="49" charset="0"/>
+                <a:cs typeface="Courier New" pitchFamily="49" charset="0"/>
+              </a:rPr>
+              <a:t>return</a:t>
+            </a:r>
+            <a:r>
+              <a:rPr lang="en-US" sz="2000" dirty="0">
+                <a:solidFill>
+                  <a:prstClr val="black"/>
+                </a:solidFill>
+                <a:latin typeface="Courier New" pitchFamily="49" charset="0"/>
+                <a:cs typeface="Courier New" pitchFamily="49" charset="0"/>
+              </a:rPr>
+              <a:t> 0;</a:t>
+            </a:r>
+          </a:p>
+          <a:p>
+            <a:pPr marL="0" indent="0">
+              <a:buNone/>
+            </a:pPr>
+            <a:r>
+              <a:rPr lang="en-US" sz="2000" dirty="0">
+                <a:solidFill>
+                  <a:prstClr val="black"/>
+                </a:solidFill>
+                <a:latin typeface="Courier New" pitchFamily="49" charset="0"/>
+                <a:cs typeface="Courier New" pitchFamily="49" charset="0"/>
+              </a:rPr>
+              <a:t>}</a:t>
+            </a:r>
+            <a:endParaRPr lang="pt-BR" sz="2000" dirty="0" smtClean="0">
+              <a:latin typeface="Courier New" pitchFamily="49" charset="0"/>
+              <a:cs typeface="Courier New" pitchFamily="49" charset="0"/>
+            </a:endParaRPr>
           </a:p>
         </p:txBody>
       </p:sp>
+      <p:pic>
+        <p:nvPicPr>
+          <p:cNvPr id="1026" name="Picture 2"/>
+          <p:cNvPicPr>
+            <a:picLocks noChangeAspect="1" noChangeArrowheads="1"/>
+          </p:cNvPicPr>
+          <p:nvPr/>
+        </p:nvPicPr>
+        <p:blipFill>
+          <a:blip r:embed="rId2">
+            <a:clrChange>
+              <a:clrFrom>
+                <a:srgbClr val="FFFFFF"/>
+              </a:clrFrom>
+              <a:clrTo>
+                <a:srgbClr val="FFFFFF">
+                  <a:alpha val="0"/>
+                </a:srgbClr>
+              </a:clrTo>
+            </a:clrChange>
+            <a:extLst>
+              <a:ext uri="{28A0092B-C50C-407E-A947-70E740481C1C}">
+                <a14:useLocalDpi xmlns:a14="http://schemas.microsoft.com/office/drawing/2010/main" val="0"/>
+              </a:ext>
+            </a:extLst>
+          </a:blip>
+          <a:srcRect/>
+          <a:stretch>
+            <a:fillRect/>
+          </a:stretch>
+        </p:blipFill>
+        <p:spPr bwMode="auto">
+          <a:xfrm>
+            <a:off x="6300192" y="2132856"/>
+            <a:ext cx="2638425" cy="819150"/>
+          </a:xfrm>
+          <a:prstGeom prst="rect">
+            <a:avLst/>
+          </a:prstGeom>
+          <a:noFill/>
+          <a:ln>
+            <a:noFill/>
+          </a:ln>
+          <a:effectLst/>
+          <a:extLst>
+            <a:ext uri="{909E8E84-426E-40DD-AFC4-6F175D3DCCD1}">
+              <a14:hiddenFill xmlns:a14="http://schemas.microsoft.com/office/drawing/2010/main">
+                <a:solidFill>
+                  <a:schemeClr val="accent1"/>
+                </a:solidFill>
+              </a14:hiddenFill>
+            </a:ext>
+            <a:ext uri="{91240B29-F687-4F45-9708-019B960494DF}">
+              <a14:hiddenLine xmlns:a14="http://schemas.microsoft.com/office/drawing/2010/main" w="9525">
+                <a:solidFill>
+                  <a:schemeClr val="tx1"/>
+                </a:solidFill>
+                <a:miter lim="800000"/>
+                <a:headEnd/>
+                <a:tailEnd/>
+              </a14:hiddenLine>
+            </a:ext>
+            <a:ext uri="{AF507438-7753-43E0-B8FC-AC1667EBCBE1}">
+              <a14:hiddenEffects xmlns:a14="http://schemas.microsoft.com/office/drawing/2010/main">
+                <a:effectLst>
+                  <a:outerShdw dist="35921" dir="2700000" algn="ctr" rotWithShape="0">
+                    <a:schemeClr val="bg2"/>
+                  </a:outerShdw>
+                </a:effectLst>
+              </a14:hiddenEffects>
+            </a:ext>
+          </a:extLst>
+        </p:spPr>
+      </p:pic>
     </p:spTree>
+    <p:extLst>
+      <p:ext uri="{BB962C8B-B14F-4D97-AF65-F5344CB8AC3E}">
+        <p14:creationId xmlns:p14="http://schemas.microsoft.com/office/powerpoint/2010/main" val="2337106563"/>
+      </p:ext>
+    </p:extLst>
   </p:cSld>
   <p:clrMapOvr>
     <a:masterClrMapping/>
   </p:clrMapOvr>
+  <p:timing>
+    <p:tnLst>
+      <p:par>
+        <p:cTn id="1" dur="indefinite" restart="never" nodeType="tmRoot"/>
+      </p:par>
+    </p:tnLst>
+  </p:timing>
 </p:sld>
+</file>
+
+<file path=ppt/tags/tag1.xml><?xml version="1.0" encoding="utf-8"?>
+<p:tagLst xmlns:a="http://schemas.openxmlformats.org/drawingml/2006/main" xmlns:r="http://schemas.openxmlformats.org/officeDocument/2006/relationships" xmlns:p="http://schemas.openxmlformats.org/presentationml/2006/main">
+  <p:tag name="ISPRING_RESOURCE_PATHS_HASH" val="a13a1cea625e35eb595b22bd03d01ed654e59"/>
+</p:tagLst>
 </file>
 
 <file path=ppt/theme/theme1.xml><?xml version="1.0" encoding="utf-8"?>
